--- a/Fall_2020/Slides/01-Introduction.pptx
+++ b/Fall_2020/Slides/01-Introduction.pptx
@@ -5,7 +5,7 @@
     <p:sldMasterId id="2147483696" r:id="rId1"/>
   </p:sldMasterIdLst>
   <p:notesMasterIdLst>
-    <p:notesMasterId r:id="rId55"/>
+    <p:notesMasterId r:id="rId57"/>
   </p:notesMasterIdLst>
   <p:sldIdLst>
     <p:sldId id="256" r:id="rId2"/>
@@ -38,29 +38,31 @@
     <p:sldId id="257" r:id="rId29"/>
     <p:sldId id="279" r:id="rId30"/>
     <p:sldId id="280" r:id="rId31"/>
-    <p:sldId id="281" r:id="rId32"/>
-    <p:sldId id="282" r:id="rId33"/>
-    <p:sldId id="283" r:id="rId34"/>
-    <p:sldId id="284" r:id="rId35"/>
-    <p:sldId id="285" r:id="rId36"/>
-    <p:sldId id="265" r:id="rId37"/>
-    <p:sldId id="266" r:id="rId38"/>
-    <p:sldId id="267" r:id="rId39"/>
-    <p:sldId id="286" r:id="rId40"/>
-    <p:sldId id="287" r:id="rId41"/>
-    <p:sldId id="288" r:id="rId42"/>
+    <p:sldId id="325" r:id="rId32"/>
+    <p:sldId id="324" r:id="rId33"/>
+    <p:sldId id="281" r:id="rId34"/>
+    <p:sldId id="326" r:id="rId35"/>
+    <p:sldId id="327" r:id="rId36"/>
+    <p:sldId id="283" r:id="rId37"/>
+    <p:sldId id="284" r:id="rId38"/>
+    <p:sldId id="285" r:id="rId39"/>
+    <p:sldId id="266" r:id="rId40"/>
+    <p:sldId id="267" r:id="rId41"/>
+    <p:sldId id="286" r:id="rId42"/>
     <p:sldId id="289" r:id="rId43"/>
     <p:sldId id="290" r:id="rId44"/>
     <p:sldId id="292" r:id="rId45"/>
     <p:sldId id="291" r:id="rId46"/>
-    <p:sldId id="320" r:id="rId47"/>
-    <p:sldId id="321" r:id="rId48"/>
-    <p:sldId id="322" r:id="rId49"/>
-    <p:sldId id="323" r:id="rId50"/>
-    <p:sldId id="294" r:id="rId51"/>
-    <p:sldId id="297" r:id="rId52"/>
-    <p:sldId id="268" r:id="rId53"/>
-    <p:sldId id="298" r:id="rId54"/>
+    <p:sldId id="329" r:id="rId47"/>
+    <p:sldId id="330" r:id="rId48"/>
+    <p:sldId id="331" r:id="rId49"/>
+    <p:sldId id="294" r:id="rId50"/>
+    <p:sldId id="297" r:id="rId51"/>
+    <p:sldId id="332" r:id="rId52"/>
+    <p:sldId id="334" r:id="rId53"/>
+    <p:sldId id="333" r:id="rId54"/>
+    <p:sldId id="335" r:id="rId55"/>
+    <p:sldId id="268" r:id="rId56"/>
   </p:sldIdLst>
   <p:sldSz cx="9144000" cy="6858000" type="screen4x3"/>
   <p:notesSz cx="6858000" cy="9144000"/>
@@ -2872,7 +2874,7 @@
               <a:pPr>
                 <a:defRPr/>
               </a:pPr>
-              <a:t>2019/9/17</a:t>
+              <a:t>2021/9/25</a:t>
             </a:fld>
             <a:endParaRPr lang="zh-CN" altLang="en-US"/>
           </a:p>
@@ -4204,6 +4206,193 @@
 </p:notes>
 </file>
 
+<file path=ppt/notesSlides/notesSlide7.xml><?xml version="1.0" encoding="utf-8"?>
+<p:notes xmlns:a="http://schemas.openxmlformats.org/drawingml/2006/main" xmlns:r="http://schemas.openxmlformats.org/officeDocument/2006/relationships" xmlns:p="http://schemas.openxmlformats.org/presentationml/2006/main">
+  <p:cSld>
+    <p:spTree>
+      <p:nvGrpSpPr>
+        <p:cNvPr id="1" name=""/>
+        <p:cNvGrpSpPr/>
+        <p:nvPr/>
+      </p:nvGrpSpPr>
+      <p:grpSpPr>
+        <a:xfrm>
+          <a:off x="0" y="0"/>
+          <a:ext cx="0" cy="0"/>
+          <a:chOff x="0" y="0"/>
+          <a:chExt cx="0" cy="0"/>
+        </a:xfrm>
+      </p:grpSpPr>
+      <p:sp>
+        <p:nvSpPr>
+          <p:cNvPr id="2" name="Slide Image Placeholder 1"/>
+          <p:cNvSpPr>
+            <a:spLocks noGrp="1" noRot="1" noChangeAspect="1"/>
+          </p:cNvSpPr>
+          <p:nvPr>
+            <p:ph type="sldImg"/>
+          </p:nvPr>
+        </p:nvSpPr>
+        <p:spPr/>
+      </p:sp>
+      <p:sp>
+        <p:nvSpPr>
+          <p:cNvPr id="3" name="Notes Placeholder 2"/>
+          <p:cNvSpPr>
+            <a:spLocks noGrp="1"/>
+          </p:cNvSpPr>
+          <p:nvPr>
+            <p:ph type="body" idx="1"/>
+          </p:nvPr>
+        </p:nvSpPr>
+        <p:spPr/>
+        <p:txBody>
+          <a:bodyPr/>
+          <a:lstStyle/>
+          <a:p>
+            <a:pPr marL="0" marR="0" indent="0" algn="l" defTabSz="914400" rtl="0" eaLnBrk="0" fontAlgn="base" latinLnBrk="0" hangingPunct="0">
+              <a:lnSpc>
+                <a:spcPct val="100000"/>
+              </a:lnSpc>
+              <a:spcBef>
+                <a:spcPct val="30000"/>
+              </a:spcBef>
+              <a:spcAft>
+                <a:spcPct val="0"/>
+              </a:spcAft>
+              <a:buClrTx/>
+              <a:buSzTx/>
+              <a:buFontTx/>
+              <a:buNone/>
+              <a:tabLst/>
+              <a:defRPr/>
+            </a:pPr>
+            <a:r>
+              <a:rPr lang="en-US" sz="1200" kern="1200" dirty="0" smtClean="0">
+                <a:solidFill>
+                  <a:schemeClr val="tx1"/>
+                </a:solidFill>
+                <a:effectLst/>
+                <a:latin typeface="+mn-lt"/>
+                <a:ea typeface="+mn-ea"/>
+                <a:cs typeface="+mn-cs"/>
+              </a:rPr>
+              <a:t>given the distributed nature of this firm’s business, it is preferable, under these circumstances, to localize data such that data about the employees in Waterloo office is stored in Waterloo, those in the Boston office is stored in Boston, and so forth. The same applies to the project and salary information. Thus, what we are engaged in is a process where we partition each of the relations and store each partition at a different site. </a:t>
+            </a:r>
+            <a:endParaRPr lang="en-US" dirty="0" smtClean="0"/>
+          </a:p>
+          <a:p>
+            <a:endParaRPr lang="en-US" dirty="0" smtClean="0"/>
+          </a:p>
+          <a:p>
+            <a:pPr marL="0" marR="0" indent="0" algn="l" defTabSz="914400" rtl="0" eaLnBrk="0" fontAlgn="base" latinLnBrk="0" hangingPunct="0">
+              <a:lnSpc>
+                <a:spcPct val="100000"/>
+              </a:lnSpc>
+              <a:spcBef>
+                <a:spcPct val="30000"/>
+              </a:spcBef>
+              <a:spcAft>
+                <a:spcPct val="0"/>
+              </a:spcAft>
+              <a:buClrTx/>
+              <a:buSzTx/>
+              <a:buFontTx/>
+              <a:buNone/>
+              <a:tabLst/>
+              <a:defRPr/>
+            </a:pPr>
+            <a:r>
+              <a:rPr lang="en-US" sz="1200" kern="1200" dirty="0" smtClean="0">
+                <a:solidFill>
+                  <a:schemeClr val="tx1"/>
+                </a:solidFill>
+                <a:effectLst/>
+                <a:latin typeface="+mn-lt"/>
+                <a:ea typeface="+mn-ea"/>
+                <a:cs typeface="+mn-cs"/>
+              </a:rPr>
+              <a:t>Furthermore, it may be preferable to duplicate some of this data at other sites for performance and reliability reasons. The result is a distributed database which is fragmented and replicated </a:t>
+            </a:r>
+            <a:endParaRPr lang="en-US" dirty="0" smtClean="0"/>
+          </a:p>
+          <a:p>
+            <a:endParaRPr lang="en-US" dirty="0" smtClean="0"/>
+          </a:p>
+          <a:p>
+            <a:pPr marL="0" marR="0" indent="0" algn="l" defTabSz="914400" rtl="0" eaLnBrk="0" fontAlgn="base" latinLnBrk="0" hangingPunct="0">
+              <a:lnSpc>
+                <a:spcPct val="100000"/>
+              </a:lnSpc>
+              <a:spcBef>
+                <a:spcPct val="30000"/>
+              </a:spcBef>
+              <a:spcAft>
+                <a:spcPct val="0"/>
+              </a:spcAft>
+              <a:buClrTx/>
+              <a:buSzTx/>
+              <a:buFontTx/>
+              <a:buNone/>
+              <a:tabLst/>
+              <a:defRPr/>
+            </a:pPr>
+            <a:r>
+              <a:rPr lang="en-US" sz="1200" kern="1200" dirty="0" smtClean="0">
+                <a:solidFill>
+                  <a:schemeClr val="tx1"/>
+                </a:solidFill>
+                <a:effectLst/>
+                <a:latin typeface="+mn-lt"/>
+                <a:ea typeface="+mn-ea"/>
+                <a:cs typeface="+mn-cs"/>
+              </a:rPr>
+              <a:t>Fully transparent access means that the users can still pose the query as specified above, without paying any attention to the fragmentation, location, or replication of data, and let the system worry about resolving these issues. For a system to adequately deal with this type of query over a distributed, fragmented, and replicated database, it needs to be able to deal with a number of different types of transparencies as discussed below. </a:t>
+            </a:r>
+            <a:endParaRPr lang="en-US" dirty="0" smtClean="0"/>
+          </a:p>
+          <a:p>
+            <a:endParaRPr lang="en-US" dirty="0"/>
+          </a:p>
+        </p:txBody>
+      </p:sp>
+      <p:sp>
+        <p:nvSpPr>
+          <p:cNvPr id="4" name="Slide Number Placeholder 3"/>
+          <p:cNvSpPr>
+            <a:spLocks noGrp="1"/>
+          </p:cNvSpPr>
+          <p:nvPr>
+            <p:ph type="sldNum" sz="quarter" idx="10"/>
+          </p:nvPr>
+        </p:nvSpPr>
+        <p:spPr/>
+        <p:txBody>
+          <a:bodyPr/>
+          <a:lstStyle/>
+          <a:p>
+            <a:fld id="{266ED183-6497-AE44-9EF3-C3F437EFF4CE}" type="slidenum">
+              <a:rPr lang="zh-CN" altLang="en-US" smtClean="0"/>
+              <a:pPr/>
+              <a:t>32</a:t>
+            </a:fld>
+            <a:endParaRPr lang="zh-CN" altLang="en-US"/>
+          </a:p>
+        </p:txBody>
+      </p:sp>
+    </p:spTree>
+    <p:extLst>
+      <p:ext uri="{BB962C8B-B14F-4D97-AF65-F5344CB8AC3E}">
+        <p14:creationId xmlns:p14="http://schemas.microsoft.com/office/powerpoint/2010/main" val="1639979891"/>
+      </p:ext>
+    </p:extLst>
+  </p:cSld>
+  <p:clrMapOvr>
+    <a:masterClrMapping/>
+  </p:clrMapOvr>
+</p:notes>
+</file>
+
 <file path=ppt/slideLayouts/slideLayout1.xml><?xml version="1.0" encoding="utf-8"?>
 <p:sldLayout xmlns:a="http://schemas.openxmlformats.org/drawingml/2006/main" xmlns:r="http://schemas.openxmlformats.org/officeDocument/2006/relationships" xmlns:p="http://schemas.openxmlformats.org/presentationml/2006/main" type="title" preserve="1">
   <p:cSld name="Title Slide">
@@ -4501,7 +4690,7 @@
               <a:pPr>
                 <a:defRPr/>
               </a:pPr>
-              <a:t>2019/9/17</a:t>
+              <a:t>2021/9/25</a:t>
             </a:fld>
             <a:endParaRPr lang="zh-CN" altLang="en-US"/>
           </a:p>
@@ -4702,7 +4891,7 @@
               <a:pPr>
                 <a:defRPr/>
               </a:pPr>
-              <a:t>2019/9/17</a:t>
+              <a:t>2021/9/25</a:t>
             </a:fld>
             <a:endParaRPr lang="zh-CN" altLang="en-US"/>
           </a:p>
@@ -4912,7 +5101,7 @@
               <a:pPr>
                 <a:defRPr/>
               </a:pPr>
-              <a:t>2019/9/17</a:t>
+              <a:t>2021/9/25</a:t>
             </a:fld>
             <a:endParaRPr lang="zh-CN" altLang="en-US"/>
           </a:p>
@@ -5112,7 +5301,7 @@
               <a:pPr>
                 <a:defRPr/>
               </a:pPr>
-              <a:t>2019/9/17</a:t>
+              <a:t>2021/9/25</a:t>
             </a:fld>
             <a:endParaRPr lang="zh-CN" altLang="en-US"/>
           </a:p>
@@ -5635,7 +5824,7 @@
               <a:pPr>
                 <a:defRPr/>
               </a:pPr>
-              <a:t>2019/9/17</a:t>
+              <a:t>2021/9/25</a:t>
             </a:fld>
             <a:endParaRPr lang="zh-CN" altLang="en-US"/>
           </a:p>
@@ -5935,7 +6124,7 @@
               <a:pPr>
                 <a:defRPr/>
               </a:pPr>
-              <a:t>2019/9/17</a:t>
+              <a:t>2021/9/25</a:t>
             </a:fld>
             <a:endParaRPr lang="zh-CN" altLang="en-US"/>
           </a:p>
@@ -6450,7 +6639,7 @@
               <a:pPr>
                 <a:defRPr/>
               </a:pPr>
-              <a:t>2019/9/17</a:t>
+              <a:t>2021/9/25</a:t>
             </a:fld>
             <a:endParaRPr lang="zh-CN" altLang="en-US"/>
           </a:p>
@@ -6602,7 +6791,7 @@
               <a:pPr>
                 <a:defRPr/>
               </a:pPr>
-              <a:t>2019/9/17</a:t>
+              <a:t>2021/9/25</a:t>
             </a:fld>
             <a:endParaRPr lang="zh-CN" altLang="en-US"/>
           </a:p>
@@ -6847,7 +7036,7 @@
               <a:pPr>
                 <a:defRPr/>
               </a:pPr>
-              <a:t>2019/9/17</a:t>
+              <a:t>2021/9/25</a:t>
             </a:fld>
             <a:endParaRPr lang="zh-CN" altLang="en-US"/>
           </a:p>
@@ -7140,7 +7329,7 @@
               <a:pPr>
                 <a:defRPr/>
               </a:pPr>
-              <a:t>2019/9/17</a:t>
+              <a:t>2021/9/25</a:t>
             </a:fld>
             <a:endParaRPr lang="zh-CN" altLang="en-US"/>
           </a:p>
@@ -7607,7 +7796,7 @@
               <a:pPr>
                 <a:defRPr/>
               </a:pPr>
-              <a:t>2019/9/17</a:t>
+              <a:t>2021/9/25</a:t>
             </a:fld>
             <a:endParaRPr lang="zh-CN" altLang="en-US"/>
           </a:p>
@@ -8174,7 +8363,7 @@
               <a:pPr>
                 <a:defRPr/>
               </a:pPr>
-              <a:t>2019/9/17</a:t>
+              <a:t>2021/9/25</a:t>
             </a:fld>
             <a:endParaRPr lang="zh-CN" altLang="en-US"/>
           </a:p>
@@ -10645,7 +10834,22 @@
             <a:pPr eaLnBrk="1" hangingPunct="1"/>
             <a:r>
               <a:rPr lang="en-US" altLang="zh-CN" dirty="0"/>
-              <a:t>Data are distributed over sites, e.g. employee, inventory</a:t>
+              <a:t>Data are distributed over </a:t>
+            </a:r>
+            <a:r>
+              <a:rPr lang="en-US" altLang="zh-CN" dirty="0">
+                <a:solidFill>
+                  <a:schemeClr val="tx2">
+                    <a:lumMod val="60000"/>
+                    <a:lumOff val="40000"/>
+                  </a:schemeClr>
+                </a:solidFill>
+              </a:rPr>
+              <a:t>sites</a:t>
+            </a:r>
+            <a:r>
+              <a:rPr lang="en-US" altLang="zh-CN" dirty="0"/>
+              <a:t>, e.g. employee, inventory</a:t>
             </a:r>
           </a:p>
           <a:p>
@@ -15224,17 +15428,37 @@
                   </a:schemeClr>
                 </a:solidFill>
               </a:rPr>
-              <a:t>Promises </a:t>
-            </a:r>
-            <a:r>
-              <a:rPr lang="en-US" altLang="zh-CN" sz="3200" dirty="0">
+              <a:t>1.4</a:t>
+            </a:r>
+            <a:r>
+              <a:rPr lang="zh-CN" altLang="en-US" sz="3200" dirty="0" smtClean="0">
                 <a:solidFill>
                   <a:schemeClr val="tx2">
                     <a:satMod val="130000"/>
                   </a:schemeClr>
                 </a:solidFill>
               </a:rPr>
-              <a:t>of DDBSs</a:t>
+              <a:t> </a:t>
+            </a:r>
+            <a:r>
+              <a:rPr lang="en-US" altLang="zh-CN" sz="3200" dirty="0" smtClean="0">
+                <a:solidFill>
+                  <a:schemeClr val="tx2">
+                    <a:satMod val="130000"/>
+                  </a:schemeClr>
+                </a:solidFill>
+              </a:rPr>
+              <a:t>Promises </a:t>
+            </a:r>
+            <a:r>
+              <a:rPr lang="en-US" altLang="zh-CN" sz="3200" dirty="0">
+                <a:solidFill>
+                  <a:schemeClr val="tx2">
+                    <a:satMod val="130000"/>
+                  </a:schemeClr>
+                </a:solidFill>
+              </a:rPr>
+              <a:t>of Distributed DBMSs</a:t>
             </a:r>
             <a:endParaRPr lang="zh-CN" altLang="en-US" sz="3200" dirty="0">
               <a:solidFill>
@@ -15975,7 +16199,37 @@
                   </a:schemeClr>
                 </a:solidFill>
               </a:rPr>
-              <a:t>1.4.1 Transparencies in a distributed DBMS</a:t>
+              <a:t>1.4.1</a:t>
+            </a:r>
+            <a:r>
+              <a:rPr lang="zh-CN" altLang="en-US" sz="3200" dirty="0" smtClean="0">
+                <a:solidFill>
+                  <a:schemeClr val="tx2">
+                    <a:satMod val="130000"/>
+                  </a:schemeClr>
+                </a:solidFill>
+              </a:rPr>
+              <a:t> </a:t>
+            </a:r>
+            <a:r>
+              <a:rPr lang="en-US" altLang="zh-CN" sz="3200" dirty="0" smtClean="0">
+                <a:solidFill>
+                  <a:schemeClr val="tx2">
+                    <a:satMod val="130000"/>
+                  </a:schemeClr>
+                </a:solidFill>
+              </a:rPr>
+              <a:t>Transparent </a:t>
+            </a:r>
+            <a:r>
+              <a:rPr lang="en-US" altLang="zh-CN" sz="3200" dirty="0">
+                <a:solidFill>
+                  <a:schemeClr val="tx2">
+                    <a:satMod val="130000"/>
+                  </a:schemeClr>
+                </a:solidFill>
+              </a:rPr>
+              <a:t>Management of Distributed and Replicated Data</a:t>
             </a:r>
             <a:endParaRPr lang="zh-CN" altLang="en-US" sz="3200" dirty="0">
               <a:solidFill>
@@ -16004,18 +16258,44 @@
           <a:p>
             <a:pPr eaLnBrk="1" hangingPunct="1"/>
             <a:r>
-              <a:rPr lang="en-US" altLang="zh-CN"/>
-              <a:t>X transparency means the existence of X is not known to users.</a:t>
-            </a:r>
-            <a:endParaRPr lang="zh-CN" altLang="en-US"/>
+              <a:rPr lang="en-US" altLang="zh-CN" dirty="0"/>
+              <a:t>X transparency means the existence of X is not known to users</a:t>
+            </a:r>
+            <a:r>
+              <a:rPr lang="en-US" altLang="zh-CN" dirty="0" smtClean="0"/>
+              <a:t>.</a:t>
+            </a:r>
           </a:p>
           <a:p>
             <a:pPr eaLnBrk="1" hangingPunct="1"/>
             <a:r>
-              <a:rPr lang="en-US" altLang="zh-CN"/>
-              <a:t>Closely related to architecture issues.</a:t>
-            </a:r>
-            <a:endParaRPr lang="zh-CN" altLang="en-US"/>
+              <a:rPr lang="en-US" altLang="zh-CN" dirty="0" smtClean="0"/>
+              <a:t>Example</a:t>
+            </a:r>
+          </a:p>
+          <a:p>
+            <a:pPr lvl="1" eaLnBrk="1" hangingPunct="1"/>
+            <a:r>
+              <a:rPr lang="en-US" dirty="0"/>
+              <a:t>Consider an engineering firm that has offices in Boston, Waterloo, Paris, and San Francisco. </a:t>
+            </a:r>
+            <a:endParaRPr lang="en-US" dirty="0" smtClean="0"/>
+          </a:p>
+          <a:p>
+            <a:pPr lvl="1" eaLnBrk="1" hangingPunct="1"/>
+            <a:r>
+              <a:rPr lang="en-US" dirty="0" smtClean="0"/>
+              <a:t>They </a:t>
+            </a:r>
+            <a:r>
+              <a:rPr lang="en-US" dirty="0"/>
+              <a:t>run projects at each of these sites and would like to maintain a database of their employees, the projects, and other related data </a:t>
+            </a:r>
+            <a:endParaRPr lang="en-US" dirty="0"/>
+          </a:p>
+          <a:p>
+            <a:pPr lvl="1" eaLnBrk="1" hangingPunct="1"/>
+            <a:endParaRPr lang="zh-CN" altLang="en-US" dirty="0"/>
           </a:p>
         </p:txBody>
       </p:sp>
@@ -16237,7 +16517,9 @@
         </p:nvSpPr>
         <p:spPr/>
         <p:txBody>
-          <a:bodyPr/>
+          <a:bodyPr>
+            <a:noAutofit/>
+          </a:bodyPr>
           <a:lstStyle/>
           <a:p>
             <a:pPr eaLnBrk="1" fontAlgn="auto" hangingPunct="1">
@@ -16247,36 +16529,36 @@
               <a:defRPr/>
             </a:pPr>
             <a:r>
-              <a:rPr lang="en-US" altLang="zh-CN" dirty="0" smtClean="0">
+              <a:rPr lang="en-US" altLang="zh-CN" sz="3200" dirty="0">
                 <a:solidFill>
                   <a:schemeClr val="tx2">
                     <a:satMod val="130000"/>
                   </a:schemeClr>
                 </a:solidFill>
               </a:rPr>
-              <a:t>1.4.1.1</a:t>
-            </a:r>
-            <a:r>
-              <a:rPr lang="zh-CN" altLang="en-US" dirty="0" smtClean="0">
+              <a:t>1.4.1 </a:t>
+            </a:r>
+            <a:r>
+              <a:rPr lang="en-US" altLang="zh-CN" sz="3200" dirty="0" smtClean="0">
                 <a:solidFill>
                   <a:schemeClr val="tx2">
                     <a:satMod val="130000"/>
                   </a:schemeClr>
                 </a:solidFill>
               </a:rPr>
-              <a:t> </a:t>
-            </a:r>
-            <a:r>
-              <a:rPr lang="en-US" altLang="zh-CN" dirty="0" smtClean="0">
+              <a:t>Transparent </a:t>
+            </a:r>
+            <a:r>
+              <a:rPr lang="en-US" altLang="zh-CN" sz="3200" dirty="0">
                 <a:solidFill>
                   <a:schemeClr val="tx2">
                     <a:satMod val="130000"/>
                   </a:schemeClr>
                 </a:solidFill>
               </a:rPr>
-              <a:t>Data independence</a:t>
-            </a:r>
-            <a:endParaRPr lang="zh-CN" altLang="en-US" dirty="0">
+              <a:t>Management of Distributed and Replicated Data</a:t>
+            </a:r>
+            <a:endParaRPr lang="zh-CN" altLang="en-US" sz="3200" dirty="0">
               <a:solidFill>
                 <a:schemeClr val="tx2">
                   <a:satMod val="130000"/>
@@ -16288,7 +16570,7 @@
       </p:sp>
       <p:sp>
         <p:nvSpPr>
-          <p:cNvPr id="3" name="Content Placeholder 2"/>
+          <p:cNvPr id="10243" name="Content Placeholder 2"/>
           <p:cNvSpPr>
             <a:spLocks noGrp="1"/>
           </p:cNvSpPr>
@@ -16298,130 +16580,14 @@
         </p:nvSpPr>
         <p:spPr/>
         <p:txBody>
-          <a:bodyPr>
-            <a:normAutofit/>
-          </a:bodyPr>
+          <a:bodyPr/>
           <a:lstStyle/>
           <a:p>
-            <a:pPr marL="365760" indent="-283464" eaLnBrk="1" fontAlgn="auto" hangingPunct="1">
-              <a:spcAft>
-                <a:spcPts val="0"/>
-              </a:spcAft>
-              <a:buFont typeface="Wingdings 2"/>
-              <a:buChar char=""/>
-              <a:defRPr/>
-            </a:pPr>
-            <a:r>
-              <a:rPr lang="en-US" altLang="zh-CN" dirty="0" smtClean="0"/>
-              <a:t>Same as in centralized DBMS:</a:t>
-            </a:r>
-          </a:p>
-          <a:p>
-            <a:pPr marL="640080" lvl="1" indent="-237744" eaLnBrk="1" fontAlgn="auto" hangingPunct="1">
-              <a:spcAft>
-                <a:spcPts val="0"/>
-              </a:spcAft>
-              <a:buFont typeface="Verdana"/>
-              <a:buChar char="◦"/>
-              <a:defRPr/>
-            </a:pPr>
-            <a:r>
-              <a:rPr lang="en-US" altLang="zh-CN" dirty="0" smtClean="0"/>
-              <a:t>Logical data independence</a:t>
-            </a:r>
-          </a:p>
-          <a:p>
-            <a:pPr marL="886968" lvl="2" eaLnBrk="1" fontAlgn="auto" hangingPunct="1">
-              <a:spcAft>
-                <a:spcPts val="0"/>
-              </a:spcAft>
-              <a:buFont typeface="Wingdings 2"/>
-              <a:buChar char=""/>
-              <a:defRPr/>
-            </a:pPr>
-            <a:r>
-              <a:rPr lang="en-US" altLang="zh-CN" dirty="0" smtClean="0"/>
-              <a:t>applications are immune to changes in </a:t>
-            </a:r>
-            <a:r>
-              <a:rPr lang="en-US" altLang="zh-CN" i="1" dirty="0" smtClean="0">
-                <a:solidFill>
-                  <a:schemeClr val="tx2">
-                    <a:lumMod val="60000"/>
-                    <a:lumOff val="40000"/>
-                  </a:schemeClr>
-                </a:solidFill>
-              </a:rPr>
-              <a:t>schema</a:t>
-            </a:r>
-          </a:p>
-          <a:p>
-            <a:pPr marL="640080" lvl="1" indent="-237744" eaLnBrk="1" fontAlgn="auto" hangingPunct="1">
-              <a:spcAft>
-                <a:spcPts val="0"/>
-              </a:spcAft>
-              <a:buFont typeface="Verdana"/>
-              <a:buChar char="◦"/>
-              <a:defRPr/>
-            </a:pPr>
-            <a:r>
-              <a:rPr lang="en-US" altLang="zh-CN" dirty="0" smtClean="0"/>
-              <a:t>Physical independence</a:t>
-            </a:r>
-          </a:p>
-          <a:p>
-            <a:pPr marL="886968" lvl="2" eaLnBrk="1" fontAlgn="auto" hangingPunct="1">
-              <a:spcAft>
-                <a:spcPts val="0"/>
-              </a:spcAft>
-              <a:buFont typeface="Wingdings 2"/>
-              <a:buChar char=""/>
-              <a:defRPr/>
-            </a:pPr>
-            <a:r>
-              <a:rPr lang="en-US" altLang="zh-CN" dirty="0" smtClean="0"/>
-              <a:t>applications are immune to changes in </a:t>
-            </a:r>
-            <a:r>
-              <a:rPr lang="en-US" altLang="zh-CN" i="1" dirty="0" smtClean="0">
-                <a:solidFill>
-                  <a:schemeClr val="tx2">
-                    <a:lumMod val="60000"/>
-                    <a:lumOff val="40000"/>
-                  </a:schemeClr>
-                </a:solidFill>
-              </a:rPr>
-              <a:t>physical storage</a:t>
-            </a:r>
-            <a:r>
-              <a:rPr lang="en-US" altLang="zh-CN" i="1" dirty="0" smtClean="0"/>
-              <a:t>,</a:t>
-            </a:r>
-            <a:r>
-              <a:rPr lang="en-US" altLang="zh-CN" dirty="0" smtClean="0"/>
-              <a:t> and </a:t>
-            </a:r>
-            <a:r>
-              <a:rPr lang="en-US" altLang="zh-CN" i="1" dirty="0" smtClean="0">
-                <a:solidFill>
-                  <a:schemeClr val="tx2">
-                    <a:lumMod val="60000"/>
-                    <a:lumOff val="40000"/>
-                  </a:schemeClr>
-                </a:solidFill>
-              </a:rPr>
-              <a:t>data distribution</a:t>
-            </a:r>
-          </a:p>
-          <a:p>
-            <a:pPr marL="365760" indent="-283464" eaLnBrk="1" fontAlgn="auto" hangingPunct="1">
-              <a:spcAft>
-                <a:spcPts val="0"/>
-              </a:spcAft>
-              <a:buFont typeface="Wingdings 2"/>
-              <a:buChar char=""/>
-              <a:defRPr/>
-            </a:pPr>
+            <a:pPr eaLnBrk="1" hangingPunct="1"/>
+            <a:endParaRPr lang="en-US" dirty="0"/>
+          </a:p>
+          <a:p>
+            <a:pPr lvl="1" eaLnBrk="1" hangingPunct="1"/>
             <a:endParaRPr lang="zh-CN" altLang="en-US" dirty="0"/>
           </a:p>
         </p:txBody>
@@ -16574,7 +16740,7 @@
           </a:lstStyle>
           <a:p>
             <a:pPr eaLnBrk="1" hangingPunct="1"/>
-            <a:fld id="{1CA33B43-E196-9D48-BAF0-CAEF6BEB7CD0}" type="slidenum">
+            <a:fld id="{EDB7C34D-C352-B640-89D3-F878D143483F}" type="slidenum">
               <a:rPr lang="zh-CN" altLang="en-US">
                 <a:solidFill>
                   <a:srgbClr val="B4B1A0"/>
@@ -16595,10 +16761,70 @@
           </a:p>
         </p:txBody>
       </p:sp>
+      <p:pic>
+        <p:nvPicPr>
+          <p:cNvPr id="6" name="Picture 5"/>
+          <p:cNvPicPr>
+            <a:picLocks noChangeAspect="1"/>
+          </p:cNvPicPr>
+          <p:nvPr/>
+        </p:nvPicPr>
+        <p:blipFill>
+          <a:blip r:embed="rId2">
+            <a:extLst>
+              <a:ext uri="{28A0092B-C50C-407E-A947-70E740481C1C}">
+                <a14:useLocalDpi xmlns:a14="http://schemas.microsoft.com/office/drawing/2010/main" val="0"/>
+              </a:ext>
+            </a:extLst>
+          </a:blip>
+          <a:stretch>
+            <a:fillRect/>
+          </a:stretch>
+        </p:blipFill>
+        <p:spPr>
+          <a:xfrm>
+            <a:off x="1371643" y="2206596"/>
+            <a:ext cx="7562807" cy="1096059"/>
+          </a:xfrm>
+          <a:prstGeom prst="rect">
+            <a:avLst/>
+          </a:prstGeom>
+        </p:spPr>
+      </p:pic>
+      <p:pic>
+        <p:nvPicPr>
+          <p:cNvPr id="7" name="Picture 6"/>
+          <p:cNvPicPr>
+            <a:picLocks noChangeAspect="1"/>
+          </p:cNvPicPr>
+          <p:nvPr/>
+        </p:nvPicPr>
+        <p:blipFill>
+          <a:blip r:embed="rId3">
+            <a:extLst>
+              <a:ext uri="{28A0092B-C50C-407E-A947-70E740481C1C}">
+                <a14:useLocalDpi xmlns:a14="http://schemas.microsoft.com/office/drawing/2010/main" val="0"/>
+              </a:ext>
+            </a:extLst>
+          </a:blip>
+          <a:stretch>
+            <a:fillRect/>
+          </a:stretch>
+        </p:blipFill>
+        <p:spPr>
+          <a:xfrm>
+            <a:off x="2699792" y="3717032"/>
+            <a:ext cx="5376325" cy="2086335"/>
+          </a:xfrm>
+          <a:prstGeom prst="rect">
+            <a:avLst/>
+          </a:prstGeom>
+        </p:spPr>
+      </p:pic>
     </p:spTree>
     <p:extLst>
       <p:ext uri="{BB962C8B-B14F-4D97-AF65-F5344CB8AC3E}">
-        <p14:creationId xmlns:p14="http://schemas.microsoft.com/office/powerpoint/2010/main" val="1777293168"/>
+        <p14:creationId xmlns:p14="http://schemas.microsoft.com/office/powerpoint/2010/main" val="1473117814"/>
       </p:ext>
     </p:extLst>
   </p:cSld>
@@ -16634,322 +16860,87 @@
       </p:grpSpPr>
       <p:sp>
         <p:nvSpPr>
-          <p:cNvPr id="3" name="Content Placeholder 2"/>
-          <p:cNvSpPr>
-            <a:spLocks noGrp="1"/>
-          </p:cNvSpPr>
-          <p:nvPr>
-            <p:ph idx="1"/>
-          </p:nvPr>
-        </p:nvSpPr>
-        <p:spPr>
-          <a:xfrm>
-            <a:off x="1357313" y="428625"/>
-            <a:ext cx="7497762" cy="5962650"/>
-          </a:xfrm>
-        </p:spPr>
+          <p:cNvPr id="2" name="Title 1"/>
+          <p:cNvSpPr>
+            <a:spLocks noGrp="1"/>
+          </p:cNvSpPr>
+          <p:nvPr>
+            <p:ph type="title"/>
+          </p:nvPr>
+        </p:nvSpPr>
+        <p:spPr/>
         <p:txBody>
           <a:bodyPr>
-            <a:normAutofit/>
+            <a:noAutofit/>
           </a:bodyPr>
           <a:lstStyle/>
           <a:p>
-            <a:pPr marL="365760" indent="-283464" eaLnBrk="1" fontAlgn="auto" hangingPunct="1">
-              <a:spcBef>
-                <a:spcPct val="0"/>
-              </a:spcBef>
+            <a:pPr eaLnBrk="1" fontAlgn="auto" hangingPunct="1">
               <a:spcAft>
                 <a:spcPts val="0"/>
               </a:spcAft>
-              <a:buFont typeface="Wingdings 2"/>
-              <a:buNone/>
               <a:defRPr/>
             </a:pPr>
             <a:r>
-              <a:rPr lang="en-US" altLang="zh-CN" sz="4300" dirty="0" smtClean="0">
+              <a:rPr lang="en-US" altLang="zh-CN" sz="3200" dirty="0">
                 <a:solidFill>
                   <a:schemeClr val="tx2">
                     <a:satMod val="130000"/>
                   </a:schemeClr>
                 </a:solidFill>
-                <a:effectLst>
-                  <a:outerShdw blurRad="50000" dist="30000" dir="5400000" algn="tl" rotWithShape="0">
-                    <a:srgbClr val="000000">
-                      <a:alpha val="30000"/>
-                    </a:srgbClr>
-                  </a:outerShdw>
-                </a:effectLst>
-                <a:latin typeface="+mj-lt"/>
-                <a:ea typeface="+mj-ea"/>
-                <a:cs typeface="+mj-cs"/>
               </a:rPr>
-              <a:t>1.4.1.2</a:t>
-            </a:r>
-            <a:r>
-              <a:rPr lang="zh-CN" altLang="en-US" sz="4300" dirty="0" smtClean="0">
+              <a:t>1.4.1 </a:t>
+            </a:r>
+            <a:r>
+              <a:rPr lang="en-US" altLang="zh-CN" sz="3200" dirty="0" smtClean="0">
                 <a:solidFill>
                   <a:schemeClr val="tx2">
                     <a:satMod val="130000"/>
                   </a:schemeClr>
                 </a:solidFill>
-                <a:effectLst>
-                  <a:outerShdw blurRad="50000" dist="30000" dir="5400000" algn="tl" rotWithShape="0">
-                    <a:srgbClr val="000000">
-                      <a:alpha val="30000"/>
-                    </a:srgbClr>
-                  </a:outerShdw>
-                </a:effectLst>
-                <a:latin typeface="+mj-lt"/>
-                <a:ea typeface="+mj-ea"/>
-                <a:cs typeface="+mj-cs"/>
               </a:rPr>
-              <a:t> </a:t>
-            </a:r>
-            <a:r>
-              <a:rPr lang="en-US" altLang="zh-CN" sz="4300" dirty="0" smtClean="0">
+              <a:t>Transparent </a:t>
+            </a:r>
+            <a:r>
+              <a:rPr lang="en-US" altLang="zh-CN" sz="3200" dirty="0">
                 <a:solidFill>
                   <a:schemeClr val="tx2">
                     <a:satMod val="130000"/>
                   </a:schemeClr>
                 </a:solidFill>
-                <a:effectLst>
-                  <a:outerShdw blurRad="50000" dist="30000" dir="5400000" algn="tl" rotWithShape="0">
-                    <a:srgbClr val="000000">
-                      <a:alpha val="30000"/>
-                    </a:srgbClr>
-                  </a:outerShdw>
-                </a:effectLst>
-                <a:latin typeface="+mj-lt"/>
-                <a:ea typeface="+mj-ea"/>
-                <a:cs typeface="+mj-cs"/>
               </a:rPr>
-              <a:t>Network transparency</a:t>
-            </a:r>
-          </a:p>
-          <a:p>
-            <a:pPr marL="365760" indent="-283464" eaLnBrk="1" fontAlgn="auto" hangingPunct="1">
-              <a:spcAft>
-                <a:spcPts val="0"/>
-              </a:spcAft>
-              <a:buFont typeface="Wingdings 2"/>
-              <a:buChar char=""/>
-              <a:defRPr/>
-            </a:pPr>
-            <a:r>
-              <a:rPr lang="en-US" altLang="zh-CN" dirty="0" smtClean="0"/>
-              <a:t>Also known as “distribution transparency”</a:t>
-            </a:r>
-          </a:p>
-          <a:p>
-            <a:pPr marL="640080" lvl="1" indent="-237744" eaLnBrk="1" fontAlgn="auto" hangingPunct="1">
-              <a:spcAft>
-                <a:spcPts val="0"/>
-              </a:spcAft>
-              <a:buFont typeface="Verdana"/>
-              <a:buChar char="◦"/>
-              <a:defRPr/>
-            </a:pPr>
-            <a:endParaRPr lang="en-US" altLang="zh-CN" dirty="0" smtClean="0"/>
-          </a:p>
-          <a:p>
-            <a:pPr marL="365760" indent="-283464" eaLnBrk="1" fontAlgn="auto" hangingPunct="1">
-              <a:spcBef>
-                <a:spcPct val="0"/>
-              </a:spcBef>
-              <a:spcAft>
-                <a:spcPts val="0"/>
-              </a:spcAft>
-              <a:buFont typeface="Wingdings 2"/>
-              <a:buNone/>
-              <a:defRPr/>
-            </a:pPr>
-            <a:r>
-              <a:rPr lang="en-US" altLang="zh-CN" sz="4300" dirty="0" smtClean="0">
-                <a:solidFill>
-                  <a:schemeClr val="tx2">
-                    <a:satMod val="130000"/>
-                  </a:schemeClr>
-                </a:solidFill>
-                <a:effectLst>
-                  <a:outerShdw blurRad="50000" dist="30000" dir="5400000" algn="tl" rotWithShape="0">
-                    <a:srgbClr val="000000">
-                      <a:alpha val="30000"/>
-                    </a:srgbClr>
-                  </a:outerShdw>
-                </a:effectLst>
-                <a:latin typeface="+mj-lt"/>
-                <a:ea typeface="+mj-ea"/>
-                <a:cs typeface="+mj-cs"/>
-              </a:rPr>
-              <a:t>1.4.1.3</a:t>
-            </a:r>
-            <a:r>
-              <a:rPr lang="zh-CN" altLang="en-US" sz="4300" dirty="0" smtClean="0">
-                <a:solidFill>
-                  <a:schemeClr val="tx2">
-                    <a:satMod val="130000"/>
-                  </a:schemeClr>
-                </a:solidFill>
-                <a:effectLst>
-                  <a:outerShdw blurRad="50000" dist="30000" dir="5400000" algn="tl" rotWithShape="0">
-                    <a:srgbClr val="000000">
-                      <a:alpha val="30000"/>
-                    </a:srgbClr>
-                  </a:outerShdw>
-                </a:effectLst>
-                <a:latin typeface="+mj-lt"/>
-                <a:ea typeface="+mj-ea"/>
-                <a:cs typeface="+mj-cs"/>
-              </a:rPr>
-              <a:t> </a:t>
-            </a:r>
-            <a:r>
-              <a:rPr lang="en-US" altLang="zh-CN" sz="4300" dirty="0" smtClean="0">
-                <a:solidFill>
-                  <a:schemeClr val="tx2">
-                    <a:satMod val="130000"/>
-                  </a:schemeClr>
-                </a:solidFill>
-                <a:effectLst>
-                  <a:outerShdw blurRad="50000" dist="30000" dir="5400000" algn="tl" rotWithShape="0">
-                    <a:srgbClr val="000000">
-                      <a:alpha val="30000"/>
-                    </a:srgbClr>
-                  </a:outerShdw>
-                </a:effectLst>
-                <a:latin typeface="+mj-lt"/>
-                <a:ea typeface="+mj-ea"/>
-                <a:cs typeface="+mj-cs"/>
-              </a:rPr>
-              <a:t>Replication transparency</a:t>
-            </a:r>
-          </a:p>
-          <a:p>
-            <a:pPr marL="365760" indent="-283464" eaLnBrk="1" fontAlgn="auto" hangingPunct="1">
-              <a:spcBef>
-                <a:spcPct val="0"/>
-              </a:spcBef>
-              <a:spcAft>
-                <a:spcPts val="0"/>
-              </a:spcAft>
-              <a:buFont typeface="Wingdings 2"/>
-              <a:buNone/>
-              <a:defRPr/>
-            </a:pPr>
-            <a:endParaRPr lang="en-US" altLang="zh-CN" sz="4300" dirty="0" smtClean="0">
+              <a:t>Management of Distributed and Replicated Data</a:t>
+            </a:r>
+            <a:endParaRPr lang="zh-CN" altLang="en-US" sz="3200" dirty="0">
               <a:solidFill>
                 <a:schemeClr val="tx2">
                   <a:satMod val="130000"/>
                 </a:schemeClr>
               </a:solidFill>
-              <a:effectLst>
-                <a:outerShdw blurRad="50000" dist="30000" dir="5400000" algn="tl" rotWithShape="0">
-                  <a:srgbClr val="000000">
-                    <a:alpha val="30000"/>
-                  </a:srgbClr>
-                </a:outerShdw>
-              </a:effectLst>
-              <a:latin typeface="+mj-lt"/>
-              <a:ea typeface="+mj-ea"/>
-              <a:cs typeface="+mj-cs"/>
             </a:endParaRPr>
           </a:p>
-          <a:p>
-            <a:pPr marL="365760" indent="-283464" eaLnBrk="1" fontAlgn="auto" hangingPunct="1">
-              <a:spcBef>
-                <a:spcPct val="0"/>
-              </a:spcBef>
-              <a:spcAft>
-                <a:spcPts val="0"/>
-              </a:spcAft>
-              <a:buFont typeface="Wingdings 2"/>
-              <a:buNone/>
-              <a:defRPr/>
-            </a:pPr>
-            <a:r>
-              <a:rPr lang="en-US" altLang="zh-CN" sz="3800" dirty="0" smtClean="0">
-                <a:solidFill>
-                  <a:schemeClr val="tx2">
-                    <a:satMod val="130000"/>
-                  </a:schemeClr>
-                </a:solidFill>
-                <a:effectLst>
-                  <a:outerShdw blurRad="50000" dist="30000" dir="5400000" algn="tl" rotWithShape="0">
-                    <a:srgbClr val="000000">
-                      <a:alpha val="30000"/>
-                    </a:srgbClr>
-                  </a:outerShdw>
-                </a:effectLst>
-                <a:latin typeface="+mj-lt"/>
-                <a:ea typeface="+mj-ea"/>
-                <a:cs typeface="+mj-cs"/>
-              </a:rPr>
-              <a:t>1.4.1.4</a:t>
-            </a:r>
-            <a:r>
-              <a:rPr lang="zh-CN" altLang="en-US" sz="3800" dirty="0" smtClean="0">
-                <a:solidFill>
-                  <a:schemeClr val="tx2">
-                    <a:satMod val="130000"/>
-                  </a:schemeClr>
-                </a:solidFill>
-                <a:effectLst>
-                  <a:outerShdw blurRad="50000" dist="30000" dir="5400000" algn="tl" rotWithShape="0">
-                    <a:srgbClr val="000000">
-                      <a:alpha val="30000"/>
-                    </a:srgbClr>
-                  </a:outerShdw>
-                </a:effectLst>
-                <a:latin typeface="+mj-lt"/>
-                <a:ea typeface="+mj-ea"/>
-                <a:cs typeface="+mj-cs"/>
-              </a:rPr>
-              <a:t> </a:t>
-            </a:r>
-            <a:r>
-              <a:rPr lang="en-US" altLang="zh-CN" sz="3800" dirty="0" smtClean="0">
-                <a:solidFill>
-                  <a:schemeClr val="tx2">
-                    <a:satMod val="130000"/>
-                  </a:schemeClr>
-                </a:solidFill>
-                <a:effectLst>
-                  <a:outerShdw blurRad="50000" dist="30000" dir="5400000" algn="tl" rotWithShape="0">
-                    <a:srgbClr val="000000">
-                      <a:alpha val="30000"/>
-                    </a:srgbClr>
-                  </a:outerShdw>
-                </a:effectLst>
-                <a:latin typeface="+mj-lt"/>
-                <a:ea typeface="+mj-ea"/>
-                <a:cs typeface="+mj-cs"/>
-              </a:rPr>
-              <a:t>Fragmentation transparency</a:t>
-            </a:r>
-          </a:p>
-          <a:p>
-            <a:pPr marL="365760" indent="-283464" eaLnBrk="1" fontAlgn="auto" hangingPunct="1">
-              <a:spcAft>
-                <a:spcPts val="0"/>
-              </a:spcAft>
-              <a:buFont typeface="Wingdings 2"/>
-              <a:buChar char=""/>
-              <a:defRPr/>
-            </a:pPr>
-            <a:r>
-              <a:rPr lang="en-US" altLang="zh-CN" dirty="0" smtClean="0"/>
-              <a:t>Data fragmentation – the division of relation into smaller fragments at different sites.</a:t>
-            </a:r>
-          </a:p>
-          <a:p>
-            <a:pPr marL="365760" indent="-283464" eaLnBrk="1" fontAlgn="auto" hangingPunct="1">
-              <a:spcAft>
-                <a:spcPts val="0"/>
-              </a:spcAft>
-              <a:buFont typeface="Wingdings 2"/>
-              <a:buChar char=""/>
-              <a:defRPr/>
-            </a:pPr>
+        </p:txBody>
+      </p:sp>
+      <p:sp>
+        <p:nvSpPr>
+          <p:cNvPr id="10243" name="Content Placeholder 2"/>
+          <p:cNvSpPr>
+            <a:spLocks noGrp="1"/>
+          </p:cNvSpPr>
+          <p:nvPr>
+            <p:ph idx="1"/>
+          </p:nvPr>
+        </p:nvSpPr>
+        <p:spPr/>
+        <p:txBody>
+          <a:bodyPr/>
+          <a:lstStyle/>
+          <a:p>
+            <a:pPr eaLnBrk="1" hangingPunct="1"/>
+            <a:endParaRPr lang="en-US" dirty="0"/>
+          </a:p>
+          <a:p>
+            <a:pPr lvl="1" eaLnBrk="1" hangingPunct="1"/>
             <a:endParaRPr lang="zh-CN" altLang="en-US" dirty="0"/>
           </a:p>
         </p:txBody>
@@ -17102,7 +17093,7 @@
           </a:lstStyle>
           <a:p>
             <a:pPr eaLnBrk="1" hangingPunct="1"/>
-            <a:fld id="{3A41ECAD-561D-924C-A80C-3A116CA144FA}" type="slidenum">
+            <a:fld id="{EDB7C34D-C352-B640-89D3-F878D143483F}" type="slidenum">
               <a:rPr lang="zh-CN" altLang="en-US">
                 <a:solidFill>
                   <a:srgbClr val="B4B1A0"/>
@@ -17123,10 +17114,40 @@
           </a:p>
         </p:txBody>
       </p:sp>
+      <p:pic>
+        <p:nvPicPr>
+          <p:cNvPr id="3" name="Picture 2"/>
+          <p:cNvPicPr>
+            <a:picLocks noChangeAspect="1"/>
+          </p:cNvPicPr>
+          <p:nvPr/>
+        </p:nvPicPr>
+        <p:blipFill>
+          <a:blip r:embed="rId3">
+            <a:extLst>
+              <a:ext uri="{28A0092B-C50C-407E-A947-70E740481C1C}">
+                <a14:useLocalDpi xmlns:a14="http://schemas.microsoft.com/office/drawing/2010/main" val="0"/>
+              </a:ext>
+            </a:extLst>
+          </a:blip>
+          <a:stretch>
+            <a:fillRect/>
+          </a:stretch>
+        </p:blipFill>
+        <p:spPr>
+          <a:xfrm>
+            <a:off x="1426916" y="1646643"/>
+            <a:ext cx="7385372" cy="4658907"/>
+          </a:xfrm>
+          <a:prstGeom prst="rect">
+            <a:avLst/>
+          </a:prstGeom>
+        </p:spPr>
+      </p:pic>
     </p:spTree>
     <p:extLst>
       <p:ext uri="{BB962C8B-B14F-4D97-AF65-F5344CB8AC3E}">
-        <p14:creationId xmlns:p14="http://schemas.microsoft.com/office/powerpoint/2010/main" val="1616228453"/>
+        <p14:creationId xmlns:p14="http://schemas.microsoft.com/office/powerpoint/2010/main" val="1823065580"/>
       </p:ext>
     </p:extLst>
   </p:cSld>
@@ -17172,9 +17193,7 @@
         </p:nvSpPr>
         <p:spPr/>
         <p:txBody>
-          <a:bodyPr>
-            <a:noAutofit/>
-          </a:bodyPr>
+          <a:bodyPr/>
           <a:lstStyle/>
           <a:p>
             <a:pPr eaLnBrk="1" fontAlgn="auto" hangingPunct="1">
@@ -17184,36 +17203,26 @@
               <a:defRPr/>
             </a:pPr>
             <a:r>
-              <a:rPr lang="en-US" altLang="zh-CN" sz="2800" dirty="0" smtClean="0">
+              <a:rPr lang="en-US" altLang="zh-CN" dirty="0" smtClean="0">
                 <a:solidFill>
                   <a:schemeClr val="tx2">
                     <a:satMod val="130000"/>
                   </a:schemeClr>
                 </a:solidFill>
               </a:rPr>
-              <a:t>1.4.1.2</a:t>
-            </a:r>
-            <a:r>
-              <a:rPr lang="zh-CN" altLang="en-US" sz="2800" dirty="0" smtClean="0">
+              <a:t>Data </a:t>
+            </a:r>
+            <a:r>
+              <a:rPr lang="en-US" altLang="zh-CN" dirty="0" smtClean="0">
                 <a:solidFill>
                   <a:schemeClr val="tx2">
                     <a:satMod val="130000"/>
                   </a:schemeClr>
                 </a:solidFill>
               </a:rPr>
-              <a:t> </a:t>
-            </a:r>
-            <a:r>
-              <a:rPr lang="en-US" altLang="zh-CN" sz="2800" dirty="0">
-                <a:solidFill>
-                  <a:schemeClr val="tx2">
-                    <a:satMod val="130000"/>
-                  </a:schemeClr>
-                </a:solidFill>
-              </a:rPr>
-              <a:t>Reliability Through Distributed Transactions</a:t>
-            </a:r>
-            <a:endParaRPr lang="zh-CN" altLang="en-US" sz="2800" dirty="0">
+              <a:t>independence</a:t>
+            </a:r>
+            <a:endParaRPr lang="zh-CN" altLang="en-US" dirty="0">
               <a:solidFill>
                 <a:schemeClr val="tx2">
                   <a:satMod val="130000"/>
@@ -17236,7 +17245,7 @@
         <p:spPr/>
         <p:txBody>
           <a:bodyPr>
-            <a:normAutofit lnSpcReduction="10000"/>
+            <a:normAutofit/>
           </a:bodyPr>
           <a:lstStyle/>
           <a:p>
@@ -17250,13 +17259,105 @@
             </a:pPr>
             <a:r>
               <a:rPr lang="en-US" altLang="zh-CN" dirty="0" smtClean="0"/>
-              <a:t>An </a:t>
-            </a:r>
-            <a:r>
-              <a:rPr lang="en-US" altLang="zh-CN" dirty="0"/>
-              <a:t>engineering firm wants to update the salaries of all the employees by 10%</a:t>
-            </a:r>
-            <a:endParaRPr lang="en-US" altLang="zh-CN" dirty="0" smtClean="0"/>
+              <a:t>Same as in centralized DBMS:</a:t>
+            </a:r>
+          </a:p>
+          <a:p>
+            <a:pPr marL="640080" lvl="1" indent="-237744" eaLnBrk="1" fontAlgn="auto" hangingPunct="1">
+              <a:spcAft>
+                <a:spcPts val="0"/>
+              </a:spcAft>
+              <a:buFont typeface="Verdana"/>
+              <a:buChar char="◦"/>
+              <a:defRPr/>
+            </a:pPr>
+            <a:r>
+              <a:rPr lang="en-US" altLang="zh-CN" dirty="0" smtClean="0"/>
+              <a:t>Logical data independence</a:t>
+            </a:r>
+          </a:p>
+          <a:p>
+            <a:pPr marL="886968" lvl="2" eaLnBrk="1" fontAlgn="auto" hangingPunct="1">
+              <a:spcAft>
+                <a:spcPts val="0"/>
+              </a:spcAft>
+              <a:buFont typeface="Wingdings 2"/>
+              <a:buChar char=""/>
+              <a:defRPr/>
+            </a:pPr>
+            <a:r>
+              <a:rPr lang="en-US" altLang="zh-CN" dirty="0" smtClean="0"/>
+              <a:t>applications are immune to changes in </a:t>
+            </a:r>
+            <a:r>
+              <a:rPr lang="en-US" altLang="zh-CN" i="1" dirty="0" smtClean="0">
+                <a:solidFill>
+                  <a:schemeClr val="tx2">
+                    <a:lumMod val="60000"/>
+                    <a:lumOff val="40000"/>
+                  </a:schemeClr>
+                </a:solidFill>
+              </a:rPr>
+              <a:t>schema</a:t>
+            </a:r>
+          </a:p>
+          <a:p>
+            <a:pPr marL="640080" lvl="1" indent="-237744" eaLnBrk="1" fontAlgn="auto" hangingPunct="1">
+              <a:spcAft>
+                <a:spcPts val="0"/>
+              </a:spcAft>
+              <a:buFont typeface="Verdana"/>
+              <a:buChar char="◦"/>
+              <a:defRPr/>
+            </a:pPr>
+            <a:r>
+              <a:rPr lang="en-US" altLang="zh-CN" dirty="0" smtClean="0"/>
+              <a:t>Physical independence</a:t>
+            </a:r>
+          </a:p>
+          <a:p>
+            <a:pPr marL="886968" lvl="2" eaLnBrk="1" fontAlgn="auto" hangingPunct="1">
+              <a:spcAft>
+                <a:spcPts val="0"/>
+              </a:spcAft>
+              <a:buFont typeface="Wingdings 2"/>
+              <a:buChar char=""/>
+              <a:defRPr/>
+            </a:pPr>
+            <a:r>
+              <a:rPr lang="en-US" altLang="zh-CN" dirty="0" smtClean="0"/>
+              <a:t>applications are immune to changes in </a:t>
+            </a:r>
+            <a:r>
+              <a:rPr lang="en-US" altLang="zh-CN" i="1" dirty="0" smtClean="0">
+                <a:solidFill>
+                  <a:schemeClr val="tx2">
+                    <a:lumMod val="60000"/>
+                    <a:lumOff val="40000"/>
+                  </a:schemeClr>
+                </a:solidFill>
+              </a:rPr>
+              <a:t>physical storage</a:t>
+            </a:r>
+            <a:r>
+              <a:rPr lang="en-US" altLang="zh-CN" i="1" dirty="0" smtClean="0"/>
+              <a:t>,</a:t>
+            </a:r>
+            <a:r>
+              <a:rPr lang="en-US" altLang="zh-CN" dirty="0" smtClean="0"/>
+              <a:t> and </a:t>
+            </a:r>
+            <a:r>
+              <a:rPr lang="en-US" altLang="zh-CN" i="1" dirty="0" smtClean="0">
+                <a:solidFill>
+                  <a:schemeClr val="tx2">
+                    <a:lumMod val="60000"/>
+                    <a:lumOff val="40000"/>
+                  </a:schemeClr>
+                </a:solidFill>
+              </a:rPr>
+              <a:t>data distribution</a:t>
+            </a:r>
           </a:p>
           <a:p>
             <a:pPr marL="365760" indent="-283464" eaLnBrk="1" fontAlgn="auto" hangingPunct="1">
@@ -17267,116 +17368,7 @@
               <a:buChar char=""/>
               <a:defRPr/>
             </a:pPr>
-            <a:r>
-              <a:rPr lang="en-US" altLang="zh-CN" dirty="0" smtClean="0"/>
-              <a:t>Obstacles</a:t>
-            </a:r>
-          </a:p>
-          <a:p>
-            <a:pPr marL="640398" lvl="1" indent="-283464" eaLnBrk="1" fontAlgn="auto" hangingPunct="1">
-              <a:spcAft>
-                <a:spcPts val="0"/>
-              </a:spcAft>
-              <a:buFont typeface="Wingdings 2"/>
-              <a:buChar char=""/>
-              <a:defRPr/>
-            </a:pPr>
-            <a:r>
-              <a:rPr lang="en-US" altLang="zh-CN" dirty="0"/>
-              <a:t>What if a system failure occurs half-way through the execution of this </a:t>
-            </a:r>
-            <a:r>
-              <a:rPr lang="en-US" altLang="zh-CN" dirty="0" smtClean="0"/>
-              <a:t>program</a:t>
-            </a:r>
-          </a:p>
-          <a:p>
-            <a:pPr marL="640398" lvl="1" indent="-283464" eaLnBrk="1" fontAlgn="auto" hangingPunct="1">
-              <a:spcAft>
-                <a:spcPts val="0"/>
-              </a:spcAft>
-              <a:buFont typeface="Wingdings 2"/>
-              <a:buChar char=""/>
-              <a:defRPr/>
-            </a:pPr>
-            <a:r>
-              <a:rPr lang="en-US" altLang="zh-CN" dirty="0"/>
-              <a:t>What if some other user runs a query calculating the average salaries </a:t>
-            </a:r>
-            <a:r>
-              <a:rPr lang="en-US" altLang="zh-CN" dirty="0" smtClean="0"/>
-              <a:t>while </a:t>
-            </a:r>
-            <a:r>
-              <a:rPr lang="en-US" altLang="zh-CN" dirty="0"/>
-              <a:t>the </a:t>
-            </a:r>
-            <a:r>
-              <a:rPr lang="en-US" altLang="zh-CN" dirty="0" smtClean="0"/>
-              <a:t>update </a:t>
-            </a:r>
-            <a:r>
-              <a:rPr lang="en-US" altLang="zh-CN" dirty="0"/>
-              <a:t>action is going on</a:t>
-            </a:r>
-          </a:p>
-          <a:p>
-            <a:pPr marL="365760" indent="-283464" eaLnBrk="1" fontAlgn="auto" hangingPunct="1">
-              <a:spcAft>
-                <a:spcPts val="0"/>
-              </a:spcAft>
-              <a:buFont typeface="Wingdings 2"/>
-              <a:buChar char=""/>
-              <a:defRPr/>
-            </a:pPr>
-            <a:r>
-              <a:rPr lang="en-US" altLang="zh-CN" dirty="0" smtClean="0"/>
-              <a:t>Solution</a:t>
-            </a:r>
-          </a:p>
-          <a:p>
-            <a:pPr marL="640398" lvl="1" indent="-283464" eaLnBrk="1" fontAlgn="auto" hangingPunct="1">
-              <a:spcAft>
-                <a:spcPts val="0"/>
-              </a:spcAft>
-              <a:buFont typeface="Wingdings 2"/>
-              <a:buChar char=""/>
-              <a:defRPr/>
-            </a:pPr>
-            <a:r>
-              <a:rPr lang="en-US" altLang="zh-CN" sz="2600" i="1" dirty="0">
-                <a:solidFill>
-                  <a:schemeClr val="tx2">
-                    <a:lumMod val="60000"/>
-                    <a:lumOff val="40000"/>
-                  </a:schemeClr>
-                </a:solidFill>
-              </a:rPr>
-              <a:t>Distributed transactions </a:t>
-            </a:r>
-            <a:r>
-              <a:rPr lang="en-US" altLang="zh-CN" dirty="0"/>
-              <a:t>and </a:t>
-            </a:r>
-            <a:r>
-              <a:rPr lang="en-US" altLang="zh-CN" sz="2600" i="1" dirty="0">
-                <a:solidFill>
-                  <a:schemeClr val="tx2">
-                    <a:lumMod val="60000"/>
-                    <a:lumOff val="40000"/>
-                  </a:schemeClr>
-                </a:solidFill>
-              </a:rPr>
-              <a:t>application protocols</a:t>
-            </a:r>
-            <a:endParaRPr lang="zh-CN" altLang="en-US" sz="2600" i="1" dirty="0">
-              <a:solidFill>
-                <a:schemeClr val="tx2">
-                  <a:lumMod val="60000"/>
-                  <a:lumOff val="40000"/>
-                </a:schemeClr>
-              </a:solidFill>
-            </a:endParaRPr>
+            <a:endParaRPr lang="zh-CN" altLang="en-US" dirty="0"/>
           </a:p>
         </p:txBody>
       </p:sp>
@@ -17552,7 +17544,7 @@
     </p:spTree>
     <p:extLst>
       <p:ext uri="{BB962C8B-B14F-4D97-AF65-F5344CB8AC3E}">
-        <p14:creationId xmlns:p14="http://schemas.microsoft.com/office/powerpoint/2010/main" val="1481253291"/>
+        <p14:creationId xmlns:p14="http://schemas.microsoft.com/office/powerpoint/2010/main" val="1777293168"/>
       </p:ext>
     </p:extLst>
   </p:cSld>
@@ -17598,75 +17590,71 @@
         </p:nvSpPr>
         <p:spPr/>
         <p:txBody>
+          <a:bodyPr/>
+          <a:lstStyle/>
+          <a:p>
+            <a:pPr eaLnBrk="1" fontAlgn="auto" hangingPunct="1">
+              <a:spcAft>
+                <a:spcPts val="0"/>
+              </a:spcAft>
+              <a:defRPr/>
+            </a:pPr>
+            <a:r>
+              <a:rPr lang="en-US" altLang="zh-CN" dirty="0">
+                <a:solidFill>
+                  <a:schemeClr val="tx2">
+                    <a:satMod val="130000"/>
+                  </a:schemeClr>
+                </a:solidFill>
+              </a:rPr>
+              <a:t>Network transparency</a:t>
+            </a:r>
+            <a:endParaRPr lang="zh-CN" altLang="en-US" dirty="0">
+              <a:solidFill>
+                <a:schemeClr val="tx2">
+                  <a:satMod val="130000"/>
+                </a:schemeClr>
+              </a:solidFill>
+            </a:endParaRPr>
+          </a:p>
+        </p:txBody>
+      </p:sp>
+      <p:sp>
+        <p:nvSpPr>
+          <p:cNvPr id="3" name="Content Placeholder 2"/>
+          <p:cNvSpPr>
+            <a:spLocks noGrp="1"/>
+          </p:cNvSpPr>
+          <p:nvPr>
+            <p:ph idx="1"/>
+          </p:nvPr>
+        </p:nvSpPr>
+        <p:spPr/>
+        <p:txBody>
           <a:bodyPr>
             <a:normAutofit/>
           </a:bodyPr>
           <a:lstStyle/>
           <a:p>
-            <a:r>
-              <a:rPr lang="en-US" altLang="zh-CN" sz="4400" dirty="0" smtClean="0">
-                <a:solidFill>
-                  <a:schemeClr val="tx2">
-                    <a:satMod val="130000"/>
-                  </a:schemeClr>
-                </a:solidFill>
-              </a:rPr>
-              <a:t>1.4.1.3</a:t>
-            </a:r>
-            <a:r>
-              <a:rPr lang="zh-CN" altLang="en-US" sz="4400" dirty="0" smtClean="0">
-                <a:solidFill>
-                  <a:schemeClr val="tx2">
-                    <a:satMod val="130000"/>
-                  </a:schemeClr>
-                </a:solidFill>
-              </a:rPr>
-              <a:t> </a:t>
-            </a:r>
-            <a:r>
-              <a:rPr lang="en-US" altLang="zh-CN" sz="4400" dirty="0">
-                <a:solidFill>
-                  <a:schemeClr val="tx2">
-                    <a:satMod val="130000"/>
-                  </a:schemeClr>
-                </a:solidFill>
-              </a:rPr>
-              <a:t>Improved Performance</a:t>
-            </a:r>
-            <a:endParaRPr lang="en-US" dirty="0"/>
-          </a:p>
-        </p:txBody>
-      </p:sp>
-      <p:sp>
-        <p:nvSpPr>
-          <p:cNvPr id="3" name="Content Placeholder 2"/>
-          <p:cNvSpPr>
-            <a:spLocks noGrp="1"/>
-          </p:cNvSpPr>
-          <p:nvPr>
-            <p:ph idx="1"/>
-          </p:nvPr>
-        </p:nvSpPr>
-        <p:spPr/>
-        <p:txBody>
-          <a:bodyPr/>
-          <a:lstStyle/>
-          <a:p>
+            <a:pPr marL="365760" indent="-283464" eaLnBrk="1" fontAlgn="auto" hangingPunct="1">
+              <a:spcAft>
+                <a:spcPts val="0"/>
+              </a:spcAft>
+              <a:buFont typeface="Wingdings 2"/>
+              <a:buChar char=""/>
+              <a:defRPr/>
+            </a:pPr>
             <a:r>
               <a:rPr lang="en-US" altLang="zh-CN" dirty="0" smtClean="0"/>
-              <a:t>D</a:t>
-            </a:r>
-            <a:r>
-              <a:rPr lang="en-US" dirty="0" smtClean="0"/>
-              <a:t>ata </a:t>
-            </a:r>
-            <a:r>
-              <a:rPr lang="en-US" dirty="0"/>
-              <a:t>stored in close proximity to its points of </a:t>
-            </a:r>
-            <a:r>
-              <a:rPr lang="en-US" dirty="0" smtClean="0"/>
-              <a:t>use</a:t>
+              <a:t>Users </a:t>
+            </a:r>
+            <a:r>
+              <a:rPr lang="en-US" altLang="zh-CN" dirty="0"/>
+              <a:t>should be protected from </a:t>
+            </a:r>
+            <a:r>
+              <a:rPr lang="en-US" altLang="zh-CN" dirty="0" smtClean="0"/>
+              <a:t>the</a:t>
             </a:r>
             <a:r>
               <a:rPr lang="zh-CN" altLang="en-US" dirty="0" smtClean="0"/>
@@ -17674,14 +17662,56 @@
             </a:r>
             <a:r>
               <a:rPr lang="en-US" altLang="zh-CN" dirty="0" smtClean="0"/>
-              <a:t>-</a:t>
-            </a:r>
-            <a:r>
-              <a:rPr lang="zh-CN" altLang="en-US" dirty="0" smtClean="0"/>
-              <a:t> </a:t>
-            </a:r>
-            <a:r>
-              <a:rPr lang="en-US" i="1" dirty="0">
+              <a:t>details </a:t>
+            </a:r>
+            <a:r>
+              <a:rPr lang="en-US" altLang="zh-CN" dirty="0"/>
+              <a:t>of the communication network that connects the sites</a:t>
+            </a:r>
+            <a:endParaRPr lang="en-US" altLang="zh-CN" dirty="0" smtClean="0"/>
+          </a:p>
+          <a:p>
+            <a:pPr marL="640080" lvl="1" indent="-237744" eaLnBrk="1" fontAlgn="auto" hangingPunct="1">
+              <a:spcAft>
+                <a:spcPts val="0"/>
+              </a:spcAft>
+              <a:buFont typeface="Verdana"/>
+              <a:buChar char="◦"/>
+              <a:defRPr/>
+            </a:pPr>
+            <a:r>
+              <a:rPr lang="en-US" altLang="zh-CN" dirty="0"/>
+              <a:t>Location transparency</a:t>
+            </a:r>
+            <a:endParaRPr lang="en-US" altLang="zh-CN" dirty="0" smtClean="0"/>
+          </a:p>
+          <a:p>
+            <a:pPr marL="886968" lvl="2" eaLnBrk="1" fontAlgn="auto" hangingPunct="1">
+              <a:spcAft>
+                <a:spcPts val="0"/>
+              </a:spcAft>
+              <a:buFont typeface="Wingdings 2"/>
+              <a:buChar char=""/>
+              <a:defRPr/>
+            </a:pPr>
+            <a:r>
+              <a:rPr lang="en-US" altLang="zh-CN" dirty="0" smtClean="0"/>
+              <a:t>The </a:t>
+            </a:r>
+            <a:r>
+              <a:rPr lang="en-US" altLang="zh-CN" dirty="0"/>
+              <a:t>command used to perform a task is </a:t>
+            </a:r>
+            <a:r>
+              <a:rPr lang="en-US" altLang="zh-CN" dirty="0" smtClean="0"/>
+              <a:t>independent </a:t>
+            </a:r>
+            <a:r>
+              <a:rPr lang="en-US" altLang="zh-CN" dirty="0"/>
+              <a:t>of both the </a:t>
+            </a:r>
+            <a:r>
+              <a:rPr lang="en-US" altLang="zh-CN" dirty="0">
                 <a:solidFill>
                   <a:schemeClr val="tx2">
                     <a:lumMod val="60000"/>
@@ -17689,9 +17719,28 @@
                   </a:schemeClr>
                 </a:solidFill>
               </a:rPr>
-              <a:t>Localization</a:t>
-            </a:r>
-            <a:endParaRPr lang="en-US" sz="2600" i="1" dirty="0">
+              <a:t>location of the data and </a:t>
+            </a:r>
+            <a:r>
+              <a:rPr lang="en-US" altLang="zh-CN" dirty="0" smtClean="0">
+                <a:solidFill>
+                  <a:schemeClr val="tx2">
+                    <a:lumMod val="60000"/>
+                    <a:lumOff val="40000"/>
+                  </a:schemeClr>
+                </a:solidFill>
+              </a:rPr>
+              <a:t>the system </a:t>
+            </a:r>
+            <a:r>
+              <a:rPr lang="en-US" altLang="zh-CN" dirty="0" smtClean="0"/>
+              <a:t>on </a:t>
+            </a:r>
+            <a:r>
+              <a:rPr lang="en-US" altLang="zh-CN" dirty="0"/>
+              <a:t>which an operation is carried out</a:t>
+            </a:r>
+            <a:endParaRPr lang="en-US" altLang="zh-CN" i="1" dirty="0" smtClean="0">
               <a:solidFill>
                 <a:schemeClr val="tx2">
                   <a:lumMod val="60000"/>
@@ -17701,57 +17750,82 @@
             </a:endParaRPr>
           </a:p>
           <a:p>
-            <a:pPr lvl="1"/>
-            <a:r>
-              <a:rPr lang="en-US" dirty="0"/>
-              <a:t>Contention for CPU and I/O </a:t>
-            </a:r>
-            <a:r>
-              <a:rPr lang="en-US" dirty="0" smtClean="0"/>
-              <a:t>services</a:t>
-            </a:r>
-          </a:p>
-          <a:p>
-            <a:pPr lvl="1"/>
-            <a:r>
-              <a:rPr lang="en-US" dirty="0" smtClean="0"/>
-              <a:t>Remote </a:t>
-            </a:r>
-            <a:r>
-              <a:rPr lang="en-US" dirty="0"/>
-              <a:t>access delays involved in wide area </a:t>
-            </a:r>
-            <a:r>
-              <a:rPr lang="en-US" dirty="0" smtClean="0"/>
-              <a:t>networks</a:t>
-            </a:r>
-          </a:p>
-          <a:p>
-            <a:r>
-              <a:rPr lang="en-US" dirty="0"/>
-              <a:t>Most distributed DBMSs are </a:t>
-            </a:r>
+            <a:pPr marL="640080" lvl="1" indent="-237744" eaLnBrk="1" fontAlgn="auto" hangingPunct="1">
+              <a:spcAft>
+                <a:spcPts val="0"/>
+              </a:spcAft>
+              <a:buFont typeface="Verdana"/>
+              <a:buChar char="◦"/>
+              <a:defRPr/>
+            </a:pPr>
+            <a:r>
+              <a:rPr lang="en-US" altLang="zh-CN" dirty="0"/>
+              <a:t>Naming transparency</a:t>
+            </a:r>
+            <a:endParaRPr lang="en-US" altLang="zh-CN" dirty="0" smtClean="0"/>
+          </a:p>
+          <a:p>
+            <a:pPr marL="886968" lvl="2" eaLnBrk="1" fontAlgn="auto" hangingPunct="1">
+              <a:spcAft>
+                <a:spcPts val="0"/>
+              </a:spcAft>
+              <a:buFont typeface="Wingdings 2"/>
+              <a:buChar char=""/>
+              <a:defRPr/>
+            </a:pPr>
             <a:r>
               <a:rPr lang="en-US" altLang="zh-CN" dirty="0" smtClean="0"/>
-              <a:t>designed</a:t>
-            </a:r>
-            <a:r>
-              <a:rPr lang="zh-CN" altLang="en-US" dirty="0" smtClean="0"/>
+              <a:t>A </a:t>
+            </a:r>
+            <a:r>
+              <a:rPr lang="en-US" altLang="zh-CN" dirty="0">
+                <a:solidFill>
+                  <a:schemeClr val="tx2">
+                    <a:lumMod val="60000"/>
+                    <a:lumOff val="40000"/>
+                  </a:schemeClr>
+                </a:solidFill>
+              </a:rPr>
+              <a:t>unique</a:t>
+            </a:r>
+            <a:r>
+              <a:rPr lang="en-US" altLang="zh-CN" dirty="0"/>
               <a:t> </a:t>
             </a:r>
             <a:r>
-              <a:rPr lang="en-US" dirty="0" smtClean="0"/>
-              <a:t>to </a:t>
-            </a:r>
-            <a:r>
-              <a:rPr lang="en-US" dirty="0"/>
-              <a:t>gain maximum benefit from data </a:t>
-            </a:r>
-            <a:r>
-              <a:rPr lang="en-US" dirty="0" smtClean="0"/>
-              <a:t>localization</a:t>
-            </a:r>
-            <a:endParaRPr lang="en-US" dirty="0"/>
+              <a:rPr lang="en-US" altLang="zh-CN" dirty="0">
+                <a:solidFill>
+                  <a:schemeClr val="tx2">
+                    <a:lumMod val="60000"/>
+                    <a:lumOff val="40000"/>
+                  </a:schemeClr>
+                </a:solidFill>
+              </a:rPr>
+              <a:t>name</a:t>
+            </a:r>
+            <a:r>
+              <a:rPr lang="en-US" altLang="zh-CN" dirty="0"/>
+              <a:t> is provided for each object in the database</a:t>
+            </a:r>
+            <a:endParaRPr lang="en-US" altLang="zh-CN" i="1" dirty="0" smtClean="0">
+              <a:solidFill>
+                <a:schemeClr val="tx2">
+                  <a:lumMod val="60000"/>
+                  <a:lumOff val="40000"/>
+                </a:schemeClr>
+              </a:solidFill>
+            </a:endParaRPr>
+          </a:p>
+          <a:p>
+            <a:pPr marL="365760" indent="-283464" eaLnBrk="1" fontAlgn="auto" hangingPunct="1">
+              <a:spcAft>
+                <a:spcPts val="0"/>
+              </a:spcAft>
+              <a:buFont typeface="Wingdings 2"/>
+              <a:buChar char=""/>
+              <a:defRPr/>
+            </a:pPr>
+            <a:endParaRPr lang="zh-CN" altLang="en-US" dirty="0"/>
           </a:p>
         </p:txBody>
       </p:sp>
@@ -17774,7 +17848,7 @@
               <a:defRPr/>
             </a:pPr>
             <a:r>
-              <a:rPr lang="en-US" altLang="zh-CN" smtClean="0"/>
+              <a:rPr lang="en-US" altLang="zh-CN"/>
               <a:t>Distributed Database Systems</a:t>
             </a:r>
             <a:endParaRPr lang="zh-CN" altLang="en-US"/>
@@ -17794,21 +17868,140 @@
         <p:spPr/>
         <p:txBody>
           <a:bodyPr/>
-          <a:lstStyle/>
-          <a:p>
-            <a:fld id="{07911F51-1A8C-AB4E-81E5-826D301A8DAE}" type="slidenum">
-              <a:rPr lang="zh-CN" altLang="en-US" smtClean="0"/>
-              <a:pPr/>
+          <a:lstStyle>
+            <a:lvl1pPr eaLnBrk="0" hangingPunct="0">
+              <a:defRPr>
+                <a:solidFill>
+                  <a:schemeClr val="tx1"/>
+                </a:solidFill>
+                <a:latin typeface="Arial" charset="0"/>
+                <a:ea typeface="宋体" charset="-122"/>
+              </a:defRPr>
+            </a:lvl1pPr>
+            <a:lvl2pPr marL="742950" indent="-285750" eaLnBrk="0" hangingPunct="0">
+              <a:defRPr>
+                <a:solidFill>
+                  <a:schemeClr val="tx1"/>
+                </a:solidFill>
+                <a:latin typeface="Arial" charset="0"/>
+                <a:ea typeface="宋体" charset="-122"/>
+              </a:defRPr>
+            </a:lvl2pPr>
+            <a:lvl3pPr marL="1143000" indent="-228600" eaLnBrk="0" hangingPunct="0">
+              <a:defRPr>
+                <a:solidFill>
+                  <a:schemeClr val="tx1"/>
+                </a:solidFill>
+                <a:latin typeface="Arial" charset="0"/>
+                <a:ea typeface="宋体" charset="-122"/>
+              </a:defRPr>
+            </a:lvl3pPr>
+            <a:lvl4pPr marL="1600200" indent="-228600" eaLnBrk="0" hangingPunct="0">
+              <a:defRPr>
+                <a:solidFill>
+                  <a:schemeClr val="tx1"/>
+                </a:solidFill>
+                <a:latin typeface="Arial" charset="0"/>
+                <a:ea typeface="宋体" charset="-122"/>
+              </a:defRPr>
+            </a:lvl4pPr>
+            <a:lvl5pPr marL="2057400" indent="-228600" eaLnBrk="0" hangingPunct="0">
+              <a:defRPr>
+                <a:solidFill>
+                  <a:schemeClr val="tx1"/>
+                </a:solidFill>
+                <a:latin typeface="Arial" charset="0"/>
+                <a:ea typeface="宋体" charset="-122"/>
+              </a:defRPr>
+            </a:lvl5pPr>
+            <a:lvl6pPr marL="2514600" indent="-228600" eaLnBrk="0" fontAlgn="base" hangingPunct="0">
+              <a:spcBef>
+                <a:spcPct val="0"/>
+              </a:spcBef>
+              <a:spcAft>
+                <a:spcPct val="0"/>
+              </a:spcAft>
+              <a:defRPr>
+                <a:solidFill>
+                  <a:schemeClr val="tx1"/>
+                </a:solidFill>
+                <a:latin typeface="Arial" charset="0"/>
+                <a:ea typeface="宋体" charset="-122"/>
+              </a:defRPr>
+            </a:lvl6pPr>
+            <a:lvl7pPr marL="2971800" indent="-228600" eaLnBrk="0" fontAlgn="base" hangingPunct="0">
+              <a:spcBef>
+                <a:spcPct val="0"/>
+              </a:spcBef>
+              <a:spcAft>
+                <a:spcPct val="0"/>
+              </a:spcAft>
+              <a:defRPr>
+                <a:solidFill>
+                  <a:schemeClr val="tx1"/>
+                </a:solidFill>
+                <a:latin typeface="Arial" charset="0"/>
+                <a:ea typeface="宋体" charset="-122"/>
+              </a:defRPr>
+            </a:lvl7pPr>
+            <a:lvl8pPr marL="3429000" indent="-228600" eaLnBrk="0" fontAlgn="base" hangingPunct="0">
+              <a:spcBef>
+                <a:spcPct val="0"/>
+              </a:spcBef>
+              <a:spcAft>
+                <a:spcPct val="0"/>
+              </a:spcAft>
+              <a:defRPr>
+                <a:solidFill>
+                  <a:schemeClr val="tx1"/>
+                </a:solidFill>
+                <a:latin typeface="Arial" charset="0"/>
+                <a:ea typeface="宋体" charset="-122"/>
+              </a:defRPr>
+            </a:lvl8pPr>
+            <a:lvl9pPr marL="3886200" indent="-228600" eaLnBrk="0" fontAlgn="base" hangingPunct="0">
+              <a:spcBef>
+                <a:spcPct val="0"/>
+              </a:spcBef>
+              <a:spcAft>
+                <a:spcPct val="0"/>
+              </a:spcAft>
+              <a:defRPr>
+                <a:solidFill>
+                  <a:schemeClr val="tx1"/>
+                </a:solidFill>
+                <a:latin typeface="Arial" charset="0"/>
+                <a:ea typeface="宋体" charset="-122"/>
+              </a:defRPr>
+            </a:lvl9pPr>
+          </a:lstStyle>
+          <a:p>
+            <a:pPr eaLnBrk="1" hangingPunct="1"/>
+            <a:fld id="{1CA33B43-E196-9D48-BAF0-CAEF6BEB7CD0}" type="slidenum">
+              <a:rPr lang="zh-CN" altLang="en-US">
+                <a:solidFill>
+                  <a:srgbClr val="B4B1A0"/>
+                </a:solidFill>
+                <a:latin typeface="Gill Sans MT" charset="0"/>
+                <a:ea typeface="华文中宋" charset="-122"/>
+              </a:rPr>
+              <a:pPr eaLnBrk="1" hangingPunct="1"/>
               <a:t>34</a:t>
             </a:fld>
-            <a:endParaRPr lang="zh-CN" altLang="en-US"/>
+            <a:endParaRPr lang="zh-CN" altLang="en-US">
+              <a:solidFill>
+                <a:srgbClr val="B4B1A0"/>
+              </a:solidFill>
+              <a:latin typeface="Gill Sans MT" charset="0"/>
+              <a:ea typeface="华文中宋" charset="-122"/>
+            </a:endParaRPr>
           </a:p>
         </p:txBody>
       </p:sp>
     </p:spTree>
     <p:extLst>
       <p:ext uri="{BB962C8B-B14F-4D97-AF65-F5344CB8AC3E}">
-        <p14:creationId xmlns:p14="http://schemas.microsoft.com/office/powerpoint/2010/main" val="314413435"/>
+        <p14:creationId xmlns:p14="http://schemas.microsoft.com/office/powerpoint/2010/main" val="94033640"/>
       </p:ext>
     </p:extLst>
   </p:cSld>
@@ -17857,22 +18050,29 @@
           <a:bodyPr/>
           <a:lstStyle/>
           <a:p>
-            <a:r>
-              <a:rPr lang="en-US" altLang="zh-CN" dirty="0" smtClean="0"/>
-              <a:t>1.4.1.4</a:t>
-            </a:r>
-            <a:r>
-              <a:rPr lang="zh-CN" altLang="en-US" dirty="0" smtClean="0"/>
-              <a:t> </a:t>
-            </a:r>
-            <a:r>
-              <a:rPr lang="en-US" dirty="0" smtClean="0"/>
-              <a:t>Easier </a:t>
-            </a:r>
-            <a:r>
-              <a:rPr lang="en-US" dirty="0"/>
-              <a:t>System Expansion</a:t>
-            </a:r>
+            <a:pPr eaLnBrk="1" fontAlgn="auto" hangingPunct="1">
+              <a:spcAft>
+                <a:spcPts val="0"/>
+              </a:spcAft>
+              <a:defRPr/>
+            </a:pPr>
+            <a:r>
+              <a:rPr lang="en-US" altLang="zh-CN" dirty="0">
+                <a:solidFill>
+                  <a:schemeClr val="tx2">
+                    <a:satMod val="130000"/>
+                  </a:schemeClr>
+                </a:solidFill>
+              </a:rPr>
+              <a:t>Replication transparency</a:t>
+            </a:r>
+            <a:endParaRPr lang="zh-CN" altLang="en-US" dirty="0">
+              <a:solidFill>
+                <a:schemeClr val="tx2">
+                  <a:satMod val="130000"/>
+                </a:schemeClr>
+              </a:solidFill>
+            </a:endParaRPr>
           </a:p>
         </p:txBody>
       </p:sp>
@@ -17888,13 +18088,39 @@
         </p:nvSpPr>
         <p:spPr/>
         <p:txBody>
-          <a:bodyPr/>
+          <a:bodyPr>
+            <a:normAutofit/>
+          </a:bodyPr>
           <a:lstStyle/>
           <a:p>
-            <a:r>
-              <a:rPr lang="en-US" dirty="0"/>
-              <a:t>In a distributed environment, it is much easier to accommodate increasing database sizes</a:t>
-            </a:r>
+            <a:pPr marL="365760" indent="-283464" eaLnBrk="1" fontAlgn="auto" hangingPunct="1">
+              <a:spcAft>
+                <a:spcPts val="0"/>
+              </a:spcAft>
+              <a:buFont typeface="Wingdings 2"/>
+              <a:buChar char=""/>
+              <a:defRPr/>
+            </a:pPr>
+            <a:r>
+              <a:rPr lang="en-US" altLang="zh-CN" dirty="0"/>
+              <a:t>For performance, reliability, and availability reasons, it is usually desirable to be able to distribute data in a replicated fashion across the machines on a network.</a:t>
+            </a:r>
+            <a:endParaRPr lang="en-US" altLang="zh-CN" dirty="0" smtClean="0"/>
+          </a:p>
+          <a:p>
+            <a:pPr marL="365760" indent="-283464" eaLnBrk="1" fontAlgn="auto" hangingPunct="1">
+              <a:spcAft>
+                <a:spcPts val="0"/>
+              </a:spcAft>
+              <a:buFont typeface="Wingdings 2"/>
+              <a:buChar char=""/>
+              <a:defRPr/>
+            </a:pPr>
+            <a:r>
+              <a:rPr lang="en-US" altLang="zh-CN" dirty="0"/>
+              <a:t>From a user’s perspective it is preferable not to be involved with handling copies and having to specify the fact that a certain action can and/or should be taken on multiple copies.</a:t>
+            </a:r>
+            <a:endParaRPr lang="zh-CN" altLang="en-US" dirty="0"/>
           </a:p>
         </p:txBody>
       </p:sp>
@@ -17917,7 +18143,7 @@
               <a:defRPr/>
             </a:pPr>
             <a:r>
-              <a:rPr lang="en-US" altLang="zh-CN" smtClean="0"/>
+              <a:rPr lang="en-US" altLang="zh-CN"/>
               <a:t>Distributed Database Systems</a:t>
             </a:r>
             <a:endParaRPr lang="zh-CN" altLang="en-US"/>
@@ -17937,21 +18163,140 @@
         <p:spPr/>
         <p:txBody>
           <a:bodyPr/>
-          <a:lstStyle/>
-          <a:p>
-            <a:fld id="{07911F51-1A8C-AB4E-81E5-826D301A8DAE}" type="slidenum">
-              <a:rPr lang="zh-CN" altLang="en-US" smtClean="0"/>
-              <a:pPr/>
+          <a:lstStyle>
+            <a:lvl1pPr eaLnBrk="0" hangingPunct="0">
+              <a:defRPr>
+                <a:solidFill>
+                  <a:schemeClr val="tx1"/>
+                </a:solidFill>
+                <a:latin typeface="Arial" charset="0"/>
+                <a:ea typeface="宋体" charset="-122"/>
+              </a:defRPr>
+            </a:lvl1pPr>
+            <a:lvl2pPr marL="742950" indent="-285750" eaLnBrk="0" hangingPunct="0">
+              <a:defRPr>
+                <a:solidFill>
+                  <a:schemeClr val="tx1"/>
+                </a:solidFill>
+                <a:latin typeface="Arial" charset="0"/>
+                <a:ea typeface="宋体" charset="-122"/>
+              </a:defRPr>
+            </a:lvl2pPr>
+            <a:lvl3pPr marL="1143000" indent="-228600" eaLnBrk="0" hangingPunct="0">
+              <a:defRPr>
+                <a:solidFill>
+                  <a:schemeClr val="tx1"/>
+                </a:solidFill>
+                <a:latin typeface="Arial" charset="0"/>
+                <a:ea typeface="宋体" charset="-122"/>
+              </a:defRPr>
+            </a:lvl3pPr>
+            <a:lvl4pPr marL="1600200" indent="-228600" eaLnBrk="0" hangingPunct="0">
+              <a:defRPr>
+                <a:solidFill>
+                  <a:schemeClr val="tx1"/>
+                </a:solidFill>
+                <a:latin typeface="Arial" charset="0"/>
+                <a:ea typeface="宋体" charset="-122"/>
+              </a:defRPr>
+            </a:lvl4pPr>
+            <a:lvl5pPr marL="2057400" indent="-228600" eaLnBrk="0" hangingPunct="0">
+              <a:defRPr>
+                <a:solidFill>
+                  <a:schemeClr val="tx1"/>
+                </a:solidFill>
+                <a:latin typeface="Arial" charset="0"/>
+                <a:ea typeface="宋体" charset="-122"/>
+              </a:defRPr>
+            </a:lvl5pPr>
+            <a:lvl6pPr marL="2514600" indent="-228600" eaLnBrk="0" fontAlgn="base" hangingPunct="0">
+              <a:spcBef>
+                <a:spcPct val="0"/>
+              </a:spcBef>
+              <a:spcAft>
+                <a:spcPct val="0"/>
+              </a:spcAft>
+              <a:defRPr>
+                <a:solidFill>
+                  <a:schemeClr val="tx1"/>
+                </a:solidFill>
+                <a:latin typeface="Arial" charset="0"/>
+                <a:ea typeface="宋体" charset="-122"/>
+              </a:defRPr>
+            </a:lvl6pPr>
+            <a:lvl7pPr marL="2971800" indent="-228600" eaLnBrk="0" fontAlgn="base" hangingPunct="0">
+              <a:spcBef>
+                <a:spcPct val="0"/>
+              </a:spcBef>
+              <a:spcAft>
+                <a:spcPct val="0"/>
+              </a:spcAft>
+              <a:defRPr>
+                <a:solidFill>
+                  <a:schemeClr val="tx1"/>
+                </a:solidFill>
+                <a:latin typeface="Arial" charset="0"/>
+                <a:ea typeface="宋体" charset="-122"/>
+              </a:defRPr>
+            </a:lvl7pPr>
+            <a:lvl8pPr marL="3429000" indent="-228600" eaLnBrk="0" fontAlgn="base" hangingPunct="0">
+              <a:spcBef>
+                <a:spcPct val="0"/>
+              </a:spcBef>
+              <a:spcAft>
+                <a:spcPct val="0"/>
+              </a:spcAft>
+              <a:defRPr>
+                <a:solidFill>
+                  <a:schemeClr val="tx1"/>
+                </a:solidFill>
+                <a:latin typeface="Arial" charset="0"/>
+                <a:ea typeface="宋体" charset="-122"/>
+              </a:defRPr>
+            </a:lvl8pPr>
+            <a:lvl9pPr marL="3886200" indent="-228600" eaLnBrk="0" fontAlgn="base" hangingPunct="0">
+              <a:spcBef>
+                <a:spcPct val="0"/>
+              </a:spcBef>
+              <a:spcAft>
+                <a:spcPct val="0"/>
+              </a:spcAft>
+              <a:defRPr>
+                <a:solidFill>
+                  <a:schemeClr val="tx1"/>
+                </a:solidFill>
+                <a:latin typeface="Arial" charset="0"/>
+                <a:ea typeface="宋体" charset="-122"/>
+              </a:defRPr>
+            </a:lvl9pPr>
+          </a:lstStyle>
+          <a:p>
+            <a:pPr eaLnBrk="1" hangingPunct="1"/>
+            <a:fld id="{1CA33B43-E196-9D48-BAF0-CAEF6BEB7CD0}" type="slidenum">
+              <a:rPr lang="zh-CN" altLang="en-US">
+                <a:solidFill>
+                  <a:srgbClr val="B4B1A0"/>
+                </a:solidFill>
+                <a:latin typeface="Gill Sans MT" charset="0"/>
+                <a:ea typeface="华文中宋" charset="-122"/>
+              </a:rPr>
+              <a:pPr eaLnBrk="1" hangingPunct="1"/>
               <a:t>35</a:t>
             </a:fld>
-            <a:endParaRPr lang="zh-CN" altLang="en-US"/>
+            <a:endParaRPr lang="zh-CN" altLang="en-US">
+              <a:solidFill>
+                <a:srgbClr val="B4B1A0"/>
+              </a:solidFill>
+              <a:latin typeface="Gill Sans MT" charset="0"/>
+              <a:ea typeface="华文中宋" charset="-122"/>
+            </a:endParaRPr>
           </a:p>
         </p:txBody>
       </p:sp>
     </p:spTree>
     <p:extLst>
       <p:ext uri="{BB962C8B-B14F-4D97-AF65-F5344CB8AC3E}">
-        <p14:creationId xmlns:p14="http://schemas.microsoft.com/office/powerpoint/2010/main" val="1925252095"/>
+        <p14:creationId xmlns:p14="http://schemas.microsoft.com/office/powerpoint/2010/main" val="1246166072"/>
       </p:ext>
     </p:extLst>
   </p:cSld>
@@ -18009,14 +18354,34 @@
               <a:defRPr/>
             </a:pPr>
             <a:r>
-              <a:rPr lang="en-US" altLang="zh-CN" sz="2800" dirty="0">
+              <a:rPr lang="en-US" altLang="zh-CN" sz="2800" dirty="0" smtClean="0">
                 <a:solidFill>
                   <a:schemeClr val="tx2">
                     <a:satMod val="130000"/>
                   </a:schemeClr>
                 </a:solidFill>
               </a:rPr>
-              <a:t>1.5 Complications Introduced by Distribution</a:t>
+              <a:t>1.4.2</a:t>
+            </a:r>
+            <a:r>
+              <a:rPr lang="zh-CN" altLang="en-US" sz="2800" dirty="0" smtClean="0">
+                <a:solidFill>
+                  <a:schemeClr val="tx2">
+                    <a:satMod val="130000"/>
+                  </a:schemeClr>
+                </a:solidFill>
+              </a:rPr>
+              <a:t> </a:t>
+            </a:r>
+            <a:r>
+              <a:rPr lang="en-US" altLang="zh-CN" sz="2800" dirty="0">
+                <a:solidFill>
+                  <a:schemeClr val="tx2">
+                    <a:satMod val="130000"/>
+                  </a:schemeClr>
+                </a:solidFill>
+              </a:rPr>
+              <a:t>Reliability Through Distributed Transactions</a:t>
             </a:r>
             <a:endParaRPr lang="zh-CN" altLang="en-US" sz="2800" dirty="0">
               <a:solidFill>
@@ -18030,7 +18395,7 @@
       </p:sp>
       <p:sp>
         <p:nvSpPr>
-          <p:cNvPr id="21507" name="Content Placeholder 2"/>
+          <p:cNvPr id="3" name="Content Placeholder 2"/>
           <p:cNvSpPr>
             <a:spLocks noGrp="1"/>
           </p:cNvSpPr>
@@ -18040,76 +18405,148 @@
         </p:nvSpPr>
         <p:spPr/>
         <p:txBody>
-          <a:bodyPr/>
+          <a:bodyPr>
+            <a:normAutofit lnSpcReduction="10000"/>
+          </a:bodyPr>
           <a:lstStyle/>
           <a:p>
-            <a:pPr eaLnBrk="1" hangingPunct="1"/>
+            <a:pPr marL="365760" indent="-283464" eaLnBrk="1" fontAlgn="auto" hangingPunct="1">
+              <a:spcAft>
+                <a:spcPts val="0"/>
+              </a:spcAft>
+              <a:buFont typeface="Wingdings 2"/>
+              <a:buChar char=""/>
+              <a:defRPr/>
+            </a:pPr>
+            <a:r>
+              <a:rPr lang="en-US" altLang="zh-CN" dirty="0" smtClean="0"/>
+              <a:t>An </a:t>
+            </a:r>
             <a:r>
               <a:rPr lang="en-US" altLang="zh-CN" dirty="0"/>
-              <a:t>Data </a:t>
-            </a:r>
+              <a:t>engineering firm wants to update the salaries of all the employees by 10%</a:t>
+            </a:r>
+            <a:endParaRPr lang="en-US" altLang="zh-CN" dirty="0" smtClean="0"/>
+          </a:p>
+          <a:p>
+            <a:pPr marL="365760" indent="-283464" eaLnBrk="1" fontAlgn="auto" hangingPunct="1">
+              <a:spcAft>
+                <a:spcPts val="0"/>
+              </a:spcAft>
+              <a:buFont typeface="Wingdings 2"/>
+              <a:buChar char=""/>
+              <a:defRPr/>
+            </a:pPr>
             <a:r>
               <a:rPr lang="en-US" altLang="zh-CN" dirty="0" smtClean="0"/>
-              <a:t>replication</a:t>
-            </a:r>
-          </a:p>
-          <a:p>
-            <a:pPr lvl="1" eaLnBrk="1" hangingPunct="1"/>
+              <a:t>Obstacles</a:t>
+            </a:r>
+          </a:p>
+          <a:p>
+            <a:pPr marL="640398" lvl="1" indent="-283464" eaLnBrk="1" fontAlgn="auto" hangingPunct="1">
+              <a:spcAft>
+                <a:spcPts val="0"/>
+              </a:spcAft>
+              <a:buFont typeface="Wingdings 2"/>
+              <a:buChar char=""/>
+              <a:defRPr/>
+            </a:pPr>
+            <a:r>
+              <a:rPr lang="en-US" altLang="zh-CN" dirty="0"/>
+              <a:t>What if a system failure occurs half-way through the execution of this </a:t>
+            </a:r>
             <a:r>
               <a:rPr lang="en-US" altLang="zh-CN" dirty="0" smtClean="0"/>
-              <a:t>Query</a:t>
-            </a:r>
-            <a:r>
-              <a:rPr lang="zh-CN" altLang="en-US" dirty="0" smtClean="0"/>
-              <a:t> </a:t>
+              <a:t>program</a:t>
+            </a:r>
+          </a:p>
+          <a:p>
+            <a:pPr marL="640398" lvl="1" indent="-283464" eaLnBrk="1" fontAlgn="auto" hangingPunct="1">
+              <a:spcAft>
+                <a:spcPts val="0"/>
+              </a:spcAft>
+              <a:buFont typeface="Wingdings 2"/>
+              <a:buChar char=""/>
+              <a:defRPr/>
+            </a:pPr>
+            <a:r>
+              <a:rPr lang="en-US" altLang="zh-CN" dirty="0"/>
+              <a:t>What if some other user runs a query calculating the average salaries </a:t>
             </a:r>
             <a:r>
               <a:rPr lang="en-US" altLang="zh-CN" dirty="0" smtClean="0"/>
-              <a:t>&amp;</a:t>
-            </a:r>
-            <a:r>
-              <a:rPr lang="zh-CN" altLang="en-US" dirty="0" smtClean="0"/>
-              <a:t> </a:t>
+              <a:t>while </a:t>
+            </a:r>
+            <a:r>
+              <a:rPr lang="en-US" altLang="zh-CN" dirty="0"/>
+              <a:t>the </a:t>
             </a:r>
             <a:r>
               <a:rPr lang="en-US" altLang="zh-CN" dirty="0" smtClean="0"/>
-              <a:t>Update</a:t>
-            </a:r>
-            <a:endParaRPr lang="en-US" altLang="zh-CN" dirty="0"/>
-          </a:p>
-          <a:p>
-            <a:pPr eaLnBrk="1" hangingPunct="1"/>
+              <a:t>update </a:t>
+            </a:r>
             <a:r>
               <a:rPr lang="en-US" altLang="zh-CN" dirty="0"/>
-              <a:t>Site </a:t>
-            </a:r>
+              <a:t>action is going on</a:t>
+            </a:r>
+          </a:p>
+          <a:p>
+            <a:pPr marL="365760" indent="-283464" eaLnBrk="1" fontAlgn="auto" hangingPunct="1">
+              <a:spcAft>
+                <a:spcPts val="0"/>
+              </a:spcAft>
+              <a:buFont typeface="Wingdings 2"/>
+              <a:buChar char=""/>
+              <a:defRPr/>
+            </a:pPr>
             <a:r>
               <a:rPr lang="en-US" altLang="zh-CN" dirty="0" smtClean="0"/>
-              <a:t>failure</a:t>
-            </a:r>
-            <a:r>
-              <a:rPr lang="zh-CN" altLang="en-US" dirty="0" smtClean="0"/>
-              <a:t> </a:t>
-            </a:r>
-            <a:r>
-              <a:rPr lang="en-US" altLang="zh-CN" dirty="0" smtClean="0"/>
-              <a:t>or</a:t>
-            </a:r>
-            <a:r>
-              <a:rPr lang="zh-CN" altLang="en-US" dirty="0" smtClean="0"/>
-              <a:t> </a:t>
+              <a:t>Solution</a:t>
+            </a:r>
+          </a:p>
+          <a:p>
+            <a:pPr marL="640398" lvl="1" indent="-283464" eaLnBrk="1" fontAlgn="auto" hangingPunct="1">
+              <a:spcAft>
+                <a:spcPts val="0"/>
+              </a:spcAft>
+              <a:buFont typeface="Wingdings 2"/>
+              <a:buChar char=""/>
+              <a:defRPr/>
+            </a:pPr>
+            <a:r>
+              <a:rPr lang="en-US" altLang="zh-CN" sz="2600" i="1" dirty="0">
+                <a:solidFill>
+                  <a:schemeClr val="tx2">
+                    <a:lumMod val="60000"/>
+                    <a:lumOff val="40000"/>
+                  </a:schemeClr>
+                </a:solidFill>
+              </a:rPr>
+              <a:t>Distributed transactions </a:t>
             </a:r>
             <a:r>
               <a:rPr lang="en-US" altLang="zh-CN" dirty="0"/>
-              <a:t>communication links fail</a:t>
-            </a:r>
-          </a:p>
-          <a:p>
-            <a:pPr eaLnBrk="1" hangingPunct="1"/>
-            <a:r>
-              <a:rPr lang="en-US" altLang="zh-CN" dirty="0"/>
-              <a:t>Distributed transaction processing</a:t>
-            </a:r>
+              <a:t>and </a:t>
+            </a:r>
+            <a:r>
+              <a:rPr lang="en-US" altLang="zh-CN" sz="2600" i="1" dirty="0">
+                <a:solidFill>
+                  <a:schemeClr val="tx2">
+                    <a:lumMod val="60000"/>
+                    <a:lumOff val="40000"/>
+                  </a:schemeClr>
+                </a:solidFill>
+              </a:rPr>
+              <a:t>application protocols</a:t>
+            </a:r>
+            <a:endParaRPr lang="zh-CN" altLang="en-US" sz="2600" i="1" dirty="0">
+              <a:solidFill>
+                <a:schemeClr val="tx2">
+                  <a:lumMod val="60000"/>
+                  <a:lumOff val="40000"/>
+                </a:schemeClr>
+              </a:solidFill>
+            </a:endParaRPr>
           </a:p>
         </p:txBody>
       </p:sp>
@@ -18261,7 +18698,7 @@
           </a:lstStyle>
           <a:p>
             <a:pPr eaLnBrk="1" hangingPunct="1"/>
-            <a:fld id="{6314F07F-C18E-7B4D-9D21-F2F91BF25A38}" type="slidenum">
+            <a:fld id="{1CA33B43-E196-9D48-BAF0-CAEF6BEB7CD0}" type="slidenum">
               <a:rPr lang="zh-CN" altLang="en-US">
                 <a:solidFill>
                   <a:srgbClr val="B4B1A0"/>
@@ -18283,6 +18720,11 @@
         </p:txBody>
       </p:sp>
     </p:spTree>
+    <p:extLst>
+      <p:ext uri="{BB962C8B-B14F-4D97-AF65-F5344CB8AC3E}">
+        <p14:creationId xmlns:p14="http://schemas.microsoft.com/office/powerpoint/2010/main" val="1481253291"/>
+      </p:ext>
+    </p:extLst>
   </p:cSld>
   <p:clrMapOvr>
     <a:masterClrMapping/>
@@ -18326,148 +18768,160 @@
         </p:nvSpPr>
         <p:spPr/>
         <p:txBody>
-          <a:bodyPr/>
-          <a:lstStyle/>
-          <a:p>
-            <a:pPr eaLnBrk="1" fontAlgn="auto" hangingPunct="1">
-              <a:spcAft>
-                <a:spcPts val="0"/>
-              </a:spcAft>
-              <a:defRPr/>
-            </a:pPr>
-            <a:r>
-              <a:rPr lang="en-US" altLang="zh-CN" dirty="0">
-                <a:solidFill>
-                  <a:schemeClr val="tx2">
-                    <a:satMod val="130000"/>
-                  </a:schemeClr>
-                </a:solidFill>
-              </a:rPr>
-              <a:t>1.6 Design Issues</a:t>
-            </a:r>
-            <a:endParaRPr lang="zh-CN" altLang="en-US" dirty="0">
-              <a:solidFill>
-                <a:schemeClr val="tx2">
-                  <a:satMod val="130000"/>
-                </a:schemeClr>
-              </a:solidFill>
-            </a:endParaRPr>
-          </a:p>
-        </p:txBody>
-      </p:sp>
-      <p:sp>
-        <p:nvSpPr>
-          <p:cNvPr id="3" name="Content Placeholder 2"/>
-          <p:cNvSpPr>
-            <a:spLocks noGrp="1"/>
-          </p:cNvSpPr>
-          <p:nvPr>
-            <p:ph idx="1"/>
-          </p:nvPr>
-        </p:nvSpPr>
-        <p:spPr/>
-        <p:txBody>
           <a:bodyPr>
             <a:normAutofit/>
           </a:bodyPr>
           <a:lstStyle/>
           <a:p>
-            <a:pPr marL="596646" indent="-514350" eaLnBrk="1" fontAlgn="auto" hangingPunct="1">
-              <a:spcAft>
-                <a:spcPts val="0"/>
-              </a:spcAft>
-              <a:buFont typeface="+mj-lt"/>
-              <a:buAutoNum type="arabicPeriod"/>
-              <a:defRPr/>
-            </a:pPr>
+            <a:r>
+              <a:rPr lang="en-US" altLang="zh-CN" sz="4400" dirty="0" smtClean="0">
+                <a:solidFill>
+                  <a:schemeClr val="tx2">
+                    <a:satMod val="130000"/>
+                  </a:schemeClr>
+                </a:solidFill>
+              </a:rPr>
+              <a:t>1.4.3</a:t>
+            </a:r>
+            <a:r>
+              <a:rPr lang="zh-CN" altLang="en-US" sz="4400" dirty="0" smtClean="0">
+                <a:solidFill>
+                  <a:schemeClr val="tx2">
+                    <a:satMod val="130000"/>
+                  </a:schemeClr>
+                </a:solidFill>
+              </a:rPr>
+              <a:t> </a:t>
+            </a:r>
+            <a:r>
+              <a:rPr lang="en-US" altLang="zh-CN" sz="4400" dirty="0">
+                <a:solidFill>
+                  <a:schemeClr val="tx2">
+                    <a:satMod val="130000"/>
+                  </a:schemeClr>
+                </a:solidFill>
+              </a:rPr>
+              <a:t>Improved Performance</a:t>
+            </a:r>
+            <a:endParaRPr lang="en-US" dirty="0"/>
+          </a:p>
+        </p:txBody>
+      </p:sp>
+      <p:sp>
+        <p:nvSpPr>
+          <p:cNvPr id="3" name="Content Placeholder 2"/>
+          <p:cNvSpPr>
+            <a:spLocks noGrp="1"/>
+          </p:cNvSpPr>
+          <p:nvPr>
+            <p:ph idx="1"/>
+          </p:nvPr>
+        </p:nvSpPr>
+        <p:spPr/>
+        <p:txBody>
+          <a:bodyPr/>
+          <a:lstStyle/>
+          <a:p>
             <a:r>
               <a:rPr lang="en-US" altLang="zh-CN" dirty="0" smtClean="0"/>
-              <a:t>Distributed DB design</a:t>
-            </a:r>
-          </a:p>
-          <a:p>
-            <a:pPr marL="596646" indent="-514350" eaLnBrk="1" fontAlgn="auto" hangingPunct="1">
-              <a:spcAft>
-                <a:spcPts val="0"/>
-              </a:spcAft>
-              <a:buFont typeface="+mj-lt"/>
-              <a:buAutoNum type="arabicPeriod"/>
-              <a:defRPr/>
-            </a:pPr>
+              <a:t>D</a:t>
+            </a:r>
+            <a:r>
+              <a:rPr lang="en-US" dirty="0" smtClean="0"/>
+              <a:t>ata </a:t>
+            </a:r>
+            <a:r>
+              <a:rPr lang="en-US" dirty="0"/>
+              <a:t>stored in close proximity to its points of </a:t>
+            </a:r>
+            <a:r>
+              <a:rPr lang="en-US" dirty="0" smtClean="0"/>
+              <a:t>use</a:t>
+            </a:r>
+            <a:r>
+              <a:rPr lang="zh-CN" altLang="en-US" dirty="0" smtClean="0"/>
+              <a:t> </a:t>
+            </a:r>
             <a:r>
               <a:rPr lang="en-US" altLang="zh-CN" dirty="0" smtClean="0"/>
-              <a:t>Distributed query processing</a:t>
-            </a:r>
-          </a:p>
-          <a:p>
-            <a:pPr marL="596646" indent="-514350" eaLnBrk="1" fontAlgn="auto" hangingPunct="1">
-              <a:spcAft>
-                <a:spcPts val="0"/>
-              </a:spcAft>
-              <a:buFont typeface="+mj-lt"/>
-              <a:buAutoNum type="arabicPeriod"/>
-              <a:defRPr/>
-            </a:pPr>
+              <a:t>-</a:t>
+            </a:r>
+            <a:r>
+              <a:rPr lang="zh-CN" altLang="en-US" dirty="0" smtClean="0"/>
+              <a:t> </a:t>
+            </a:r>
+            <a:r>
+              <a:rPr lang="en-US" i="1" dirty="0">
+                <a:solidFill>
+                  <a:schemeClr val="tx2">
+                    <a:lumMod val="60000"/>
+                    <a:lumOff val="40000"/>
+                  </a:schemeClr>
+                </a:solidFill>
+              </a:rPr>
+              <a:t>data locality</a:t>
+            </a:r>
+            <a:endParaRPr lang="en-US" sz="2600" i="1" dirty="0">
+              <a:solidFill>
+                <a:schemeClr val="tx2">
+                  <a:lumMod val="60000"/>
+                  <a:lumOff val="40000"/>
+                </a:schemeClr>
+              </a:solidFill>
+            </a:endParaRPr>
+          </a:p>
+          <a:p>
+            <a:pPr lvl="1"/>
+            <a:r>
+              <a:rPr lang="en-US" dirty="0"/>
+              <a:t>Contention for CPU and I/O </a:t>
+            </a:r>
+            <a:r>
+              <a:rPr lang="en-US" dirty="0" smtClean="0"/>
+              <a:t>services</a:t>
+            </a:r>
+          </a:p>
+          <a:p>
+            <a:pPr lvl="1"/>
+            <a:r>
+              <a:rPr lang="en-US" dirty="0" smtClean="0"/>
+              <a:t>Remote </a:t>
+            </a:r>
+            <a:r>
+              <a:rPr lang="en-US" dirty="0"/>
+              <a:t>access delays involved in wide area </a:t>
+            </a:r>
+            <a:r>
+              <a:rPr lang="en-US" dirty="0" smtClean="0"/>
+              <a:t>networks</a:t>
+            </a:r>
+          </a:p>
+          <a:p>
+            <a:r>
+              <a:rPr lang="en-US" dirty="0"/>
+              <a:t>Most distributed DBMSs are </a:t>
+            </a:r>
             <a:r>
               <a:rPr lang="en-US" altLang="zh-CN" dirty="0" smtClean="0"/>
-              <a:t>Distributed directory management</a:t>
-            </a:r>
-          </a:p>
-          <a:p>
-            <a:pPr marL="596646" indent="-514350" eaLnBrk="1" fontAlgn="auto" hangingPunct="1">
-              <a:spcAft>
-                <a:spcPts val="0"/>
-              </a:spcAft>
-              <a:buFont typeface="+mj-lt"/>
-              <a:buAutoNum type="arabicPeriod"/>
-              <a:defRPr/>
-            </a:pPr>
-            <a:r>
-              <a:rPr lang="en-US" altLang="zh-CN" dirty="0" smtClean="0"/>
-              <a:t>Distributed concurrency control</a:t>
-            </a:r>
-          </a:p>
-          <a:p>
-            <a:pPr marL="596646" indent="-514350" eaLnBrk="1" fontAlgn="auto" hangingPunct="1">
-              <a:spcAft>
-                <a:spcPts val="0"/>
-              </a:spcAft>
-              <a:buFont typeface="+mj-lt"/>
-              <a:buAutoNum type="arabicPeriod"/>
-              <a:defRPr/>
-            </a:pPr>
-            <a:r>
-              <a:rPr lang="en-US" altLang="zh-CN" dirty="0" smtClean="0"/>
-              <a:t>Distributed deadlock management</a:t>
-            </a:r>
-          </a:p>
-          <a:p>
-            <a:pPr marL="596646" indent="-514350" eaLnBrk="1" fontAlgn="auto" hangingPunct="1">
-              <a:spcAft>
-                <a:spcPts val="0"/>
-              </a:spcAft>
-              <a:buFont typeface="+mj-lt"/>
-              <a:buAutoNum type="arabicPeriod"/>
-              <a:defRPr/>
-            </a:pPr>
-            <a:r>
-              <a:rPr lang="en-US" altLang="zh-CN" dirty="0" smtClean="0"/>
-              <a:t>Reliability of DDBMS</a:t>
-            </a:r>
-          </a:p>
-          <a:p>
-            <a:pPr marL="596646" indent="-514350" eaLnBrk="1" fontAlgn="auto" hangingPunct="1">
-              <a:spcAft>
-                <a:spcPts val="0"/>
-              </a:spcAft>
-              <a:buFont typeface="+mj-lt"/>
-              <a:buAutoNum type="arabicPeriod"/>
-              <a:defRPr/>
-            </a:pPr>
-            <a:r>
-              <a:rPr lang="en-US" altLang="zh-CN" dirty="0" smtClean="0"/>
-              <a:t>Replication</a:t>
-            </a:r>
+              <a:t>designed</a:t>
+            </a:r>
+            <a:r>
+              <a:rPr lang="zh-CN" altLang="en-US" dirty="0" smtClean="0"/>
+              <a:t> </a:t>
+            </a:r>
+            <a:r>
+              <a:rPr lang="en-US" dirty="0" smtClean="0"/>
+              <a:t>to </a:t>
+            </a:r>
+            <a:r>
+              <a:rPr lang="en-US" dirty="0"/>
+              <a:t>gain maximum benefit from </a:t>
+            </a:r>
+            <a:r>
+              <a:rPr lang="en-US" dirty="0"/>
+              <a:t>data locality</a:t>
+            </a:r>
+            <a:endParaRPr lang="en-US" dirty="0"/>
           </a:p>
         </p:txBody>
       </p:sp>
@@ -18490,7 +18944,7 @@
               <a:defRPr/>
             </a:pPr>
             <a:r>
-              <a:rPr lang="en-US" altLang="zh-CN"/>
+              <a:rPr lang="en-US" altLang="zh-CN" smtClean="0"/>
               <a:t>Distributed Database Systems</a:t>
             </a:r>
             <a:endParaRPr lang="zh-CN" altLang="en-US"/>
@@ -18510,137 +18964,23 @@
         <p:spPr/>
         <p:txBody>
           <a:bodyPr/>
-          <a:lstStyle>
-            <a:lvl1pPr eaLnBrk="0" hangingPunct="0">
-              <a:defRPr>
-                <a:solidFill>
-                  <a:schemeClr val="tx1"/>
-                </a:solidFill>
-                <a:latin typeface="Arial" charset="0"/>
-                <a:ea typeface="宋体" charset="-122"/>
-              </a:defRPr>
-            </a:lvl1pPr>
-            <a:lvl2pPr marL="742950" indent="-285750" eaLnBrk="0" hangingPunct="0">
-              <a:defRPr>
-                <a:solidFill>
-                  <a:schemeClr val="tx1"/>
-                </a:solidFill>
-                <a:latin typeface="Arial" charset="0"/>
-                <a:ea typeface="宋体" charset="-122"/>
-              </a:defRPr>
-            </a:lvl2pPr>
-            <a:lvl3pPr marL="1143000" indent="-228600" eaLnBrk="0" hangingPunct="0">
-              <a:defRPr>
-                <a:solidFill>
-                  <a:schemeClr val="tx1"/>
-                </a:solidFill>
-                <a:latin typeface="Arial" charset="0"/>
-                <a:ea typeface="宋体" charset="-122"/>
-              </a:defRPr>
-            </a:lvl3pPr>
-            <a:lvl4pPr marL="1600200" indent="-228600" eaLnBrk="0" hangingPunct="0">
-              <a:defRPr>
-                <a:solidFill>
-                  <a:schemeClr val="tx1"/>
-                </a:solidFill>
-                <a:latin typeface="Arial" charset="0"/>
-                <a:ea typeface="宋体" charset="-122"/>
-              </a:defRPr>
-            </a:lvl4pPr>
-            <a:lvl5pPr marL="2057400" indent="-228600" eaLnBrk="0" hangingPunct="0">
-              <a:defRPr>
-                <a:solidFill>
-                  <a:schemeClr val="tx1"/>
-                </a:solidFill>
-                <a:latin typeface="Arial" charset="0"/>
-                <a:ea typeface="宋体" charset="-122"/>
-              </a:defRPr>
-            </a:lvl5pPr>
-            <a:lvl6pPr marL="2514600" indent="-228600" eaLnBrk="0" fontAlgn="base" hangingPunct="0">
-              <a:spcBef>
-                <a:spcPct val="0"/>
-              </a:spcBef>
-              <a:spcAft>
-                <a:spcPct val="0"/>
-              </a:spcAft>
-              <a:defRPr>
-                <a:solidFill>
-                  <a:schemeClr val="tx1"/>
-                </a:solidFill>
-                <a:latin typeface="Arial" charset="0"/>
-                <a:ea typeface="宋体" charset="-122"/>
-              </a:defRPr>
-            </a:lvl6pPr>
-            <a:lvl7pPr marL="2971800" indent="-228600" eaLnBrk="0" fontAlgn="base" hangingPunct="0">
-              <a:spcBef>
-                <a:spcPct val="0"/>
-              </a:spcBef>
-              <a:spcAft>
-                <a:spcPct val="0"/>
-              </a:spcAft>
-              <a:defRPr>
-                <a:solidFill>
-                  <a:schemeClr val="tx1"/>
-                </a:solidFill>
-                <a:latin typeface="Arial" charset="0"/>
-                <a:ea typeface="宋体" charset="-122"/>
-              </a:defRPr>
-            </a:lvl7pPr>
-            <a:lvl8pPr marL="3429000" indent="-228600" eaLnBrk="0" fontAlgn="base" hangingPunct="0">
-              <a:spcBef>
-                <a:spcPct val="0"/>
-              </a:spcBef>
-              <a:spcAft>
-                <a:spcPct val="0"/>
-              </a:spcAft>
-              <a:defRPr>
-                <a:solidFill>
-                  <a:schemeClr val="tx1"/>
-                </a:solidFill>
-                <a:latin typeface="Arial" charset="0"/>
-                <a:ea typeface="宋体" charset="-122"/>
-              </a:defRPr>
-            </a:lvl8pPr>
-            <a:lvl9pPr marL="3886200" indent="-228600" eaLnBrk="0" fontAlgn="base" hangingPunct="0">
-              <a:spcBef>
-                <a:spcPct val="0"/>
-              </a:spcBef>
-              <a:spcAft>
-                <a:spcPct val="0"/>
-              </a:spcAft>
-              <a:defRPr>
-                <a:solidFill>
-                  <a:schemeClr val="tx1"/>
-                </a:solidFill>
-                <a:latin typeface="Arial" charset="0"/>
-                <a:ea typeface="宋体" charset="-122"/>
-              </a:defRPr>
-            </a:lvl9pPr>
-          </a:lstStyle>
-          <a:p>
-            <a:pPr eaLnBrk="1" hangingPunct="1"/>
-            <a:fld id="{7FD775F5-E2D3-2847-BD98-F25D46DDEE0B}" type="slidenum">
-              <a:rPr lang="zh-CN" altLang="en-US">
-                <a:solidFill>
-                  <a:srgbClr val="B4B1A0"/>
-                </a:solidFill>
-                <a:latin typeface="Gill Sans MT" charset="0"/>
-                <a:ea typeface="华文中宋" charset="-122"/>
-              </a:rPr>
-              <a:pPr eaLnBrk="1" hangingPunct="1"/>
+          <a:lstStyle/>
+          <a:p>
+            <a:fld id="{07911F51-1A8C-AB4E-81E5-826D301A8DAE}" type="slidenum">
+              <a:rPr lang="zh-CN" altLang="en-US" smtClean="0"/>
+              <a:pPr/>
               <a:t>37</a:t>
             </a:fld>
-            <a:endParaRPr lang="zh-CN" altLang="en-US">
-              <a:solidFill>
-                <a:srgbClr val="B4B1A0"/>
-              </a:solidFill>
-              <a:latin typeface="Gill Sans MT" charset="0"/>
-              <a:ea typeface="华文中宋" charset="-122"/>
-            </a:endParaRPr>
+            <a:endParaRPr lang="zh-CN" altLang="en-US"/>
           </a:p>
         </p:txBody>
       </p:sp>
     </p:spTree>
+    <p:extLst>
+      <p:ext uri="{BB962C8B-B14F-4D97-AF65-F5344CB8AC3E}">
+        <p14:creationId xmlns:p14="http://schemas.microsoft.com/office/powerpoint/2010/main" val="314413435"/>
+      </p:ext>
+    </p:extLst>
   </p:cSld>
   <p:clrMapOvr>
     <a:masterClrMapping/>
@@ -18674,6 +19014,367 @@
       </p:grpSpPr>
       <p:sp>
         <p:nvSpPr>
+          <p:cNvPr id="2" name="Title 1"/>
+          <p:cNvSpPr>
+            <a:spLocks noGrp="1"/>
+          </p:cNvSpPr>
+          <p:nvPr>
+            <p:ph type="title"/>
+          </p:nvPr>
+        </p:nvSpPr>
+        <p:spPr/>
+        <p:txBody>
+          <a:bodyPr/>
+          <a:lstStyle/>
+          <a:p>
+            <a:r>
+              <a:rPr lang="en-US" altLang="zh-CN" dirty="0" smtClean="0"/>
+              <a:t>1.4.4</a:t>
+            </a:r>
+            <a:r>
+              <a:rPr lang="zh-CN" altLang="en-US" dirty="0" smtClean="0"/>
+              <a:t> </a:t>
+            </a:r>
+            <a:r>
+              <a:rPr lang="en-US" dirty="0"/>
+              <a:t>Scalability</a:t>
+            </a:r>
+            <a:endParaRPr lang="en-US" dirty="0"/>
+          </a:p>
+        </p:txBody>
+      </p:sp>
+      <p:sp>
+        <p:nvSpPr>
+          <p:cNvPr id="3" name="Content Placeholder 2"/>
+          <p:cNvSpPr>
+            <a:spLocks noGrp="1"/>
+          </p:cNvSpPr>
+          <p:nvPr>
+            <p:ph idx="1"/>
+          </p:nvPr>
+        </p:nvSpPr>
+        <p:spPr/>
+        <p:txBody>
+          <a:bodyPr/>
+          <a:lstStyle/>
+          <a:p>
+            <a:r>
+              <a:rPr lang="en-US" dirty="0"/>
+              <a:t>In a distributed environment, it is much easier to accommodate increasing database </a:t>
+            </a:r>
+            <a:r>
+              <a:rPr lang="en-US" dirty="0" smtClean="0"/>
+              <a:t>sizes</a:t>
+            </a:r>
+            <a:r>
+              <a:rPr lang="zh-CN" altLang="en-US" dirty="0" smtClean="0"/>
+              <a:t> </a:t>
+            </a:r>
+            <a:r>
+              <a:rPr lang="en-US" altLang="zh-CN" dirty="0" smtClean="0"/>
+              <a:t>and</a:t>
+            </a:r>
+            <a:r>
+              <a:rPr lang="zh-CN" altLang="en-US" dirty="0" smtClean="0"/>
+              <a:t> </a:t>
+            </a:r>
+            <a:r>
+              <a:rPr lang="en-US" dirty="0"/>
+              <a:t>bigger workloads </a:t>
+            </a:r>
+            <a:endParaRPr lang="en-US" dirty="0" smtClean="0"/>
+          </a:p>
+          <a:p>
+            <a:r>
+              <a:rPr lang="en-US" dirty="0"/>
+              <a:t>System expansion can usually be handled by adding processing and storage power to the network </a:t>
+            </a:r>
+            <a:endParaRPr lang="en-US" dirty="0" smtClean="0"/>
+          </a:p>
+          <a:p>
+            <a:r>
+              <a:rPr lang="en-US" altLang="zh-CN" dirty="0" smtClean="0"/>
+              <a:t>Scale-up</a:t>
+            </a:r>
+            <a:r>
+              <a:rPr lang="zh-CN" altLang="en-US" dirty="0" smtClean="0"/>
+              <a:t> </a:t>
+            </a:r>
+            <a:r>
+              <a:rPr lang="en-US" altLang="zh-CN" dirty="0" smtClean="0"/>
+              <a:t>vs.</a:t>
+            </a:r>
+            <a:r>
+              <a:rPr lang="zh-CN" altLang="en-US" dirty="0" smtClean="0"/>
+              <a:t> </a:t>
+            </a:r>
+            <a:r>
+              <a:rPr lang="en-US" altLang="zh-CN" dirty="0" smtClean="0"/>
+              <a:t>Scale-out</a:t>
+            </a:r>
+            <a:endParaRPr lang="en-US" dirty="0"/>
+          </a:p>
+          <a:p>
+            <a:endParaRPr lang="en-US" dirty="0"/>
+          </a:p>
+        </p:txBody>
+      </p:sp>
+      <p:sp>
+        <p:nvSpPr>
+          <p:cNvPr id="4" name="Footer Placeholder 3"/>
+          <p:cNvSpPr>
+            <a:spLocks noGrp="1"/>
+          </p:cNvSpPr>
+          <p:nvPr>
+            <p:ph type="ftr" sz="quarter" idx="11"/>
+          </p:nvPr>
+        </p:nvSpPr>
+        <p:spPr/>
+        <p:txBody>
+          <a:bodyPr/>
+          <a:lstStyle/>
+          <a:p>
+            <a:pPr>
+              <a:defRPr/>
+            </a:pPr>
+            <a:r>
+              <a:rPr lang="en-US" altLang="zh-CN" smtClean="0"/>
+              <a:t>Distributed Database Systems</a:t>
+            </a:r>
+            <a:endParaRPr lang="zh-CN" altLang="en-US"/>
+          </a:p>
+        </p:txBody>
+      </p:sp>
+      <p:sp>
+        <p:nvSpPr>
+          <p:cNvPr id="5" name="Slide Number Placeholder 4"/>
+          <p:cNvSpPr>
+            <a:spLocks noGrp="1"/>
+          </p:cNvSpPr>
+          <p:nvPr>
+            <p:ph type="sldNum" sz="quarter" idx="12"/>
+          </p:nvPr>
+        </p:nvSpPr>
+        <p:spPr/>
+        <p:txBody>
+          <a:bodyPr/>
+          <a:lstStyle/>
+          <a:p>
+            <a:fld id="{07911F51-1A8C-AB4E-81E5-826D301A8DAE}" type="slidenum">
+              <a:rPr lang="zh-CN" altLang="en-US" smtClean="0"/>
+              <a:pPr/>
+              <a:t>38</a:t>
+            </a:fld>
+            <a:endParaRPr lang="zh-CN" altLang="en-US"/>
+          </a:p>
+        </p:txBody>
+      </p:sp>
+    </p:spTree>
+    <p:extLst>
+      <p:ext uri="{BB962C8B-B14F-4D97-AF65-F5344CB8AC3E}">
+        <p14:creationId xmlns:p14="http://schemas.microsoft.com/office/powerpoint/2010/main" val="1925252095"/>
+      </p:ext>
+    </p:extLst>
+  </p:cSld>
+  <p:clrMapOvr>
+    <a:masterClrMapping/>
+  </p:clrMapOvr>
+  <p:timing>
+    <p:tnLst>
+      <p:par>
+        <p:cTn id="1" dur="indefinite" restart="never" nodeType="tmRoot"/>
+      </p:par>
+    </p:tnLst>
+  </p:timing>
+</p:sld>
+</file>
+
+<file path=ppt/slides/slide39.xml><?xml version="1.0" encoding="utf-8"?>
+<p:sld xmlns:a="http://schemas.openxmlformats.org/drawingml/2006/main" xmlns:r="http://schemas.openxmlformats.org/officeDocument/2006/relationships" xmlns:p="http://schemas.openxmlformats.org/presentationml/2006/main">
+  <p:cSld>
+    <p:spTree>
+      <p:nvGrpSpPr>
+        <p:cNvPr id="1" name=""/>
+        <p:cNvGrpSpPr/>
+        <p:nvPr/>
+      </p:nvGrpSpPr>
+      <p:grpSpPr>
+        <a:xfrm>
+          <a:off x="0" y="0"/>
+          <a:ext cx="0" cy="0"/>
+          <a:chOff x="0" y="0"/>
+          <a:chExt cx="0" cy="0"/>
+        </a:xfrm>
+      </p:grpSpPr>
+      <p:sp>
+        <p:nvSpPr>
+          <p:cNvPr id="2" name="Title 1"/>
+          <p:cNvSpPr>
+            <a:spLocks noGrp="1"/>
+          </p:cNvSpPr>
+          <p:nvPr>
+            <p:ph type="title"/>
+          </p:nvPr>
+        </p:nvSpPr>
+        <p:spPr/>
+        <p:txBody>
+          <a:bodyPr/>
+          <a:lstStyle/>
+          <a:p>
+            <a:pPr eaLnBrk="1" fontAlgn="auto" hangingPunct="1">
+              <a:spcAft>
+                <a:spcPts val="0"/>
+              </a:spcAft>
+              <a:defRPr/>
+            </a:pPr>
+            <a:r>
+              <a:rPr lang="en-US" altLang="zh-CN" dirty="0" smtClean="0">
+                <a:solidFill>
+                  <a:schemeClr val="tx2">
+                    <a:satMod val="130000"/>
+                  </a:schemeClr>
+                </a:solidFill>
+              </a:rPr>
+              <a:t>1.5 </a:t>
+            </a:r>
+            <a:r>
+              <a:rPr lang="en-US" altLang="zh-CN" dirty="0">
+                <a:solidFill>
+                  <a:schemeClr val="tx2">
+                    <a:satMod val="130000"/>
+                  </a:schemeClr>
+                </a:solidFill>
+              </a:rPr>
+              <a:t>Design Issues</a:t>
+            </a:r>
+            <a:endParaRPr lang="zh-CN" altLang="en-US" dirty="0">
+              <a:solidFill>
+                <a:schemeClr val="tx2">
+                  <a:satMod val="130000"/>
+                </a:schemeClr>
+              </a:solidFill>
+            </a:endParaRPr>
+          </a:p>
+        </p:txBody>
+      </p:sp>
+      <p:sp>
+        <p:nvSpPr>
+          <p:cNvPr id="3" name="Content Placeholder 2"/>
+          <p:cNvSpPr>
+            <a:spLocks noGrp="1"/>
+          </p:cNvSpPr>
+          <p:nvPr>
+            <p:ph idx="1"/>
+          </p:nvPr>
+        </p:nvSpPr>
+        <p:spPr/>
+        <p:txBody>
+          <a:bodyPr>
+            <a:normAutofit/>
+          </a:bodyPr>
+          <a:lstStyle/>
+          <a:p>
+            <a:pPr marL="596646" indent="-514350" eaLnBrk="1" fontAlgn="auto" hangingPunct="1">
+              <a:spcAft>
+                <a:spcPts val="0"/>
+              </a:spcAft>
+              <a:buFont typeface="+mj-lt"/>
+              <a:buAutoNum type="arabicPeriod"/>
+              <a:defRPr/>
+            </a:pPr>
+            <a:r>
+              <a:rPr lang="en-US" altLang="zh-CN" dirty="0" smtClean="0"/>
+              <a:t>Distributed DB design</a:t>
+            </a:r>
+          </a:p>
+          <a:p>
+            <a:pPr marL="596646" indent="-514350" eaLnBrk="1" fontAlgn="auto" hangingPunct="1">
+              <a:spcAft>
+                <a:spcPts val="0"/>
+              </a:spcAft>
+              <a:buFont typeface="+mj-lt"/>
+              <a:buAutoNum type="arabicPeriod"/>
+              <a:defRPr/>
+            </a:pPr>
+            <a:r>
+              <a:rPr lang="en-US" altLang="zh-CN" dirty="0" smtClean="0"/>
+              <a:t>Distributed query processing</a:t>
+            </a:r>
+          </a:p>
+          <a:p>
+            <a:pPr marL="596646" indent="-514350" eaLnBrk="1" fontAlgn="auto" hangingPunct="1">
+              <a:spcAft>
+                <a:spcPts val="0"/>
+              </a:spcAft>
+              <a:buFont typeface="+mj-lt"/>
+              <a:buAutoNum type="arabicPeriod"/>
+              <a:defRPr/>
+            </a:pPr>
+            <a:r>
+              <a:rPr lang="en-US" altLang="zh-CN" dirty="0" smtClean="0"/>
+              <a:t>Distributed directory management</a:t>
+            </a:r>
+          </a:p>
+          <a:p>
+            <a:pPr marL="596646" indent="-514350" eaLnBrk="1" fontAlgn="auto" hangingPunct="1">
+              <a:spcAft>
+                <a:spcPts val="0"/>
+              </a:spcAft>
+              <a:buFont typeface="+mj-lt"/>
+              <a:buAutoNum type="arabicPeriod"/>
+              <a:defRPr/>
+            </a:pPr>
+            <a:r>
+              <a:rPr lang="en-US" altLang="zh-CN" dirty="0" smtClean="0"/>
+              <a:t>Distributed concurrency control</a:t>
+            </a:r>
+          </a:p>
+          <a:p>
+            <a:pPr marL="596646" indent="-514350" eaLnBrk="1" fontAlgn="auto" hangingPunct="1">
+              <a:spcAft>
+                <a:spcPts val="0"/>
+              </a:spcAft>
+              <a:buFont typeface="+mj-lt"/>
+              <a:buAutoNum type="arabicPeriod"/>
+              <a:defRPr/>
+            </a:pPr>
+            <a:r>
+              <a:rPr lang="en-US" altLang="zh-CN" dirty="0" smtClean="0"/>
+              <a:t>Distributed deadlock management</a:t>
+            </a:r>
+          </a:p>
+          <a:p>
+            <a:pPr marL="596646" indent="-514350" eaLnBrk="1" fontAlgn="auto" hangingPunct="1">
+              <a:spcAft>
+                <a:spcPts val="0"/>
+              </a:spcAft>
+              <a:buFont typeface="+mj-lt"/>
+              <a:buAutoNum type="arabicPeriod"/>
+              <a:defRPr/>
+            </a:pPr>
+            <a:r>
+              <a:rPr lang="en-US" altLang="zh-CN" dirty="0" smtClean="0"/>
+              <a:t>Reliability of DDBMS</a:t>
+            </a:r>
+          </a:p>
+          <a:p>
+            <a:pPr marL="596646" indent="-514350" eaLnBrk="1" fontAlgn="auto" hangingPunct="1">
+              <a:spcAft>
+                <a:spcPts val="0"/>
+              </a:spcAft>
+              <a:buFont typeface="+mj-lt"/>
+              <a:buAutoNum type="arabicPeriod"/>
+              <a:defRPr/>
+            </a:pPr>
+            <a:r>
+              <a:rPr lang="en-US" altLang="zh-CN" dirty="0" smtClean="0"/>
+              <a:t>Replication</a:t>
+            </a:r>
+          </a:p>
+        </p:txBody>
+      </p:sp>
+      <p:sp>
+        <p:nvSpPr>
           <p:cNvPr id="4" name="Footer Placeholder 3"/>
           <p:cNvSpPr>
             <a:spLocks noGrp="1"/>
@@ -18820,7 +19521,7 @@
           </a:lstStyle>
           <a:p>
             <a:pPr eaLnBrk="1" hangingPunct="1"/>
-            <a:fld id="{4AE4F418-666C-E74A-894F-70FB99380175}" type="slidenum">
+            <a:fld id="{7FD775F5-E2D3-2847-BD98-F25D46DDEE0B}" type="slidenum">
               <a:rPr lang="zh-CN" altLang="en-US">
                 <a:solidFill>
                   <a:srgbClr val="B4B1A0"/>
@@ -18829,7 +19530,462 @@
                 <a:ea typeface="华文中宋" charset="-122"/>
               </a:rPr>
               <a:pPr eaLnBrk="1" hangingPunct="1"/>
-              <a:t>38</a:t>
+              <a:t>39</a:t>
+            </a:fld>
+            <a:endParaRPr lang="zh-CN" altLang="en-US">
+              <a:solidFill>
+                <a:srgbClr val="B4B1A0"/>
+              </a:solidFill>
+              <a:latin typeface="Gill Sans MT" charset="0"/>
+              <a:ea typeface="华文中宋" charset="-122"/>
+            </a:endParaRPr>
+          </a:p>
+        </p:txBody>
+      </p:sp>
+    </p:spTree>
+  </p:cSld>
+  <p:clrMapOvr>
+    <a:masterClrMapping/>
+  </p:clrMapOvr>
+  <p:timing>
+    <p:tnLst>
+      <p:par>
+        <p:cTn id="1" dur="indefinite" restart="never" nodeType="tmRoot"/>
+      </p:par>
+    </p:tnLst>
+  </p:timing>
+</p:sld>
+</file>
+
+<file path=ppt/slides/slide4.xml><?xml version="1.0" encoding="utf-8"?>
+<p:sld xmlns:a="http://schemas.openxmlformats.org/drawingml/2006/main" xmlns:r="http://schemas.openxmlformats.org/officeDocument/2006/relationships" xmlns:p="http://schemas.openxmlformats.org/presentationml/2006/main">
+  <p:cSld>
+    <p:spTree>
+      <p:nvGrpSpPr>
+        <p:cNvPr id="1" name=""/>
+        <p:cNvGrpSpPr/>
+        <p:nvPr/>
+      </p:nvGrpSpPr>
+      <p:grpSpPr>
+        <a:xfrm>
+          <a:off x="0" y="0"/>
+          <a:ext cx="0" cy="0"/>
+          <a:chOff x="0" y="0"/>
+          <a:chExt cx="0" cy="0"/>
+        </a:xfrm>
+      </p:grpSpPr>
+      <p:sp>
+        <p:nvSpPr>
+          <p:cNvPr id="2" name="Title 1"/>
+          <p:cNvSpPr>
+            <a:spLocks noGrp="1"/>
+          </p:cNvSpPr>
+          <p:nvPr>
+            <p:ph type="title"/>
+          </p:nvPr>
+        </p:nvSpPr>
+        <p:spPr>
+          <a:xfrm>
+            <a:off x="1428750" y="2714625"/>
+            <a:ext cx="7497763" cy="1143000"/>
+          </a:xfrm>
+        </p:spPr>
+        <p:txBody>
+          <a:bodyPr>
+            <a:noAutofit/>
+          </a:bodyPr>
+          <a:lstStyle/>
+          <a:p>
+            <a:pPr eaLnBrk="1" fontAlgn="auto" hangingPunct="1">
+              <a:spcAft>
+                <a:spcPts val="0"/>
+              </a:spcAft>
+              <a:defRPr/>
+            </a:pPr>
+            <a:r>
+              <a:rPr lang="en-US" altLang="zh-CN" sz="3200" dirty="0">
+                <a:solidFill>
+                  <a:schemeClr val="tx2">
+                    <a:satMod val="130000"/>
+                  </a:schemeClr>
+                </a:solidFill>
+              </a:rPr>
+              <a:t>Multiple processors (and memories)</a:t>
+            </a:r>
+            <a:endParaRPr lang="zh-CN" altLang="en-US" sz="3200" dirty="0">
+              <a:solidFill>
+                <a:schemeClr val="tx2">
+                  <a:satMod val="130000"/>
+                </a:schemeClr>
+              </a:solidFill>
+            </a:endParaRPr>
+          </a:p>
+        </p:txBody>
+      </p:sp>
+      <p:sp>
+        <p:nvSpPr>
+          <p:cNvPr id="4" name="Footer Placeholder 3"/>
+          <p:cNvSpPr>
+            <a:spLocks noGrp="1"/>
+          </p:cNvSpPr>
+          <p:nvPr>
+            <p:ph type="ftr" sz="quarter" idx="11"/>
+          </p:nvPr>
+        </p:nvSpPr>
+        <p:spPr/>
+        <p:txBody>
+          <a:bodyPr/>
+          <a:lstStyle/>
+          <a:p>
+            <a:pPr>
+              <a:defRPr/>
+            </a:pPr>
+            <a:r>
+              <a:rPr lang="en-US" altLang="zh-CN"/>
+              <a:t>Distributed Database Systems</a:t>
+            </a:r>
+            <a:endParaRPr lang="zh-CN" altLang="en-US"/>
+          </a:p>
+        </p:txBody>
+      </p:sp>
+      <p:sp>
+        <p:nvSpPr>
+          <p:cNvPr id="5" name="Slide Number Placeholder 4"/>
+          <p:cNvSpPr>
+            <a:spLocks noGrp="1"/>
+          </p:cNvSpPr>
+          <p:nvPr>
+            <p:ph type="sldNum" sz="quarter" idx="12"/>
+          </p:nvPr>
+        </p:nvSpPr>
+        <p:spPr/>
+        <p:txBody>
+          <a:bodyPr/>
+          <a:lstStyle>
+            <a:lvl1pPr eaLnBrk="0" hangingPunct="0">
+              <a:defRPr>
+                <a:solidFill>
+                  <a:schemeClr val="tx1"/>
+                </a:solidFill>
+                <a:latin typeface="Arial" charset="0"/>
+                <a:ea typeface="宋体" charset="-122"/>
+              </a:defRPr>
+            </a:lvl1pPr>
+            <a:lvl2pPr marL="742950" indent="-285750" eaLnBrk="0" hangingPunct="0">
+              <a:defRPr>
+                <a:solidFill>
+                  <a:schemeClr val="tx1"/>
+                </a:solidFill>
+                <a:latin typeface="Arial" charset="0"/>
+                <a:ea typeface="宋体" charset="-122"/>
+              </a:defRPr>
+            </a:lvl2pPr>
+            <a:lvl3pPr marL="1143000" indent="-228600" eaLnBrk="0" hangingPunct="0">
+              <a:defRPr>
+                <a:solidFill>
+                  <a:schemeClr val="tx1"/>
+                </a:solidFill>
+                <a:latin typeface="Arial" charset="0"/>
+                <a:ea typeface="宋体" charset="-122"/>
+              </a:defRPr>
+            </a:lvl3pPr>
+            <a:lvl4pPr marL="1600200" indent="-228600" eaLnBrk="0" hangingPunct="0">
+              <a:defRPr>
+                <a:solidFill>
+                  <a:schemeClr val="tx1"/>
+                </a:solidFill>
+                <a:latin typeface="Arial" charset="0"/>
+                <a:ea typeface="宋体" charset="-122"/>
+              </a:defRPr>
+            </a:lvl4pPr>
+            <a:lvl5pPr marL="2057400" indent="-228600" eaLnBrk="0" hangingPunct="0">
+              <a:defRPr>
+                <a:solidFill>
+                  <a:schemeClr val="tx1"/>
+                </a:solidFill>
+                <a:latin typeface="Arial" charset="0"/>
+                <a:ea typeface="宋体" charset="-122"/>
+              </a:defRPr>
+            </a:lvl5pPr>
+            <a:lvl6pPr marL="2514600" indent="-228600" eaLnBrk="0" fontAlgn="base" hangingPunct="0">
+              <a:spcBef>
+                <a:spcPct val="0"/>
+              </a:spcBef>
+              <a:spcAft>
+                <a:spcPct val="0"/>
+              </a:spcAft>
+              <a:defRPr>
+                <a:solidFill>
+                  <a:schemeClr val="tx1"/>
+                </a:solidFill>
+                <a:latin typeface="Arial" charset="0"/>
+                <a:ea typeface="宋体" charset="-122"/>
+              </a:defRPr>
+            </a:lvl6pPr>
+            <a:lvl7pPr marL="2971800" indent="-228600" eaLnBrk="0" fontAlgn="base" hangingPunct="0">
+              <a:spcBef>
+                <a:spcPct val="0"/>
+              </a:spcBef>
+              <a:spcAft>
+                <a:spcPct val="0"/>
+              </a:spcAft>
+              <a:defRPr>
+                <a:solidFill>
+                  <a:schemeClr val="tx1"/>
+                </a:solidFill>
+                <a:latin typeface="Arial" charset="0"/>
+                <a:ea typeface="宋体" charset="-122"/>
+              </a:defRPr>
+            </a:lvl7pPr>
+            <a:lvl8pPr marL="3429000" indent="-228600" eaLnBrk="0" fontAlgn="base" hangingPunct="0">
+              <a:spcBef>
+                <a:spcPct val="0"/>
+              </a:spcBef>
+              <a:spcAft>
+                <a:spcPct val="0"/>
+              </a:spcAft>
+              <a:defRPr>
+                <a:solidFill>
+                  <a:schemeClr val="tx1"/>
+                </a:solidFill>
+                <a:latin typeface="Arial" charset="0"/>
+                <a:ea typeface="宋体" charset="-122"/>
+              </a:defRPr>
+            </a:lvl8pPr>
+            <a:lvl9pPr marL="3886200" indent="-228600" eaLnBrk="0" fontAlgn="base" hangingPunct="0">
+              <a:spcBef>
+                <a:spcPct val="0"/>
+              </a:spcBef>
+              <a:spcAft>
+                <a:spcPct val="0"/>
+              </a:spcAft>
+              <a:defRPr>
+                <a:solidFill>
+                  <a:schemeClr val="tx1"/>
+                </a:solidFill>
+                <a:latin typeface="Arial" charset="0"/>
+                <a:ea typeface="宋体" charset="-122"/>
+              </a:defRPr>
+            </a:lvl9pPr>
+          </a:lstStyle>
+          <a:p>
+            <a:pPr eaLnBrk="1" hangingPunct="1"/>
+            <a:fld id="{727CD305-2C89-3948-9C77-146A91334B1E}" type="slidenum">
+              <a:rPr lang="zh-CN" altLang="en-US">
+                <a:solidFill>
+                  <a:srgbClr val="B4B1A0"/>
+                </a:solidFill>
+                <a:latin typeface="Gill Sans MT" charset="0"/>
+                <a:ea typeface="华文中宋" charset="-122"/>
+              </a:rPr>
+              <a:pPr eaLnBrk="1" hangingPunct="1"/>
+              <a:t>4</a:t>
+            </a:fld>
+            <a:endParaRPr lang="zh-CN" altLang="en-US">
+              <a:solidFill>
+                <a:srgbClr val="B4B1A0"/>
+              </a:solidFill>
+              <a:latin typeface="Gill Sans MT" charset="0"/>
+              <a:ea typeface="华文中宋" charset="-122"/>
+            </a:endParaRPr>
+          </a:p>
+        </p:txBody>
+      </p:sp>
+    </p:spTree>
+    <p:extLst>
+      <p:ext uri="{BB962C8B-B14F-4D97-AF65-F5344CB8AC3E}">
+        <p14:creationId xmlns:p14="http://schemas.microsoft.com/office/powerpoint/2010/main" val="1811451225"/>
+      </p:ext>
+    </p:extLst>
+  </p:cSld>
+  <p:clrMapOvr>
+    <a:masterClrMapping/>
+  </p:clrMapOvr>
+  <p:timing>
+    <p:tnLst>
+      <p:par>
+        <p:cTn id="1" dur="indefinite" restart="never" nodeType="tmRoot"/>
+      </p:par>
+    </p:tnLst>
+  </p:timing>
+</p:sld>
+</file>
+
+<file path=ppt/slides/slide40.xml><?xml version="1.0" encoding="utf-8"?>
+<p:sld xmlns:a="http://schemas.openxmlformats.org/drawingml/2006/main" xmlns:r="http://schemas.openxmlformats.org/officeDocument/2006/relationships" xmlns:p="http://schemas.openxmlformats.org/presentationml/2006/main">
+  <p:cSld>
+    <p:spTree>
+      <p:nvGrpSpPr>
+        <p:cNvPr id="1" name=""/>
+        <p:cNvGrpSpPr/>
+        <p:nvPr/>
+      </p:nvGrpSpPr>
+      <p:grpSpPr>
+        <a:xfrm>
+          <a:off x="0" y="0"/>
+          <a:ext cx="0" cy="0"/>
+          <a:chOff x="0" y="0"/>
+          <a:chExt cx="0" cy="0"/>
+        </a:xfrm>
+      </p:grpSpPr>
+      <p:sp>
+        <p:nvSpPr>
+          <p:cNvPr id="4" name="Footer Placeholder 3"/>
+          <p:cNvSpPr>
+            <a:spLocks noGrp="1"/>
+          </p:cNvSpPr>
+          <p:nvPr>
+            <p:ph type="ftr" sz="quarter" idx="11"/>
+          </p:nvPr>
+        </p:nvSpPr>
+        <p:spPr/>
+        <p:txBody>
+          <a:bodyPr/>
+          <a:lstStyle/>
+          <a:p>
+            <a:pPr>
+              <a:defRPr/>
+            </a:pPr>
+            <a:r>
+              <a:rPr lang="en-US" altLang="zh-CN"/>
+              <a:t>Distributed Database Systems</a:t>
+            </a:r>
+            <a:endParaRPr lang="zh-CN" altLang="en-US"/>
+          </a:p>
+        </p:txBody>
+      </p:sp>
+      <p:sp>
+        <p:nvSpPr>
+          <p:cNvPr id="5" name="Slide Number Placeholder 4"/>
+          <p:cNvSpPr>
+            <a:spLocks noGrp="1"/>
+          </p:cNvSpPr>
+          <p:nvPr>
+            <p:ph type="sldNum" sz="quarter" idx="12"/>
+          </p:nvPr>
+        </p:nvSpPr>
+        <p:spPr/>
+        <p:txBody>
+          <a:bodyPr/>
+          <a:lstStyle>
+            <a:lvl1pPr eaLnBrk="0" hangingPunct="0">
+              <a:defRPr>
+                <a:solidFill>
+                  <a:schemeClr val="tx1"/>
+                </a:solidFill>
+                <a:latin typeface="Arial" charset="0"/>
+                <a:ea typeface="宋体" charset="-122"/>
+              </a:defRPr>
+            </a:lvl1pPr>
+            <a:lvl2pPr marL="742950" indent="-285750" eaLnBrk="0" hangingPunct="0">
+              <a:defRPr>
+                <a:solidFill>
+                  <a:schemeClr val="tx1"/>
+                </a:solidFill>
+                <a:latin typeface="Arial" charset="0"/>
+                <a:ea typeface="宋体" charset="-122"/>
+              </a:defRPr>
+            </a:lvl2pPr>
+            <a:lvl3pPr marL="1143000" indent="-228600" eaLnBrk="0" hangingPunct="0">
+              <a:defRPr>
+                <a:solidFill>
+                  <a:schemeClr val="tx1"/>
+                </a:solidFill>
+                <a:latin typeface="Arial" charset="0"/>
+                <a:ea typeface="宋体" charset="-122"/>
+              </a:defRPr>
+            </a:lvl3pPr>
+            <a:lvl4pPr marL="1600200" indent="-228600" eaLnBrk="0" hangingPunct="0">
+              <a:defRPr>
+                <a:solidFill>
+                  <a:schemeClr val="tx1"/>
+                </a:solidFill>
+                <a:latin typeface="Arial" charset="0"/>
+                <a:ea typeface="宋体" charset="-122"/>
+              </a:defRPr>
+            </a:lvl4pPr>
+            <a:lvl5pPr marL="2057400" indent="-228600" eaLnBrk="0" hangingPunct="0">
+              <a:defRPr>
+                <a:solidFill>
+                  <a:schemeClr val="tx1"/>
+                </a:solidFill>
+                <a:latin typeface="Arial" charset="0"/>
+                <a:ea typeface="宋体" charset="-122"/>
+              </a:defRPr>
+            </a:lvl5pPr>
+            <a:lvl6pPr marL="2514600" indent="-228600" eaLnBrk="0" fontAlgn="base" hangingPunct="0">
+              <a:spcBef>
+                <a:spcPct val="0"/>
+              </a:spcBef>
+              <a:spcAft>
+                <a:spcPct val="0"/>
+              </a:spcAft>
+              <a:defRPr>
+                <a:solidFill>
+                  <a:schemeClr val="tx1"/>
+                </a:solidFill>
+                <a:latin typeface="Arial" charset="0"/>
+                <a:ea typeface="宋体" charset="-122"/>
+              </a:defRPr>
+            </a:lvl6pPr>
+            <a:lvl7pPr marL="2971800" indent="-228600" eaLnBrk="0" fontAlgn="base" hangingPunct="0">
+              <a:spcBef>
+                <a:spcPct val="0"/>
+              </a:spcBef>
+              <a:spcAft>
+                <a:spcPct val="0"/>
+              </a:spcAft>
+              <a:defRPr>
+                <a:solidFill>
+                  <a:schemeClr val="tx1"/>
+                </a:solidFill>
+                <a:latin typeface="Arial" charset="0"/>
+                <a:ea typeface="宋体" charset="-122"/>
+              </a:defRPr>
+            </a:lvl7pPr>
+            <a:lvl8pPr marL="3429000" indent="-228600" eaLnBrk="0" fontAlgn="base" hangingPunct="0">
+              <a:spcBef>
+                <a:spcPct val="0"/>
+              </a:spcBef>
+              <a:spcAft>
+                <a:spcPct val="0"/>
+              </a:spcAft>
+              <a:defRPr>
+                <a:solidFill>
+                  <a:schemeClr val="tx1"/>
+                </a:solidFill>
+                <a:latin typeface="Arial" charset="0"/>
+                <a:ea typeface="宋体" charset="-122"/>
+              </a:defRPr>
+            </a:lvl8pPr>
+            <a:lvl9pPr marL="3886200" indent="-228600" eaLnBrk="0" fontAlgn="base" hangingPunct="0">
+              <a:spcBef>
+                <a:spcPct val="0"/>
+              </a:spcBef>
+              <a:spcAft>
+                <a:spcPct val="0"/>
+              </a:spcAft>
+              <a:defRPr>
+                <a:solidFill>
+                  <a:schemeClr val="tx1"/>
+                </a:solidFill>
+                <a:latin typeface="Arial" charset="0"/>
+                <a:ea typeface="宋体" charset="-122"/>
+              </a:defRPr>
+            </a:lvl9pPr>
+          </a:lstStyle>
+          <a:p>
+            <a:pPr eaLnBrk="1" hangingPunct="1"/>
+            <a:fld id="{4AE4F418-666C-E74A-894F-70FB99380175}" type="slidenum">
+              <a:rPr lang="zh-CN" altLang="en-US">
+                <a:solidFill>
+                  <a:srgbClr val="B4B1A0"/>
+                </a:solidFill>
+                <a:latin typeface="Gill Sans MT" charset="0"/>
+                <a:ea typeface="华文中宋" charset="-122"/>
+              </a:rPr>
+              <a:pPr eaLnBrk="1" hangingPunct="1"/>
+              <a:t>40</a:t>
             </a:fld>
             <a:endParaRPr lang="zh-CN" altLang="en-US">
               <a:solidFill>
@@ -20032,1133 +21188,6 @@
 </p:sld>
 </file>
 
-<file path=ppt/slides/slide39.xml><?xml version="1.0" encoding="utf-8"?>
-<p:sld xmlns:a="http://schemas.openxmlformats.org/drawingml/2006/main" xmlns:r="http://schemas.openxmlformats.org/officeDocument/2006/relationships" xmlns:p="http://schemas.openxmlformats.org/presentationml/2006/main">
-  <p:cSld>
-    <p:spTree>
-      <p:nvGrpSpPr>
-        <p:cNvPr id="1" name=""/>
-        <p:cNvGrpSpPr/>
-        <p:nvPr/>
-      </p:nvGrpSpPr>
-      <p:grpSpPr>
-        <a:xfrm>
-          <a:off x="0" y="0"/>
-          <a:ext cx="0" cy="0"/>
-          <a:chOff x="0" y="0"/>
-          <a:chExt cx="0" cy="0"/>
-        </a:xfrm>
-      </p:grpSpPr>
-      <p:sp>
-        <p:nvSpPr>
-          <p:cNvPr id="2" name="Title 1"/>
-          <p:cNvSpPr>
-            <a:spLocks noGrp="1"/>
-          </p:cNvSpPr>
-          <p:nvPr>
-            <p:ph type="title"/>
-          </p:nvPr>
-        </p:nvSpPr>
-        <p:spPr>
-          <a:xfrm>
-            <a:off x="1428750" y="2714625"/>
-            <a:ext cx="7497763" cy="1143000"/>
-          </a:xfrm>
-        </p:spPr>
-        <p:txBody>
-          <a:bodyPr>
-            <a:noAutofit/>
-          </a:bodyPr>
-          <a:lstStyle/>
-          <a:p>
-            <a:pPr eaLnBrk="1" fontAlgn="auto" hangingPunct="1">
-              <a:spcAft>
-                <a:spcPts val="0"/>
-              </a:spcAft>
-              <a:defRPr/>
-            </a:pPr>
-            <a:r>
-              <a:rPr lang="en-US" altLang="zh-CN" sz="3200" dirty="0" smtClean="0">
-                <a:solidFill>
-                  <a:schemeClr val="tx2">
-                    <a:satMod val="130000"/>
-                  </a:schemeClr>
-                </a:solidFill>
-              </a:rPr>
-              <a:t>1.7 </a:t>
-            </a:r>
-            <a:r>
-              <a:rPr lang="en-US" altLang="zh-CN" sz="3200" dirty="0">
-                <a:solidFill>
-                  <a:schemeClr val="tx2">
-                    <a:satMod val="130000"/>
-                  </a:schemeClr>
-                </a:solidFill>
-              </a:rPr>
-              <a:t>Distributed DBMS Architecture</a:t>
-            </a:r>
-            <a:endParaRPr lang="zh-CN" altLang="en-US" sz="3200" dirty="0">
-              <a:solidFill>
-                <a:schemeClr val="tx2">
-                  <a:satMod val="130000"/>
-                </a:schemeClr>
-              </a:solidFill>
-            </a:endParaRPr>
-          </a:p>
-        </p:txBody>
-      </p:sp>
-      <p:sp>
-        <p:nvSpPr>
-          <p:cNvPr id="4" name="Footer Placeholder 3"/>
-          <p:cNvSpPr>
-            <a:spLocks noGrp="1"/>
-          </p:cNvSpPr>
-          <p:nvPr>
-            <p:ph type="ftr" sz="quarter" idx="11"/>
-          </p:nvPr>
-        </p:nvSpPr>
-        <p:spPr/>
-        <p:txBody>
-          <a:bodyPr/>
-          <a:lstStyle/>
-          <a:p>
-            <a:pPr>
-              <a:defRPr/>
-            </a:pPr>
-            <a:r>
-              <a:rPr lang="en-US" altLang="zh-CN"/>
-              <a:t>Distributed Database Systems</a:t>
-            </a:r>
-            <a:endParaRPr lang="zh-CN" altLang="en-US"/>
-          </a:p>
-        </p:txBody>
-      </p:sp>
-      <p:sp>
-        <p:nvSpPr>
-          <p:cNvPr id="5" name="Slide Number Placeholder 4"/>
-          <p:cNvSpPr>
-            <a:spLocks noGrp="1"/>
-          </p:cNvSpPr>
-          <p:nvPr>
-            <p:ph type="sldNum" sz="quarter" idx="12"/>
-          </p:nvPr>
-        </p:nvSpPr>
-        <p:spPr/>
-        <p:txBody>
-          <a:bodyPr/>
-          <a:lstStyle>
-            <a:lvl1pPr eaLnBrk="0" hangingPunct="0">
-              <a:defRPr>
-                <a:solidFill>
-                  <a:schemeClr val="tx1"/>
-                </a:solidFill>
-                <a:latin typeface="Arial" charset="0"/>
-                <a:ea typeface="宋体" charset="-122"/>
-              </a:defRPr>
-            </a:lvl1pPr>
-            <a:lvl2pPr marL="742950" indent="-285750" eaLnBrk="0" hangingPunct="0">
-              <a:defRPr>
-                <a:solidFill>
-                  <a:schemeClr val="tx1"/>
-                </a:solidFill>
-                <a:latin typeface="Arial" charset="0"/>
-                <a:ea typeface="宋体" charset="-122"/>
-              </a:defRPr>
-            </a:lvl2pPr>
-            <a:lvl3pPr marL="1143000" indent="-228600" eaLnBrk="0" hangingPunct="0">
-              <a:defRPr>
-                <a:solidFill>
-                  <a:schemeClr val="tx1"/>
-                </a:solidFill>
-                <a:latin typeface="Arial" charset="0"/>
-                <a:ea typeface="宋体" charset="-122"/>
-              </a:defRPr>
-            </a:lvl3pPr>
-            <a:lvl4pPr marL="1600200" indent="-228600" eaLnBrk="0" hangingPunct="0">
-              <a:defRPr>
-                <a:solidFill>
-                  <a:schemeClr val="tx1"/>
-                </a:solidFill>
-                <a:latin typeface="Arial" charset="0"/>
-                <a:ea typeface="宋体" charset="-122"/>
-              </a:defRPr>
-            </a:lvl4pPr>
-            <a:lvl5pPr marL="2057400" indent="-228600" eaLnBrk="0" hangingPunct="0">
-              <a:defRPr>
-                <a:solidFill>
-                  <a:schemeClr val="tx1"/>
-                </a:solidFill>
-                <a:latin typeface="Arial" charset="0"/>
-                <a:ea typeface="宋体" charset="-122"/>
-              </a:defRPr>
-            </a:lvl5pPr>
-            <a:lvl6pPr marL="2514600" indent="-228600" eaLnBrk="0" fontAlgn="base" hangingPunct="0">
-              <a:spcBef>
-                <a:spcPct val="0"/>
-              </a:spcBef>
-              <a:spcAft>
-                <a:spcPct val="0"/>
-              </a:spcAft>
-              <a:defRPr>
-                <a:solidFill>
-                  <a:schemeClr val="tx1"/>
-                </a:solidFill>
-                <a:latin typeface="Arial" charset="0"/>
-                <a:ea typeface="宋体" charset="-122"/>
-              </a:defRPr>
-            </a:lvl6pPr>
-            <a:lvl7pPr marL="2971800" indent="-228600" eaLnBrk="0" fontAlgn="base" hangingPunct="0">
-              <a:spcBef>
-                <a:spcPct val="0"/>
-              </a:spcBef>
-              <a:spcAft>
-                <a:spcPct val="0"/>
-              </a:spcAft>
-              <a:defRPr>
-                <a:solidFill>
-                  <a:schemeClr val="tx1"/>
-                </a:solidFill>
-                <a:latin typeface="Arial" charset="0"/>
-                <a:ea typeface="宋体" charset="-122"/>
-              </a:defRPr>
-            </a:lvl7pPr>
-            <a:lvl8pPr marL="3429000" indent="-228600" eaLnBrk="0" fontAlgn="base" hangingPunct="0">
-              <a:spcBef>
-                <a:spcPct val="0"/>
-              </a:spcBef>
-              <a:spcAft>
-                <a:spcPct val="0"/>
-              </a:spcAft>
-              <a:defRPr>
-                <a:solidFill>
-                  <a:schemeClr val="tx1"/>
-                </a:solidFill>
-                <a:latin typeface="Arial" charset="0"/>
-                <a:ea typeface="宋体" charset="-122"/>
-              </a:defRPr>
-            </a:lvl8pPr>
-            <a:lvl9pPr marL="3886200" indent="-228600" eaLnBrk="0" fontAlgn="base" hangingPunct="0">
-              <a:spcBef>
-                <a:spcPct val="0"/>
-              </a:spcBef>
-              <a:spcAft>
-                <a:spcPct val="0"/>
-              </a:spcAft>
-              <a:defRPr>
-                <a:solidFill>
-                  <a:schemeClr val="tx1"/>
-                </a:solidFill>
-                <a:latin typeface="Arial" charset="0"/>
-                <a:ea typeface="宋体" charset="-122"/>
-              </a:defRPr>
-            </a:lvl9pPr>
-          </a:lstStyle>
-          <a:p>
-            <a:pPr eaLnBrk="1" hangingPunct="1"/>
-            <a:fld id="{5918A433-3AA5-FC41-A2B9-E94E4ACEDFF3}" type="slidenum">
-              <a:rPr lang="zh-CN" altLang="en-US">
-                <a:solidFill>
-                  <a:srgbClr val="B4B1A0"/>
-                </a:solidFill>
-                <a:latin typeface="Gill Sans MT" charset="0"/>
-                <a:ea typeface="华文中宋" charset="-122"/>
-              </a:rPr>
-              <a:pPr eaLnBrk="1" hangingPunct="1"/>
-              <a:t>39</a:t>
-            </a:fld>
-            <a:endParaRPr lang="zh-CN" altLang="en-US">
-              <a:solidFill>
-                <a:srgbClr val="B4B1A0"/>
-              </a:solidFill>
-              <a:latin typeface="Gill Sans MT" charset="0"/>
-              <a:ea typeface="华文中宋" charset="-122"/>
-            </a:endParaRPr>
-          </a:p>
-        </p:txBody>
-      </p:sp>
-    </p:spTree>
-    <p:extLst>
-      <p:ext uri="{BB962C8B-B14F-4D97-AF65-F5344CB8AC3E}">
-        <p14:creationId xmlns:p14="http://schemas.microsoft.com/office/powerpoint/2010/main" val="1024105888"/>
-      </p:ext>
-    </p:extLst>
-  </p:cSld>
-  <p:clrMapOvr>
-    <a:masterClrMapping/>
-  </p:clrMapOvr>
-  <p:timing>
-    <p:tnLst>
-      <p:par>
-        <p:cTn id="1" dur="indefinite" restart="never" nodeType="tmRoot"/>
-      </p:par>
-    </p:tnLst>
-  </p:timing>
-</p:sld>
-</file>
-
-<file path=ppt/slides/slide4.xml><?xml version="1.0" encoding="utf-8"?>
-<p:sld xmlns:a="http://schemas.openxmlformats.org/drawingml/2006/main" xmlns:r="http://schemas.openxmlformats.org/officeDocument/2006/relationships" xmlns:p="http://schemas.openxmlformats.org/presentationml/2006/main">
-  <p:cSld>
-    <p:spTree>
-      <p:nvGrpSpPr>
-        <p:cNvPr id="1" name=""/>
-        <p:cNvGrpSpPr/>
-        <p:nvPr/>
-      </p:nvGrpSpPr>
-      <p:grpSpPr>
-        <a:xfrm>
-          <a:off x="0" y="0"/>
-          <a:ext cx="0" cy="0"/>
-          <a:chOff x="0" y="0"/>
-          <a:chExt cx="0" cy="0"/>
-        </a:xfrm>
-      </p:grpSpPr>
-      <p:sp>
-        <p:nvSpPr>
-          <p:cNvPr id="2" name="Title 1"/>
-          <p:cNvSpPr>
-            <a:spLocks noGrp="1"/>
-          </p:cNvSpPr>
-          <p:nvPr>
-            <p:ph type="title"/>
-          </p:nvPr>
-        </p:nvSpPr>
-        <p:spPr>
-          <a:xfrm>
-            <a:off x="1428750" y="2714625"/>
-            <a:ext cx="7497763" cy="1143000"/>
-          </a:xfrm>
-        </p:spPr>
-        <p:txBody>
-          <a:bodyPr>
-            <a:noAutofit/>
-          </a:bodyPr>
-          <a:lstStyle/>
-          <a:p>
-            <a:pPr eaLnBrk="1" fontAlgn="auto" hangingPunct="1">
-              <a:spcAft>
-                <a:spcPts val="0"/>
-              </a:spcAft>
-              <a:defRPr/>
-            </a:pPr>
-            <a:r>
-              <a:rPr lang="en-US" altLang="zh-CN" sz="3200" dirty="0">
-                <a:solidFill>
-                  <a:schemeClr val="tx2">
-                    <a:satMod val="130000"/>
-                  </a:schemeClr>
-                </a:solidFill>
-              </a:rPr>
-              <a:t>Multiple processors (and memories)</a:t>
-            </a:r>
-            <a:endParaRPr lang="zh-CN" altLang="en-US" sz="3200" dirty="0">
-              <a:solidFill>
-                <a:schemeClr val="tx2">
-                  <a:satMod val="130000"/>
-                </a:schemeClr>
-              </a:solidFill>
-            </a:endParaRPr>
-          </a:p>
-        </p:txBody>
-      </p:sp>
-      <p:sp>
-        <p:nvSpPr>
-          <p:cNvPr id="4" name="Footer Placeholder 3"/>
-          <p:cNvSpPr>
-            <a:spLocks noGrp="1"/>
-          </p:cNvSpPr>
-          <p:nvPr>
-            <p:ph type="ftr" sz="quarter" idx="11"/>
-          </p:nvPr>
-        </p:nvSpPr>
-        <p:spPr/>
-        <p:txBody>
-          <a:bodyPr/>
-          <a:lstStyle/>
-          <a:p>
-            <a:pPr>
-              <a:defRPr/>
-            </a:pPr>
-            <a:r>
-              <a:rPr lang="en-US" altLang="zh-CN"/>
-              <a:t>Distributed Database Systems</a:t>
-            </a:r>
-            <a:endParaRPr lang="zh-CN" altLang="en-US"/>
-          </a:p>
-        </p:txBody>
-      </p:sp>
-      <p:sp>
-        <p:nvSpPr>
-          <p:cNvPr id="5" name="Slide Number Placeholder 4"/>
-          <p:cNvSpPr>
-            <a:spLocks noGrp="1"/>
-          </p:cNvSpPr>
-          <p:nvPr>
-            <p:ph type="sldNum" sz="quarter" idx="12"/>
-          </p:nvPr>
-        </p:nvSpPr>
-        <p:spPr/>
-        <p:txBody>
-          <a:bodyPr/>
-          <a:lstStyle>
-            <a:lvl1pPr eaLnBrk="0" hangingPunct="0">
-              <a:defRPr>
-                <a:solidFill>
-                  <a:schemeClr val="tx1"/>
-                </a:solidFill>
-                <a:latin typeface="Arial" charset="0"/>
-                <a:ea typeface="宋体" charset="-122"/>
-              </a:defRPr>
-            </a:lvl1pPr>
-            <a:lvl2pPr marL="742950" indent="-285750" eaLnBrk="0" hangingPunct="0">
-              <a:defRPr>
-                <a:solidFill>
-                  <a:schemeClr val="tx1"/>
-                </a:solidFill>
-                <a:latin typeface="Arial" charset="0"/>
-                <a:ea typeface="宋体" charset="-122"/>
-              </a:defRPr>
-            </a:lvl2pPr>
-            <a:lvl3pPr marL="1143000" indent="-228600" eaLnBrk="0" hangingPunct="0">
-              <a:defRPr>
-                <a:solidFill>
-                  <a:schemeClr val="tx1"/>
-                </a:solidFill>
-                <a:latin typeface="Arial" charset="0"/>
-                <a:ea typeface="宋体" charset="-122"/>
-              </a:defRPr>
-            </a:lvl3pPr>
-            <a:lvl4pPr marL="1600200" indent="-228600" eaLnBrk="0" hangingPunct="0">
-              <a:defRPr>
-                <a:solidFill>
-                  <a:schemeClr val="tx1"/>
-                </a:solidFill>
-                <a:latin typeface="Arial" charset="0"/>
-                <a:ea typeface="宋体" charset="-122"/>
-              </a:defRPr>
-            </a:lvl4pPr>
-            <a:lvl5pPr marL="2057400" indent="-228600" eaLnBrk="0" hangingPunct="0">
-              <a:defRPr>
-                <a:solidFill>
-                  <a:schemeClr val="tx1"/>
-                </a:solidFill>
-                <a:latin typeface="Arial" charset="0"/>
-                <a:ea typeface="宋体" charset="-122"/>
-              </a:defRPr>
-            </a:lvl5pPr>
-            <a:lvl6pPr marL="2514600" indent="-228600" eaLnBrk="0" fontAlgn="base" hangingPunct="0">
-              <a:spcBef>
-                <a:spcPct val="0"/>
-              </a:spcBef>
-              <a:spcAft>
-                <a:spcPct val="0"/>
-              </a:spcAft>
-              <a:defRPr>
-                <a:solidFill>
-                  <a:schemeClr val="tx1"/>
-                </a:solidFill>
-                <a:latin typeface="Arial" charset="0"/>
-                <a:ea typeface="宋体" charset="-122"/>
-              </a:defRPr>
-            </a:lvl6pPr>
-            <a:lvl7pPr marL="2971800" indent="-228600" eaLnBrk="0" fontAlgn="base" hangingPunct="0">
-              <a:spcBef>
-                <a:spcPct val="0"/>
-              </a:spcBef>
-              <a:spcAft>
-                <a:spcPct val="0"/>
-              </a:spcAft>
-              <a:defRPr>
-                <a:solidFill>
-                  <a:schemeClr val="tx1"/>
-                </a:solidFill>
-                <a:latin typeface="Arial" charset="0"/>
-                <a:ea typeface="宋体" charset="-122"/>
-              </a:defRPr>
-            </a:lvl7pPr>
-            <a:lvl8pPr marL="3429000" indent="-228600" eaLnBrk="0" fontAlgn="base" hangingPunct="0">
-              <a:spcBef>
-                <a:spcPct val="0"/>
-              </a:spcBef>
-              <a:spcAft>
-                <a:spcPct val="0"/>
-              </a:spcAft>
-              <a:defRPr>
-                <a:solidFill>
-                  <a:schemeClr val="tx1"/>
-                </a:solidFill>
-                <a:latin typeface="Arial" charset="0"/>
-                <a:ea typeface="宋体" charset="-122"/>
-              </a:defRPr>
-            </a:lvl8pPr>
-            <a:lvl9pPr marL="3886200" indent="-228600" eaLnBrk="0" fontAlgn="base" hangingPunct="0">
-              <a:spcBef>
-                <a:spcPct val="0"/>
-              </a:spcBef>
-              <a:spcAft>
-                <a:spcPct val="0"/>
-              </a:spcAft>
-              <a:defRPr>
-                <a:solidFill>
-                  <a:schemeClr val="tx1"/>
-                </a:solidFill>
-                <a:latin typeface="Arial" charset="0"/>
-                <a:ea typeface="宋体" charset="-122"/>
-              </a:defRPr>
-            </a:lvl9pPr>
-          </a:lstStyle>
-          <a:p>
-            <a:pPr eaLnBrk="1" hangingPunct="1"/>
-            <a:fld id="{727CD305-2C89-3948-9C77-146A91334B1E}" type="slidenum">
-              <a:rPr lang="zh-CN" altLang="en-US">
-                <a:solidFill>
-                  <a:srgbClr val="B4B1A0"/>
-                </a:solidFill>
-                <a:latin typeface="Gill Sans MT" charset="0"/>
-                <a:ea typeface="华文中宋" charset="-122"/>
-              </a:rPr>
-              <a:pPr eaLnBrk="1" hangingPunct="1"/>
-              <a:t>4</a:t>
-            </a:fld>
-            <a:endParaRPr lang="zh-CN" altLang="en-US">
-              <a:solidFill>
-                <a:srgbClr val="B4B1A0"/>
-              </a:solidFill>
-              <a:latin typeface="Gill Sans MT" charset="0"/>
-              <a:ea typeface="华文中宋" charset="-122"/>
-            </a:endParaRPr>
-          </a:p>
-        </p:txBody>
-      </p:sp>
-    </p:spTree>
-    <p:extLst>
-      <p:ext uri="{BB962C8B-B14F-4D97-AF65-F5344CB8AC3E}">
-        <p14:creationId xmlns:p14="http://schemas.microsoft.com/office/powerpoint/2010/main" val="1811451225"/>
-      </p:ext>
-    </p:extLst>
-  </p:cSld>
-  <p:clrMapOvr>
-    <a:masterClrMapping/>
-  </p:clrMapOvr>
-  <p:timing>
-    <p:tnLst>
-      <p:par>
-        <p:cTn id="1" dur="indefinite" restart="never" nodeType="tmRoot"/>
-      </p:par>
-    </p:tnLst>
-  </p:timing>
-</p:sld>
-</file>
-
-<file path=ppt/slides/slide40.xml><?xml version="1.0" encoding="utf-8"?>
-<p:sld xmlns:a="http://schemas.openxmlformats.org/drawingml/2006/main" xmlns:r="http://schemas.openxmlformats.org/officeDocument/2006/relationships" xmlns:p="http://schemas.openxmlformats.org/presentationml/2006/main">
-  <p:cSld>
-    <p:spTree>
-      <p:nvGrpSpPr>
-        <p:cNvPr id="1" name=""/>
-        <p:cNvGrpSpPr/>
-        <p:nvPr/>
-      </p:nvGrpSpPr>
-      <p:grpSpPr>
-        <a:xfrm>
-          <a:off x="0" y="0"/>
-          <a:ext cx="0" cy="0"/>
-          <a:chOff x="0" y="0"/>
-          <a:chExt cx="0" cy="0"/>
-        </a:xfrm>
-      </p:grpSpPr>
-      <p:sp>
-        <p:nvSpPr>
-          <p:cNvPr id="2" name="Title 1"/>
-          <p:cNvSpPr>
-            <a:spLocks noGrp="1"/>
-          </p:cNvSpPr>
-          <p:nvPr>
-            <p:ph type="title"/>
-          </p:nvPr>
-        </p:nvSpPr>
-        <p:spPr/>
-        <p:txBody>
-          <a:bodyPr/>
-          <a:lstStyle/>
-          <a:p>
-            <a:pPr eaLnBrk="1" fontAlgn="auto" hangingPunct="1">
-              <a:spcAft>
-                <a:spcPts val="0"/>
-              </a:spcAft>
-              <a:defRPr/>
-            </a:pPr>
-            <a:r>
-              <a:rPr lang="en-US" altLang="zh-CN" dirty="0" smtClean="0">
-                <a:solidFill>
-                  <a:schemeClr val="tx2">
-                    <a:satMod val="130000"/>
-                  </a:schemeClr>
-                </a:solidFill>
-              </a:rPr>
-              <a:t>1.7.1 ANSI/APARC Architecture</a:t>
-            </a:r>
-            <a:endParaRPr lang="zh-CN" altLang="en-US" dirty="0">
-              <a:solidFill>
-                <a:schemeClr val="tx2">
-                  <a:satMod val="130000"/>
-                </a:schemeClr>
-              </a:solidFill>
-            </a:endParaRPr>
-          </a:p>
-        </p:txBody>
-      </p:sp>
-      <p:sp>
-        <p:nvSpPr>
-          <p:cNvPr id="14339" name="Content Placeholder 2"/>
-          <p:cNvSpPr>
-            <a:spLocks noGrp="1"/>
-          </p:cNvSpPr>
-          <p:nvPr>
-            <p:ph idx="1"/>
-          </p:nvPr>
-        </p:nvSpPr>
-        <p:spPr/>
-        <p:txBody>
-          <a:bodyPr/>
-          <a:lstStyle/>
-          <a:p>
-            <a:pPr eaLnBrk="1" hangingPunct="1"/>
-            <a:r>
-              <a:rPr lang="en-US" altLang="zh-CN" sz="2400"/>
-              <a:t>A 3-level architecture based on data organization</a:t>
-            </a:r>
-            <a:endParaRPr lang="zh-CN" altLang="en-US" sz="2400"/>
-          </a:p>
-        </p:txBody>
-      </p:sp>
-      <p:sp>
-        <p:nvSpPr>
-          <p:cNvPr id="4" name="Footer Placeholder 3"/>
-          <p:cNvSpPr>
-            <a:spLocks noGrp="1"/>
-          </p:cNvSpPr>
-          <p:nvPr>
-            <p:ph type="ftr" sz="quarter" idx="11"/>
-          </p:nvPr>
-        </p:nvSpPr>
-        <p:spPr/>
-        <p:txBody>
-          <a:bodyPr/>
-          <a:lstStyle/>
-          <a:p>
-            <a:pPr>
-              <a:defRPr/>
-            </a:pPr>
-            <a:r>
-              <a:rPr lang="en-US" altLang="zh-CN"/>
-              <a:t>Distributed Database Systems</a:t>
-            </a:r>
-            <a:endParaRPr lang="zh-CN" altLang="en-US"/>
-          </a:p>
-        </p:txBody>
-      </p:sp>
-      <p:sp>
-        <p:nvSpPr>
-          <p:cNvPr id="5" name="Slide Number Placeholder 4"/>
-          <p:cNvSpPr>
-            <a:spLocks noGrp="1"/>
-          </p:cNvSpPr>
-          <p:nvPr>
-            <p:ph type="sldNum" sz="quarter" idx="12"/>
-          </p:nvPr>
-        </p:nvSpPr>
-        <p:spPr/>
-        <p:txBody>
-          <a:bodyPr/>
-          <a:lstStyle>
-            <a:lvl1pPr eaLnBrk="0" hangingPunct="0">
-              <a:defRPr>
-                <a:solidFill>
-                  <a:schemeClr val="tx1"/>
-                </a:solidFill>
-                <a:latin typeface="Arial" charset="0"/>
-                <a:ea typeface="宋体" charset="-122"/>
-              </a:defRPr>
-            </a:lvl1pPr>
-            <a:lvl2pPr marL="742950" indent="-285750" eaLnBrk="0" hangingPunct="0">
-              <a:defRPr>
-                <a:solidFill>
-                  <a:schemeClr val="tx1"/>
-                </a:solidFill>
-                <a:latin typeface="Arial" charset="0"/>
-                <a:ea typeface="宋体" charset="-122"/>
-              </a:defRPr>
-            </a:lvl2pPr>
-            <a:lvl3pPr marL="1143000" indent="-228600" eaLnBrk="0" hangingPunct="0">
-              <a:defRPr>
-                <a:solidFill>
-                  <a:schemeClr val="tx1"/>
-                </a:solidFill>
-                <a:latin typeface="Arial" charset="0"/>
-                <a:ea typeface="宋体" charset="-122"/>
-              </a:defRPr>
-            </a:lvl3pPr>
-            <a:lvl4pPr marL="1600200" indent="-228600" eaLnBrk="0" hangingPunct="0">
-              <a:defRPr>
-                <a:solidFill>
-                  <a:schemeClr val="tx1"/>
-                </a:solidFill>
-                <a:latin typeface="Arial" charset="0"/>
-                <a:ea typeface="宋体" charset="-122"/>
-              </a:defRPr>
-            </a:lvl4pPr>
-            <a:lvl5pPr marL="2057400" indent="-228600" eaLnBrk="0" hangingPunct="0">
-              <a:defRPr>
-                <a:solidFill>
-                  <a:schemeClr val="tx1"/>
-                </a:solidFill>
-                <a:latin typeface="Arial" charset="0"/>
-                <a:ea typeface="宋体" charset="-122"/>
-              </a:defRPr>
-            </a:lvl5pPr>
-            <a:lvl6pPr marL="2514600" indent="-228600" eaLnBrk="0" fontAlgn="base" hangingPunct="0">
-              <a:spcBef>
-                <a:spcPct val="0"/>
-              </a:spcBef>
-              <a:spcAft>
-                <a:spcPct val="0"/>
-              </a:spcAft>
-              <a:defRPr>
-                <a:solidFill>
-                  <a:schemeClr val="tx1"/>
-                </a:solidFill>
-                <a:latin typeface="Arial" charset="0"/>
-                <a:ea typeface="宋体" charset="-122"/>
-              </a:defRPr>
-            </a:lvl6pPr>
-            <a:lvl7pPr marL="2971800" indent="-228600" eaLnBrk="0" fontAlgn="base" hangingPunct="0">
-              <a:spcBef>
-                <a:spcPct val="0"/>
-              </a:spcBef>
-              <a:spcAft>
-                <a:spcPct val="0"/>
-              </a:spcAft>
-              <a:defRPr>
-                <a:solidFill>
-                  <a:schemeClr val="tx1"/>
-                </a:solidFill>
-                <a:latin typeface="Arial" charset="0"/>
-                <a:ea typeface="宋体" charset="-122"/>
-              </a:defRPr>
-            </a:lvl7pPr>
-            <a:lvl8pPr marL="3429000" indent="-228600" eaLnBrk="0" fontAlgn="base" hangingPunct="0">
-              <a:spcBef>
-                <a:spcPct val="0"/>
-              </a:spcBef>
-              <a:spcAft>
-                <a:spcPct val="0"/>
-              </a:spcAft>
-              <a:defRPr>
-                <a:solidFill>
-                  <a:schemeClr val="tx1"/>
-                </a:solidFill>
-                <a:latin typeface="Arial" charset="0"/>
-                <a:ea typeface="宋体" charset="-122"/>
-              </a:defRPr>
-            </a:lvl8pPr>
-            <a:lvl9pPr marL="3886200" indent="-228600" eaLnBrk="0" fontAlgn="base" hangingPunct="0">
-              <a:spcBef>
-                <a:spcPct val="0"/>
-              </a:spcBef>
-              <a:spcAft>
-                <a:spcPct val="0"/>
-              </a:spcAft>
-              <a:defRPr>
-                <a:solidFill>
-                  <a:schemeClr val="tx1"/>
-                </a:solidFill>
-                <a:latin typeface="Arial" charset="0"/>
-                <a:ea typeface="宋体" charset="-122"/>
-              </a:defRPr>
-            </a:lvl9pPr>
-          </a:lstStyle>
-          <a:p>
-            <a:pPr eaLnBrk="1" hangingPunct="1"/>
-            <a:fld id="{C9D1532D-3A4C-5946-88E6-A0B526AF86A1}" type="slidenum">
-              <a:rPr lang="zh-CN" altLang="en-US">
-                <a:solidFill>
-                  <a:srgbClr val="B4B1A0"/>
-                </a:solidFill>
-                <a:latin typeface="Gill Sans MT" charset="0"/>
-                <a:ea typeface="华文中宋" charset="-122"/>
-              </a:rPr>
-              <a:pPr eaLnBrk="1" hangingPunct="1"/>
-              <a:t>40</a:t>
-            </a:fld>
-            <a:endParaRPr lang="zh-CN" altLang="en-US">
-              <a:solidFill>
-                <a:srgbClr val="B4B1A0"/>
-              </a:solidFill>
-              <a:latin typeface="Gill Sans MT" charset="0"/>
-              <a:ea typeface="华文中宋" charset="-122"/>
-            </a:endParaRPr>
-          </a:p>
-        </p:txBody>
-      </p:sp>
-      <p:graphicFrame>
-        <p:nvGraphicFramePr>
-          <p:cNvPr id="6" name="Table 5"/>
-          <p:cNvGraphicFramePr>
-            <a:graphicFrameLocks noGrp="1"/>
-          </p:cNvGraphicFramePr>
-          <p:nvPr/>
-        </p:nvGraphicFramePr>
-        <p:xfrm>
-          <a:off x="1643063" y="2143125"/>
-          <a:ext cx="6858001" cy="3662624"/>
-        </p:xfrm>
-        <a:graphic>
-          <a:graphicData uri="http://schemas.openxmlformats.org/drawingml/2006/table">
-            <a:tbl>
-              <a:tblPr firstRow="1" bandRow="1">
-                <a:tableStyleId>{5C22544A-7EE6-4342-B048-85BDC9FD1C3A}</a:tableStyleId>
-              </a:tblPr>
-              <a:tblGrid>
-                <a:gridCol w="2214563"/>
-                <a:gridCol w="4643438"/>
-              </a:tblGrid>
-              <a:tr h="370808">
-                <a:tc>
-                  <a:txBody>
-                    <a:bodyPr/>
-                    <a:lstStyle/>
-                    <a:p>
-                      <a:r>
-                        <a:rPr lang="en-US" altLang="zh-CN" sz="1800" dirty="0" smtClean="0"/>
-                        <a:t>View</a:t>
-                      </a:r>
-                      <a:endParaRPr lang="zh-CN" altLang="en-US" sz="1800" dirty="0"/>
-                    </a:p>
-                  </a:txBody>
-                  <a:tcPr marL="91439" marR="91439" marT="45716" marB="45716"/>
-                </a:tc>
-                <a:tc>
-                  <a:txBody>
-                    <a:bodyPr/>
-                    <a:lstStyle/>
-                    <a:p>
-                      <a:r>
-                        <a:rPr lang="en-US" altLang="zh-CN" sz="1800" dirty="0" smtClean="0"/>
-                        <a:t>Description</a:t>
-                      </a:r>
-                      <a:endParaRPr lang="zh-CN" altLang="en-US" sz="1800" dirty="0"/>
-                    </a:p>
-                  </a:txBody>
-                  <a:tcPr marL="91439" marR="91439" marT="45716" marB="45716"/>
-                </a:tc>
-              </a:tr>
-              <a:tr h="914321">
-                <a:tc>
-                  <a:txBody>
-                    <a:bodyPr/>
-                    <a:lstStyle/>
-                    <a:p>
-                      <a:pPr marL="0" marR="0" lvl="1" indent="0" algn="l" defTabSz="914400" rtl="0" eaLnBrk="1" fontAlgn="auto" latinLnBrk="0" hangingPunct="1">
-                        <a:lnSpc>
-                          <a:spcPct val="100000"/>
-                        </a:lnSpc>
-                        <a:spcBef>
-                          <a:spcPts val="0"/>
-                        </a:spcBef>
-                        <a:spcAft>
-                          <a:spcPts val="0"/>
-                        </a:spcAft>
-                        <a:buClrTx/>
-                        <a:buSzTx/>
-                        <a:buFontTx/>
-                        <a:buNone/>
-                        <a:tabLst/>
-                        <a:defRPr/>
-                      </a:pPr>
-                      <a:r>
-                        <a:rPr lang="en-US" sz="1800" dirty="0" smtClean="0"/>
-                        <a:t>External View</a:t>
-                      </a:r>
-                      <a:endParaRPr lang="zh-CN" altLang="en-US" sz="1600" dirty="0" smtClean="0"/>
-                    </a:p>
-                  </a:txBody>
-                  <a:tcPr marL="91439" marR="91439" marT="45716" marB="45716"/>
-                </a:tc>
-                <a:tc>
-                  <a:txBody>
-                    <a:bodyPr/>
-                    <a:lstStyle/>
-                    <a:p>
-                      <a:pPr>
-                        <a:buFont typeface="Arial" pitchFamily="34" charset="0"/>
-                        <a:buChar char="•"/>
-                      </a:pPr>
-                      <a:r>
-                        <a:rPr lang="en-US" altLang="zh-CN" sz="1800" dirty="0" smtClean="0"/>
-                        <a:t> How users view the shared data</a:t>
-                      </a:r>
-                    </a:p>
-                    <a:p>
-                      <a:pPr>
-                        <a:buFont typeface="Arial" pitchFamily="34" charset="0"/>
-                        <a:buChar char="•"/>
-                      </a:pPr>
-                      <a:r>
-                        <a:rPr lang="en-US" altLang="zh-CN" sz="1800" dirty="0" smtClean="0"/>
-                        <a:t> Commands used:</a:t>
-                      </a:r>
-                      <a:r>
-                        <a:rPr lang="en-US" altLang="zh-CN" sz="1800" baseline="0" dirty="0" smtClean="0"/>
-                        <a:t> </a:t>
-                      </a:r>
-                      <a:br>
-                        <a:rPr lang="en-US" altLang="zh-CN" sz="1800" baseline="0" dirty="0" smtClean="0"/>
-                      </a:br>
-                      <a:r>
-                        <a:rPr lang="en-US" altLang="zh-CN" sz="1800" baseline="0" dirty="0" smtClean="0"/>
-                        <a:t>  </a:t>
-                      </a:r>
-                      <a:r>
-                        <a:rPr lang="en-US" altLang="zh-CN" sz="1800" dirty="0" smtClean="0"/>
-                        <a:t>create view … as …</a:t>
-                      </a:r>
-                    </a:p>
-                  </a:txBody>
-                  <a:tcPr marL="91439" marR="91439" marT="45716" marB="45716"/>
-                </a:tc>
-              </a:tr>
-              <a:tr h="1188617">
-                <a:tc>
-                  <a:txBody>
-                    <a:bodyPr/>
-                    <a:lstStyle/>
-                    <a:p>
-                      <a:r>
-                        <a:rPr kumimoji="0" lang="en-US" sz="1800" kern="1200" dirty="0" smtClean="0">
-                          <a:solidFill>
-                            <a:schemeClr val="dk1"/>
-                          </a:solidFill>
-                          <a:latin typeface="+mn-lt"/>
-                          <a:ea typeface="+mn-ea"/>
-                          <a:cs typeface="+mn-cs"/>
-                        </a:rPr>
-                        <a:t>Conceptual View</a:t>
-                      </a:r>
-                      <a:endParaRPr lang="zh-CN" altLang="en-US" sz="1800" dirty="0"/>
-                    </a:p>
-                  </a:txBody>
-                  <a:tcPr marL="91439" marR="91439" marT="45716" marB="45716"/>
-                </a:tc>
-                <a:tc>
-                  <a:txBody>
-                    <a:bodyPr/>
-                    <a:lstStyle/>
-                    <a:p>
-                      <a:pPr>
-                        <a:buFont typeface="Arial" pitchFamily="34" charset="0"/>
-                        <a:buChar char="•"/>
-                      </a:pPr>
-                      <a:r>
-                        <a:rPr lang="en-US" altLang="zh-CN" sz="1800" dirty="0" smtClean="0"/>
-                        <a:t> </a:t>
-                      </a:r>
-                      <a:r>
-                        <a:rPr kumimoji="0" lang="en-US" sz="1800" kern="1200" dirty="0" smtClean="0">
-                          <a:solidFill>
-                            <a:schemeClr val="dk1"/>
-                          </a:solidFill>
-                          <a:latin typeface="+mn-lt"/>
-                          <a:ea typeface="+mn-ea"/>
-                          <a:cs typeface="+mn-cs"/>
-                        </a:rPr>
-                        <a:t>Synthesis of external views of an enterprise</a:t>
-                      </a:r>
-                      <a:endParaRPr lang="en-US" altLang="zh-CN" sz="1800" dirty="0" smtClean="0"/>
-                    </a:p>
-                    <a:p>
-                      <a:pPr>
-                        <a:buFont typeface="Arial" pitchFamily="34" charset="0"/>
-                        <a:buChar char="•"/>
-                      </a:pPr>
-                      <a:r>
-                        <a:rPr lang="en-US" altLang="zh-CN" sz="1800" dirty="0" smtClean="0"/>
-                        <a:t> Commands used:</a:t>
-                      </a:r>
-                    </a:p>
-                    <a:p>
-                      <a:pPr>
-                        <a:buFont typeface="Arial" pitchFamily="34" charset="0"/>
-                        <a:buNone/>
-                      </a:pPr>
-                      <a:r>
-                        <a:rPr lang="en-US" altLang="zh-CN" sz="1800" dirty="0" smtClean="0"/>
-                        <a:t>  create db</a:t>
-                      </a:r>
-                      <a:r>
-                        <a:rPr lang="en-US" altLang="zh-CN" sz="1800" baseline="0" dirty="0" smtClean="0"/>
-                        <a:t> …</a:t>
-                      </a:r>
-                      <a:endParaRPr lang="en-US" altLang="zh-CN" sz="1800" dirty="0" smtClean="0"/>
-                    </a:p>
-                    <a:p>
-                      <a:pPr>
-                        <a:buFont typeface="Arial" pitchFamily="34" charset="0"/>
-                        <a:buNone/>
-                      </a:pPr>
-                      <a:r>
-                        <a:rPr lang="en-US" altLang="zh-CN" sz="1800" dirty="0" smtClean="0"/>
-                        <a:t>  create table …</a:t>
-                      </a:r>
-                    </a:p>
-                  </a:txBody>
-                  <a:tcPr marL="91439" marR="91439" marT="45716" marB="45716"/>
-                </a:tc>
-              </a:tr>
-              <a:tr h="1188617">
-                <a:tc>
-                  <a:txBody>
-                    <a:bodyPr/>
-                    <a:lstStyle/>
-                    <a:p>
-                      <a:r>
-                        <a:rPr kumimoji="0" lang="en-US" sz="1800" kern="1200" dirty="0" smtClean="0">
-                          <a:solidFill>
-                            <a:schemeClr val="dk1"/>
-                          </a:solidFill>
-                          <a:latin typeface="+mn-lt"/>
-                          <a:ea typeface="+mn-ea"/>
-                          <a:cs typeface="+mn-cs"/>
-                        </a:rPr>
-                        <a:t>Internal View</a:t>
-                      </a:r>
-                      <a:endParaRPr lang="zh-CN" altLang="en-US" sz="1800" dirty="0"/>
-                    </a:p>
-                  </a:txBody>
-                  <a:tcPr marL="91439" marR="91439" marT="45716" marB="45716"/>
-                </a:tc>
-                <a:tc>
-                  <a:txBody>
-                    <a:bodyPr/>
-                    <a:lstStyle/>
-                    <a:p>
-                      <a:pPr marL="0" marR="0" indent="0" algn="l" defTabSz="914400" rtl="0" eaLnBrk="1" fontAlgn="auto" latinLnBrk="0" hangingPunct="1">
-                        <a:lnSpc>
-                          <a:spcPct val="100000"/>
-                        </a:lnSpc>
-                        <a:spcBef>
-                          <a:spcPts val="0"/>
-                        </a:spcBef>
-                        <a:spcAft>
-                          <a:spcPts val="0"/>
-                        </a:spcAft>
-                        <a:buClrTx/>
-                        <a:buSzTx/>
-                        <a:buFont typeface="Arial" pitchFamily="34" charset="0"/>
-                        <a:buChar char="•"/>
-                        <a:tabLst/>
-                        <a:defRPr/>
-                      </a:pPr>
-                      <a:r>
-                        <a:rPr lang="en-US" altLang="zh-CN" sz="1800" dirty="0" smtClean="0"/>
-                        <a:t> </a:t>
-                      </a:r>
-                      <a:r>
-                        <a:rPr kumimoji="0" lang="en-US" sz="1800" kern="1200" dirty="0" smtClean="0">
-                          <a:solidFill>
-                            <a:schemeClr val="dk1"/>
-                          </a:solidFill>
-                          <a:latin typeface="+mn-lt"/>
-                          <a:ea typeface="+mn-ea"/>
-                          <a:cs typeface="+mn-cs"/>
-                        </a:rPr>
-                        <a:t>Physical definition and organization of data</a:t>
-                      </a:r>
-                      <a:endParaRPr kumimoji="0" lang="zh-CN" altLang="en-US" sz="1800" kern="1200" dirty="0" smtClean="0">
-                        <a:solidFill>
-                          <a:schemeClr val="dk1"/>
-                        </a:solidFill>
-                        <a:latin typeface="+mn-lt"/>
-                        <a:ea typeface="+mn-ea"/>
-                        <a:cs typeface="+mn-cs"/>
-                      </a:endParaRPr>
-                    </a:p>
-                    <a:p>
-                      <a:pPr>
-                        <a:buFont typeface="Arial" pitchFamily="34" charset="0"/>
-                        <a:buChar char="•"/>
-                      </a:pPr>
-                      <a:r>
-                        <a:rPr lang="en-US" altLang="zh-CN" sz="1800" dirty="0" smtClean="0"/>
-                        <a:t> Commands used:</a:t>
-                      </a:r>
-                    </a:p>
-                    <a:p>
-                      <a:r>
-                        <a:rPr lang="en-US" altLang="zh-CN" sz="1800" dirty="0" smtClean="0"/>
-                        <a:t>  </a:t>
-                      </a:r>
-                      <a:r>
-                        <a:rPr kumimoji="0" lang="en-US" sz="1800" i="0" kern="1200" dirty="0" smtClean="0">
-                          <a:solidFill>
-                            <a:schemeClr val="dk1"/>
-                          </a:solidFill>
-                          <a:latin typeface="+mn-lt"/>
-                          <a:ea typeface="+mn-ea"/>
-                          <a:cs typeface="+mn-cs"/>
-                        </a:rPr>
-                        <a:t>index on device</a:t>
-                      </a:r>
-                    </a:p>
-                    <a:p>
-                      <a:r>
-                        <a:rPr kumimoji="0" lang="en-US" sz="1800" i="0" kern="1200" dirty="0" smtClean="0">
-                          <a:solidFill>
-                            <a:schemeClr val="dk1"/>
-                          </a:solidFill>
-                          <a:latin typeface="+mn-lt"/>
-                          <a:ea typeface="+mn-ea"/>
-                          <a:cs typeface="+mn-cs"/>
-                        </a:rPr>
-                        <a:t>  segment definition and allocation</a:t>
-                      </a:r>
-                      <a:endParaRPr kumimoji="0" lang="zh-CN" altLang="en-US" sz="1800" i="0" kern="1200" dirty="0">
-                        <a:solidFill>
-                          <a:schemeClr val="dk1"/>
-                        </a:solidFill>
-                        <a:latin typeface="+mn-lt"/>
-                        <a:ea typeface="+mn-ea"/>
-                        <a:cs typeface="+mn-cs"/>
-                      </a:endParaRPr>
-                    </a:p>
-                  </a:txBody>
-                  <a:tcPr marL="91439" marR="91439" marT="45716" marB="45716"/>
-                </a:tc>
-              </a:tr>
-            </a:tbl>
-          </a:graphicData>
-        </a:graphic>
-      </p:graphicFrame>
-    </p:spTree>
-    <p:extLst>
-      <p:ext uri="{BB962C8B-B14F-4D97-AF65-F5344CB8AC3E}">
-        <p14:creationId xmlns:p14="http://schemas.microsoft.com/office/powerpoint/2010/main" val="66228911"/>
-      </p:ext>
-    </p:extLst>
-  </p:cSld>
-  <p:clrMapOvr>
-    <a:masterClrMapping/>
-  </p:clrMapOvr>
-  <p:timing>
-    <p:tnLst>
-      <p:par>
-        <p:cTn id="1" dur="indefinite" restart="never" nodeType="tmRoot"/>
-      </p:par>
-    </p:tnLst>
-  </p:timing>
-</p:sld>
-</file>
-
 <file path=ppt/slides/slide41.xml><?xml version="1.0" encoding="utf-8"?>
 <p:sld xmlns:a="http://schemas.openxmlformats.org/drawingml/2006/main" xmlns:r="http://schemas.openxmlformats.org/officeDocument/2006/relationships" xmlns:p="http://schemas.openxmlformats.org/presentationml/2006/main">
   <p:cSld>
@@ -21186,10 +21215,15 @@
             <p:ph type="title"/>
           </p:nvPr>
         </p:nvSpPr>
-        <p:spPr/>
+        <p:spPr>
+          <a:xfrm>
+            <a:off x="1428750" y="2714625"/>
+            <a:ext cx="7497763" cy="1143000"/>
+          </a:xfrm>
+        </p:spPr>
         <p:txBody>
           <a:bodyPr>
-            <a:normAutofit fontScale="90000"/>
+            <a:noAutofit/>
           </a:bodyPr>
           <a:lstStyle/>
           <a:p>
@@ -21200,26 +21234,26 @@
               <a:defRPr/>
             </a:pPr>
             <a:r>
-              <a:rPr lang="en-US" dirty="0" smtClean="0">
+              <a:rPr lang="en-US" altLang="zh-CN" sz="3200" dirty="0" smtClean="0">
                 <a:solidFill>
                   <a:schemeClr val="tx2">
                     <a:satMod val="130000"/>
                   </a:schemeClr>
                 </a:solidFill>
               </a:rPr>
-              <a:t>The ASNI/SPARC Architecture </a:t>
-            </a:r>
-            <a:r>
-              <a:rPr lang="en-US" sz="3100" dirty="0" smtClean="0">
+              <a:t>1.6 </a:t>
+            </a:r>
+            <a:r>
+              <a:rPr lang="en-US" altLang="zh-CN" sz="3200" dirty="0">
                 <a:solidFill>
                   <a:schemeClr val="tx2">
                     <a:satMod val="130000"/>
                   </a:schemeClr>
                 </a:solidFill>
               </a:rPr>
-              <a:t>(1997)</a:t>
-            </a:r>
-            <a:endParaRPr lang="zh-CN" altLang="en-US" dirty="0">
+              <a:t>Distributed DBMS Architecture</a:t>
+            </a:r>
+            <a:endParaRPr lang="zh-CN" altLang="en-US" sz="3200" dirty="0">
               <a:solidFill>
                 <a:schemeClr val="tx2">
                   <a:satMod val="130000"/>
@@ -21377,7 +21411,7 @@
           </a:lstStyle>
           <a:p>
             <a:pPr eaLnBrk="1" hangingPunct="1"/>
-            <a:fld id="{1FFAF849-458E-9C4F-99CA-6E3B442D0F54}" type="slidenum">
+            <a:fld id="{5918A433-3AA5-FC41-A2B9-E94E4ACEDFF3}" type="slidenum">
               <a:rPr lang="zh-CN" altLang="en-US">
                 <a:solidFill>
                   <a:srgbClr val="B4B1A0"/>
@@ -21398,64 +21432,10 @@
           </a:p>
         </p:txBody>
       </p:sp>
-      <p:pic>
-        <p:nvPicPr>
-          <p:cNvPr id="15365" name="Picture 2"/>
-          <p:cNvPicPr>
-            <a:picLocks noChangeAspect="1" noChangeArrowheads="1"/>
-          </p:cNvPicPr>
-          <p:nvPr/>
-        </p:nvPicPr>
-        <p:blipFill>
-          <a:blip r:embed="rId2">
-            <a:extLst>
-              <a:ext uri="{28A0092B-C50C-407E-A947-70E740481C1C}">
-                <a14:useLocalDpi xmlns:a14="http://schemas.microsoft.com/office/drawing/2010/main" val="0"/>
-              </a:ext>
-            </a:extLst>
-          </a:blip>
-          <a:srcRect/>
-          <a:stretch>
-            <a:fillRect/>
-          </a:stretch>
-        </p:blipFill>
-        <p:spPr bwMode="auto">
-          <a:xfrm>
-            <a:off x="1571625" y="2214563"/>
-            <a:ext cx="7015163" cy="3278187"/>
-          </a:xfrm>
-          <a:prstGeom prst="rect">
-            <a:avLst/>
-          </a:prstGeom>
-          <a:noFill/>
-          <a:ln>
-            <a:noFill/>
-          </a:ln>
-          <a:extLst>
-            <a:ext uri="{909E8E84-426E-40DD-AFC4-6F175D3DCCD1}">
-              <a14:hiddenFill xmlns:a14="http://schemas.microsoft.com/office/drawing/2010/main">
-                <a:solidFill>
-                  <a:srgbClr val="FFFFFF"/>
-                </a:solidFill>
-              </a14:hiddenFill>
-            </a:ext>
-            <a:ext uri="{91240B29-F687-4F45-9708-019B960494DF}">
-              <a14:hiddenLine xmlns:a14="http://schemas.microsoft.com/office/drawing/2010/main" w="9525">
-                <a:solidFill>
-                  <a:srgbClr val="000000"/>
-                </a:solidFill>
-                <a:miter lim="800000"/>
-                <a:headEnd/>
-                <a:tailEnd/>
-              </a14:hiddenLine>
-            </a:ext>
-          </a:extLst>
-        </p:spPr>
-      </p:pic>
     </p:spTree>
     <p:extLst>
       <p:ext uri="{BB962C8B-B14F-4D97-AF65-F5344CB8AC3E}">
-        <p14:creationId xmlns:p14="http://schemas.microsoft.com/office/powerpoint/2010/main" val="712778031"/>
+        <p14:creationId xmlns:p14="http://schemas.microsoft.com/office/powerpoint/2010/main" val="1024105888"/>
       </p:ext>
     </p:extLst>
   </p:cSld>
@@ -21525,7 +21505,7 @@
                   </a:schemeClr>
                 </a:solidFill>
               </a:rPr>
-              <a:t>1.7.3 </a:t>
+              <a:t>1.6.1 </a:t>
             </a:r>
             <a:r>
               <a:rPr lang="en-US" altLang="zh-CN" sz="2800" dirty="0">
@@ -22686,9 +22666,9 @@
       </p:sp>
       <p:pic>
         <p:nvPicPr>
-          <p:cNvPr id="18436" name="Picture 2"/>
+          <p:cNvPr id="3" name="Picture 2"/>
           <p:cNvPicPr>
-            <a:picLocks noChangeAspect="1" noChangeArrowheads="1"/>
+            <a:picLocks noChangeAspect="1"/>
           </p:cNvPicPr>
           <p:nvPr/>
         </p:nvPicPr>
@@ -22700,229 +22680,20 @@
               </a:ext>
             </a:extLst>
           </a:blip>
-          <a:srcRect/>
           <a:stretch>
             <a:fillRect/>
           </a:stretch>
         </p:blipFill>
-        <p:spPr bwMode="auto">
+        <p:spPr>
           <a:xfrm>
-            <a:off x="1643063" y="857250"/>
-            <a:ext cx="6419850" cy="5143500"/>
+            <a:off x="1068305" y="79375"/>
+            <a:ext cx="7772400" cy="6464300"/>
           </a:xfrm>
           <a:prstGeom prst="rect">
             <a:avLst/>
           </a:prstGeom>
-          <a:noFill/>
-          <a:ln>
-            <a:noFill/>
-          </a:ln>
-          <a:extLst>
-            <a:ext uri="{909E8E84-426E-40DD-AFC4-6F175D3DCCD1}">
-              <a14:hiddenFill xmlns:a14="http://schemas.microsoft.com/office/drawing/2010/main">
-                <a:solidFill>
-                  <a:srgbClr val="FFFFFF"/>
-                </a:solidFill>
-              </a14:hiddenFill>
-            </a:ext>
-            <a:ext uri="{91240B29-F687-4F45-9708-019B960494DF}">
-              <a14:hiddenLine xmlns:a14="http://schemas.microsoft.com/office/drawing/2010/main" w="9525">
-                <a:solidFill>
-                  <a:srgbClr val="000000"/>
-                </a:solidFill>
-                <a:miter lim="800000"/>
-                <a:headEnd/>
-                <a:tailEnd/>
-              </a14:hiddenLine>
-            </a:ext>
-          </a:extLst>
         </p:spPr>
       </p:pic>
-      <p:sp>
-        <p:nvSpPr>
-          <p:cNvPr id="2" name="Rectangle 1"/>
-          <p:cNvSpPr/>
-          <p:nvPr/>
-        </p:nvSpPr>
-        <p:spPr>
-          <a:xfrm>
-            <a:off x="1115616" y="5229200"/>
-            <a:ext cx="6624736" cy="1200329"/>
-          </a:xfrm>
-          <a:prstGeom prst="rect">
-            <a:avLst/>
-          </a:prstGeom>
-          <a:solidFill>
-            <a:schemeClr val="bg1"/>
-          </a:solidFill>
-        </p:spPr>
-        <p:txBody>
-          <a:bodyPr wrap="square">
-            <a:spAutoFit/>
-          </a:bodyPr>
-          <a:lstStyle/>
-          <a:p>
-            <a:pPr marL="640080" lvl="1" indent="-237744" eaLnBrk="1" fontAlgn="auto" hangingPunct="1">
-              <a:spcAft>
-                <a:spcPts val="0"/>
-              </a:spcAft>
-              <a:buFont typeface="Verdana"/>
-              <a:buChar char="◦"/>
-              <a:defRPr/>
-            </a:pPr>
-            <a:r>
-              <a:rPr lang="en-US" dirty="0"/>
-              <a:t>(A0, D1, H0</a:t>
-            </a:r>
-            <a:r>
-              <a:rPr lang="en-US" dirty="0" smtClean="0"/>
-              <a:t>)</a:t>
-            </a:r>
-            <a:r>
-              <a:rPr lang="en-US" altLang="zh-CN" dirty="0" smtClean="0"/>
-              <a:t>:</a:t>
-            </a:r>
-            <a:r>
-              <a:rPr lang="zh-CN" altLang="en-US" dirty="0" smtClean="0"/>
-              <a:t> </a:t>
-            </a:r>
-            <a:r>
-              <a:rPr lang="en-US" dirty="0" smtClean="0"/>
-              <a:t>client/server </a:t>
-            </a:r>
-            <a:r>
-              <a:rPr lang="en-US" dirty="0"/>
-              <a:t>distributed </a:t>
-            </a:r>
-            <a:r>
-              <a:rPr lang="en-US" dirty="0" smtClean="0"/>
-              <a:t>DBMSs</a:t>
-            </a:r>
-            <a:endParaRPr lang="en-US" dirty="0"/>
-          </a:p>
-          <a:p>
-            <a:pPr marL="640080" lvl="1" indent="-237744" eaLnBrk="1" fontAlgn="auto" hangingPunct="1">
-              <a:spcAft>
-                <a:spcPts val="0"/>
-              </a:spcAft>
-              <a:buFont typeface="Verdana"/>
-              <a:buChar char="◦"/>
-              <a:defRPr/>
-            </a:pPr>
-            <a:r>
-              <a:rPr lang="en-US" dirty="0" smtClean="0">
-                <a:solidFill>
-                  <a:srgbClr val="FF0000"/>
-                </a:solidFill>
-              </a:rPr>
-              <a:t>(A0</a:t>
-            </a:r>
-            <a:r>
-              <a:rPr lang="en-US" dirty="0">
-                <a:solidFill>
-                  <a:srgbClr val="FF0000"/>
-                </a:solidFill>
-              </a:rPr>
-              <a:t>, D2, </a:t>
-            </a:r>
-            <a:r>
-              <a:rPr lang="en-US" dirty="0" smtClean="0">
-                <a:solidFill>
-                  <a:srgbClr val="FF0000"/>
-                </a:solidFill>
-              </a:rPr>
-              <a:t>H0)</a:t>
-            </a:r>
-            <a:r>
-              <a:rPr lang="en-US" altLang="zh-CN" dirty="0" smtClean="0">
-                <a:solidFill>
-                  <a:srgbClr val="FF0000"/>
-                </a:solidFill>
-              </a:rPr>
-              <a:t>:</a:t>
-            </a:r>
-            <a:r>
-              <a:rPr lang="zh-CN" altLang="en-US" dirty="0" smtClean="0">
-                <a:solidFill>
-                  <a:srgbClr val="FF0000"/>
-                </a:solidFill>
-              </a:rPr>
-              <a:t> </a:t>
-            </a:r>
-            <a:r>
-              <a:rPr lang="en-US" dirty="0" smtClean="0">
-                <a:solidFill>
-                  <a:srgbClr val="FF0000"/>
-                </a:solidFill>
-              </a:rPr>
-              <a:t>peer-to-peer </a:t>
-            </a:r>
-            <a:r>
-              <a:rPr lang="en-US" dirty="0">
-                <a:solidFill>
-                  <a:srgbClr val="FF0000"/>
-                </a:solidFill>
-              </a:rPr>
-              <a:t>distributed DBMS </a:t>
-            </a:r>
-          </a:p>
-          <a:p>
-            <a:pPr marL="640080" lvl="1" indent="-237744" eaLnBrk="1" fontAlgn="auto" hangingPunct="1">
-              <a:spcAft>
-                <a:spcPts val="0"/>
-              </a:spcAft>
-              <a:buFont typeface="Verdana"/>
-              <a:buChar char="◦"/>
-              <a:defRPr/>
-            </a:pPr>
-            <a:r>
-              <a:rPr lang="en-US" dirty="0" smtClean="0"/>
-              <a:t>(A2</a:t>
-            </a:r>
-            <a:r>
-              <a:rPr lang="en-US" dirty="0"/>
-              <a:t>, D2, H1</a:t>
-            </a:r>
-            <a:r>
-              <a:rPr lang="en-US" dirty="0" smtClean="0"/>
-              <a:t>)</a:t>
-            </a:r>
-            <a:r>
-              <a:rPr lang="en-US" altLang="zh-CN" dirty="0" smtClean="0"/>
-              <a:t>:</a:t>
-            </a:r>
-            <a:r>
-              <a:rPr lang="zh-CN" altLang="en-US" dirty="0" smtClean="0"/>
-              <a:t> </a:t>
-            </a:r>
-            <a:r>
-              <a:rPr lang="en-US" dirty="0" smtClean="0"/>
-              <a:t>(</a:t>
-            </a:r>
-            <a:r>
-              <a:rPr lang="en-US" dirty="0"/>
-              <a:t>peer-to- peer) distributed, heterogeneous </a:t>
-            </a:r>
-            <a:r>
-              <a:rPr lang="en-US" dirty="0" smtClean="0"/>
-              <a:t>multi</a:t>
-            </a:r>
-            <a:r>
-              <a:rPr lang="en-US" altLang="zh-CN" dirty="0" smtClean="0"/>
-              <a:t>-</a:t>
-            </a:r>
-            <a:r>
-              <a:rPr lang="en-US" dirty="0" smtClean="0"/>
-              <a:t>database </a:t>
-            </a:r>
-            <a:r>
-              <a:rPr lang="en-US" dirty="0"/>
-              <a:t>system.</a:t>
-            </a:r>
-            <a:endParaRPr lang="zh-CN" altLang="en-US" dirty="0"/>
-          </a:p>
-        </p:txBody>
-      </p:sp>
     </p:spTree>
     <p:extLst>
       <p:ext uri="{BB962C8B-B14F-4D97-AF65-F5344CB8AC3E}">
@@ -22972,341 +22743,34 @@
         </p:nvSpPr>
         <p:spPr/>
         <p:txBody>
-          <a:bodyPr>
-            <a:noAutofit/>
-          </a:bodyPr>
-          <a:lstStyle/>
-          <a:p>
-            <a:pPr>
-              <a:defRPr/>
-            </a:pPr>
-            <a:r>
-              <a:rPr lang="en-US" altLang="zh-CN" sz="4000" dirty="0" smtClean="0">
-                <a:solidFill>
-                  <a:schemeClr val="tx2">
-                    <a:satMod val="130000"/>
-                  </a:schemeClr>
-                </a:solidFill>
-              </a:rPr>
-              <a:t>Architectures</a:t>
-            </a:r>
-            <a:r>
-              <a:rPr lang="zh-CN" altLang="en-US" sz="4000" dirty="0" smtClean="0">
-                <a:solidFill>
-                  <a:schemeClr val="tx2">
-                    <a:satMod val="130000"/>
-                  </a:schemeClr>
-                </a:solidFill>
-              </a:rPr>
-              <a:t> </a:t>
-            </a:r>
-            <a:r>
-              <a:rPr lang="en-US" altLang="zh-CN" sz="4000" dirty="0" smtClean="0">
-                <a:solidFill>
-                  <a:schemeClr val="tx2">
-                    <a:satMod val="130000"/>
-                  </a:schemeClr>
-                </a:solidFill>
-              </a:rPr>
-              <a:t>of</a:t>
-            </a:r>
-            <a:r>
-              <a:rPr lang="zh-CN" altLang="en-US" sz="4000" dirty="0" smtClean="0">
-                <a:solidFill>
-                  <a:schemeClr val="tx2">
-                    <a:satMod val="130000"/>
-                  </a:schemeClr>
-                </a:solidFill>
-              </a:rPr>
-              <a:t> </a:t>
-            </a:r>
-            <a:r>
-              <a:rPr lang="en-US" altLang="zh-CN" sz="4000" dirty="0" smtClean="0">
-                <a:solidFill>
-                  <a:schemeClr val="tx2">
-                    <a:satMod val="130000"/>
-                  </a:schemeClr>
-                </a:solidFill>
-              </a:rPr>
-              <a:t>Parallel</a:t>
-            </a:r>
-            <a:r>
-              <a:rPr lang="zh-CN" altLang="en-US" sz="4000" dirty="0" smtClean="0">
-                <a:solidFill>
-                  <a:schemeClr val="tx2">
-                    <a:satMod val="130000"/>
-                  </a:schemeClr>
-                </a:solidFill>
-              </a:rPr>
-              <a:t> </a:t>
-            </a:r>
-            <a:r>
-              <a:rPr lang="en-US" altLang="zh-CN" sz="4000" dirty="0">
-                <a:solidFill>
-                  <a:schemeClr val="tx2">
-                    <a:satMod val="130000"/>
-                  </a:schemeClr>
-                </a:solidFill>
-              </a:rPr>
-              <a:t>DB</a:t>
-            </a:r>
-            <a:endParaRPr lang="zh-CN" altLang="en-US" sz="4000" dirty="0">
-              <a:solidFill>
-                <a:schemeClr val="tx2">
-                  <a:satMod val="130000"/>
-                </a:schemeClr>
-              </a:solidFill>
-            </a:endParaRPr>
-          </a:p>
-        </p:txBody>
-      </p:sp>
-      <p:sp>
-        <p:nvSpPr>
-          <p:cNvPr id="19459" name="Content Placeholder 2"/>
-          <p:cNvSpPr>
-            <a:spLocks noGrp="1"/>
-          </p:cNvSpPr>
-          <p:nvPr>
-            <p:ph idx="1"/>
-          </p:nvPr>
-        </p:nvSpPr>
-        <p:spPr/>
-        <p:txBody>
           <a:bodyPr/>
           <a:lstStyle/>
           <a:p>
-            <a:pPr eaLnBrk="1" hangingPunct="1"/>
             <a:r>
               <a:rPr lang="en-US" altLang="zh-CN" dirty="0" smtClean="0"/>
-              <a:t>Parallel</a:t>
+              <a:t>1.6.2</a:t>
             </a:r>
             <a:r>
               <a:rPr lang="zh-CN" altLang="en-US" dirty="0" smtClean="0"/>
               <a:t> </a:t>
             </a:r>
             <a:r>
-              <a:rPr lang="en-US" altLang="zh-CN" dirty="0" smtClean="0"/>
-              <a:t>DB:</a:t>
-            </a:r>
-            <a:r>
-              <a:rPr lang="zh-CN" altLang="en-US" dirty="0" smtClean="0"/>
-              <a:t> </a:t>
-            </a:r>
-            <a:r>
               <a:rPr lang="en-US" altLang="zh-CN" dirty="0"/>
-              <a:t>Database systems that run over multiprocessor </a:t>
-            </a:r>
-            <a:r>
-              <a:rPr lang="en-US" altLang="zh-CN" dirty="0" smtClean="0"/>
-              <a:t>systems</a:t>
-            </a:r>
-          </a:p>
-          <a:p>
-            <a:pPr lvl="1" eaLnBrk="1" hangingPunct="1"/>
-            <a:r>
-              <a:rPr lang="en-US" altLang="zh-CN" dirty="0" smtClean="0"/>
-              <a:t>[1]</a:t>
-            </a:r>
-            <a:r>
-              <a:rPr lang="zh-CN" altLang="en-US" dirty="0" smtClean="0"/>
-              <a:t> </a:t>
-            </a:r>
-            <a:r>
-              <a:rPr lang="en-US" altLang="zh-CN" dirty="0" smtClean="0"/>
-              <a:t>Shared</a:t>
-            </a:r>
-            <a:r>
-              <a:rPr lang="zh-CN" altLang="en-US" dirty="0" smtClean="0"/>
-              <a:t> </a:t>
-            </a:r>
-            <a:r>
-              <a:rPr lang="en-US" altLang="zh-CN" dirty="0" smtClean="0"/>
-              <a:t>memory</a:t>
-            </a:r>
-            <a:endParaRPr lang="zh-CN" altLang="en-US" dirty="0"/>
-          </a:p>
-          <a:p>
-            <a:pPr eaLnBrk="1" hangingPunct="1"/>
-            <a:endParaRPr lang="zh-CN" altLang="en-US" dirty="0"/>
-          </a:p>
-        </p:txBody>
-      </p:sp>
-      <p:sp>
-        <p:nvSpPr>
-          <p:cNvPr id="4" name="Footer Placeholder 3"/>
-          <p:cNvSpPr>
-            <a:spLocks noGrp="1"/>
-          </p:cNvSpPr>
-          <p:nvPr>
-            <p:ph type="ftr" sz="quarter" idx="11"/>
-          </p:nvPr>
-        </p:nvSpPr>
-        <p:spPr/>
-        <p:txBody>
-          <a:bodyPr/>
-          <a:lstStyle/>
-          <a:p>
-            <a:pPr>
-              <a:defRPr/>
-            </a:pPr>
-            <a:r>
-              <a:rPr lang="en-US" altLang="zh-CN"/>
-              <a:t>Distributed Database Systems</a:t>
-            </a:r>
-            <a:endParaRPr lang="zh-CN" altLang="en-US"/>
-          </a:p>
-        </p:txBody>
-      </p:sp>
-      <p:sp>
-        <p:nvSpPr>
-          <p:cNvPr id="5" name="Slide Number Placeholder 4"/>
-          <p:cNvSpPr>
-            <a:spLocks noGrp="1"/>
-          </p:cNvSpPr>
-          <p:nvPr>
-            <p:ph type="sldNum" sz="quarter" idx="12"/>
-          </p:nvPr>
-        </p:nvSpPr>
-        <p:spPr/>
-        <p:txBody>
-          <a:bodyPr/>
-          <a:lstStyle>
-            <a:lvl1pPr eaLnBrk="0" hangingPunct="0">
-              <a:defRPr>
-                <a:solidFill>
-                  <a:schemeClr val="tx1"/>
-                </a:solidFill>
-                <a:latin typeface="Arial" charset="0"/>
-                <a:ea typeface="宋体" charset="-122"/>
-              </a:defRPr>
-            </a:lvl1pPr>
-            <a:lvl2pPr marL="742950" indent="-285750" eaLnBrk="0" hangingPunct="0">
-              <a:defRPr>
-                <a:solidFill>
-                  <a:schemeClr val="tx1"/>
-                </a:solidFill>
-                <a:latin typeface="Arial" charset="0"/>
-                <a:ea typeface="宋体" charset="-122"/>
-              </a:defRPr>
-            </a:lvl2pPr>
-            <a:lvl3pPr marL="1143000" indent="-228600" eaLnBrk="0" hangingPunct="0">
-              <a:defRPr>
-                <a:solidFill>
-                  <a:schemeClr val="tx1"/>
-                </a:solidFill>
-                <a:latin typeface="Arial" charset="0"/>
-                <a:ea typeface="宋体" charset="-122"/>
-              </a:defRPr>
-            </a:lvl3pPr>
-            <a:lvl4pPr marL="1600200" indent="-228600" eaLnBrk="0" hangingPunct="0">
-              <a:defRPr>
-                <a:solidFill>
-                  <a:schemeClr val="tx1"/>
-                </a:solidFill>
-                <a:latin typeface="Arial" charset="0"/>
-                <a:ea typeface="宋体" charset="-122"/>
-              </a:defRPr>
-            </a:lvl4pPr>
-            <a:lvl5pPr marL="2057400" indent="-228600" eaLnBrk="0" hangingPunct="0">
-              <a:defRPr>
-                <a:solidFill>
-                  <a:schemeClr val="tx1"/>
-                </a:solidFill>
-                <a:latin typeface="Arial" charset="0"/>
-                <a:ea typeface="宋体" charset="-122"/>
-              </a:defRPr>
-            </a:lvl5pPr>
-            <a:lvl6pPr marL="2514600" indent="-228600" eaLnBrk="0" fontAlgn="base" hangingPunct="0">
-              <a:spcBef>
-                <a:spcPct val="0"/>
-              </a:spcBef>
-              <a:spcAft>
-                <a:spcPct val="0"/>
-              </a:spcAft>
-              <a:defRPr>
-                <a:solidFill>
-                  <a:schemeClr val="tx1"/>
-                </a:solidFill>
-                <a:latin typeface="Arial" charset="0"/>
-                <a:ea typeface="宋体" charset="-122"/>
-              </a:defRPr>
-            </a:lvl6pPr>
-            <a:lvl7pPr marL="2971800" indent="-228600" eaLnBrk="0" fontAlgn="base" hangingPunct="0">
-              <a:spcBef>
-                <a:spcPct val="0"/>
-              </a:spcBef>
-              <a:spcAft>
-                <a:spcPct val="0"/>
-              </a:spcAft>
-              <a:defRPr>
-                <a:solidFill>
-                  <a:schemeClr val="tx1"/>
-                </a:solidFill>
-                <a:latin typeface="Arial" charset="0"/>
-                <a:ea typeface="宋体" charset="-122"/>
-              </a:defRPr>
-            </a:lvl7pPr>
-            <a:lvl8pPr marL="3429000" indent="-228600" eaLnBrk="0" fontAlgn="base" hangingPunct="0">
-              <a:spcBef>
-                <a:spcPct val="0"/>
-              </a:spcBef>
-              <a:spcAft>
-                <a:spcPct val="0"/>
-              </a:spcAft>
-              <a:defRPr>
-                <a:solidFill>
-                  <a:schemeClr val="tx1"/>
-                </a:solidFill>
-                <a:latin typeface="Arial" charset="0"/>
-                <a:ea typeface="宋体" charset="-122"/>
-              </a:defRPr>
-            </a:lvl8pPr>
-            <a:lvl9pPr marL="3886200" indent="-228600" eaLnBrk="0" fontAlgn="base" hangingPunct="0">
-              <a:spcBef>
-                <a:spcPct val="0"/>
-              </a:spcBef>
-              <a:spcAft>
-                <a:spcPct val="0"/>
-              </a:spcAft>
-              <a:defRPr>
-                <a:solidFill>
-                  <a:schemeClr val="tx1"/>
-                </a:solidFill>
-                <a:latin typeface="Arial" charset="0"/>
-                <a:ea typeface="宋体" charset="-122"/>
-              </a:defRPr>
-            </a:lvl9pPr>
-          </a:lstStyle>
-          <a:p>
-            <a:pPr eaLnBrk="1" hangingPunct="1"/>
-            <a:fld id="{77F7C495-F485-0043-B7DF-96F86B1F6189}" type="slidenum">
-              <a:rPr lang="zh-CN" altLang="en-US">
-                <a:solidFill>
-                  <a:srgbClr val="B4B1A0"/>
-                </a:solidFill>
-                <a:latin typeface="Gill Sans MT" charset="0"/>
-                <a:ea typeface="华文中宋" charset="-122"/>
-              </a:rPr>
-              <a:pPr eaLnBrk="1" hangingPunct="1"/>
-              <a:t>46</a:t>
-            </a:fld>
-            <a:endParaRPr lang="zh-CN" altLang="en-US">
-              <a:solidFill>
-                <a:srgbClr val="B4B1A0"/>
-              </a:solidFill>
-              <a:latin typeface="Gill Sans MT" charset="0"/>
-              <a:ea typeface="华文中宋" charset="-122"/>
-            </a:endParaRPr>
+              <a:t>Client/Server Systems</a:t>
+            </a:r>
+            <a:endParaRPr lang="en-US" dirty="0"/>
           </a:p>
         </p:txBody>
       </p:sp>
       <p:pic>
         <p:nvPicPr>
-          <p:cNvPr id="3" name="Picture 2"/>
+          <p:cNvPr id="6" name="Content Placeholder 5"/>
           <p:cNvPicPr>
-            <a:picLocks noChangeAspect="1"/>
+            <a:picLocks noGrp="1" noChangeAspect="1"/>
           </p:cNvPicPr>
-          <p:nvPr/>
+          <p:nvPr>
+            <p:ph idx="1"/>
+          </p:nvPr>
         </p:nvPicPr>
         <p:blipFill>
           <a:blip r:embed="rId2">
@@ -23322,18 +22786,325 @@
         </p:blipFill>
         <p:spPr>
           <a:xfrm>
-            <a:off x="3000375" y="3212976"/>
-            <a:ext cx="4368800" cy="3111500"/>
+            <a:off x="4860032" y="1504950"/>
+            <a:ext cx="3463847" cy="4800600"/>
+          </a:xfrm>
+        </p:spPr>
+      </p:pic>
+      <p:sp>
+        <p:nvSpPr>
+          <p:cNvPr id="4" name="Footer Placeholder 3"/>
+          <p:cNvSpPr>
+            <a:spLocks noGrp="1"/>
+          </p:cNvSpPr>
+          <p:nvPr>
+            <p:ph type="ftr" sz="quarter" idx="11"/>
+          </p:nvPr>
+        </p:nvSpPr>
+        <p:spPr/>
+        <p:txBody>
+          <a:bodyPr/>
+          <a:lstStyle/>
+          <a:p>
+            <a:pPr>
+              <a:defRPr/>
+            </a:pPr>
+            <a:r>
+              <a:rPr lang="en-US" altLang="zh-CN" smtClean="0"/>
+              <a:t>Distributed Database Systems</a:t>
+            </a:r>
+            <a:endParaRPr lang="zh-CN" altLang="en-US"/>
+          </a:p>
+        </p:txBody>
+      </p:sp>
+      <p:sp>
+        <p:nvSpPr>
+          <p:cNvPr id="5" name="Slide Number Placeholder 4"/>
+          <p:cNvSpPr>
+            <a:spLocks noGrp="1"/>
+          </p:cNvSpPr>
+          <p:nvPr>
+            <p:ph type="sldNum" sz="quarter" idx="12"/>
+          </p:nvPr>
+        </p:nvSpPr>
+        <p:spPr/>
+        <p:txBody>
+          <a:bodyPr/>
+          <a:lstStyle/>
+          <a:p>
+            <a:fld id="{07911F51-1A8C-AB4E-81E5-826D301A8DAE}" type="slidenum">
+              <a:rPr lang="zh-CN" altLang="en-US" smtClean="0"/>
+              <a:pPr/>
+              <a:t>46</a:t>
+            </a:fld>
+            <a:endParaRPr lang="zh-CN" altLang="en-US"/>
+          </a:p>
+        </p:txBody>
+      </p:sp>
+      <p:sp>
+        <p:nvSpPr>
+          <p:cNvPr id="7" name="Content Placeholder 2"/>
+          <p:cNvSpPr txBox="1">
+            <a:spLocks/>
+          </p:cNvSpPr>
+          <p:nvPr/>
+        </p:nvSpPr>
+        <p:spPr bwMode="auto">
+          <a:xfrm>
+            <a:off x="1435100" y="1447800"/>
+            <a:ext cx="3640956" cy="4800600"/>
           </a:xfrm>
           <a:prstGeom prst="rect">
             <a:avLst/>
           </a:prstGeom>
+          <a:noFill/>
+          <a:ln>
+            <a:noFill/>
+          </a:ln>
+          <a:extLst>
+            <a:ext uri="{909E8E84-426E-40DD-AFC4-6F175D3DCCD1}">
+              <a14:hiddenFill xmlns:a14="http://schemas.microsoft.com/office/drawing/2010/main">
+                <a:solidFill>
+                  <a:srgbClr val="FFFFFF"/>
+                </a:solidFill>
+              </a14:hiddenFill>
+            </a:ext>
+            <a:ext uri="{91240B29-F687-4F45-9708-019B960494DF}">
+              <a14:hiddenLine xmlns:a14="http://schemas.microsoft.com/office/drawing/2010/main" w="9525">
+                <a:solidFill>
+                  <a:srgbClr val="000000"/>
+                </a:solidFill>
+                <a:miter lim="800000"/>
+                <a:headEnd/>
+                <a:tailEnd/>
+              </a14:hiddenLine>
+            </a:ext>
+            <a:ext uri="{FAA26D3D-D897-4be2-8F04-BA451C77F1D7}">
+              <ma14:placeholderFlag xmlns:ma14="http://schemas.microsoft.com/office/mac/drawingml/2011/main" val="1"/>
+            </a:ext>
+          </a:extLst>
         </p:spPr>
-      </p:pic>
+        <p:txBody>
+          <a:bodyPr vert="horz" wrap="square" lIns="91440" tIns="45720" rIns="91440" bIns="45720" numCol="1" anchor="t" anchorCtr="0" compatLnSpc="1">
+            <a:prstTxWarp prst="textNoShape">
+              <a:avLst/>
+            </a:prstTxWarp>
+          </a:bodyPr>
+          <a:lstStyle>
+            <a:lvl1pPr marL="365125" indent="-282575" algn="l" rtl="0" eaLnBrk="0" fontAlgn="base" hangingPunct="0">
+              <a:spcBef>
+                <a:spcPts val="600"/>
+              </a:spcBef>
+              <a:spcAft>
+                <a:spcPct val="0"/>
+              </a:spcAft>
+              <a:buClr>
+                <a:schemeClr val="accent1"/>
+              </a:buClr>
+              <a:buSzPct val="80000"/>
+              <a:buFont typeface="Wingdings 2" charset="2"/>
+              <a:buChar char=""/>
+              <a:defRPr sz="3200" kern="1200">
+                <a:solidFill>
+                  <a:schemeClr val="tx1"/>
+                </a:solidFill>
+                <a:latin typeface="+mn-lt"/>
+                <a:ea typeface="+mn-ea"/>
+                <a:cs typeface="+mn-cs"/>
+              </a:defRPr>
+            </a:lvl1pPr>
+            <a:lvl2pPr marL="639763" indent="-236538" algn="l" rtl="0" eaLnBrk="0" fontAlgn="base" hangingPunct="0">
+              <a:spcBef>
+                <a:spcPts val="550"/>
+              </a:spcBef>
+              <a:spcAft>
+                <a:spcPct val="0"/>
+              </a:spcAft>
+              <a:buClr>
+                <a:schemeClr val="accent1"/>
+              </a:buClr>
+              <a:buFont typeface="Verdana" charset="0"/>
+              <a:buChar char="◦"/>
+              <a:defRPr sz="2800" kern="1200">
+                <a:solidFill>
+                  <a:schemeClr val="tx1"/>
+                </a:solidFill>
+                <a:latin typeface="+mn-lt"/>
+                <a:ea typeface="+mn-ea"/>
+                <a:cs typeface="+mn-cs"/>
+              </a:defRPr>
+            </a:lvl2pPr>
+            <a:lvl3pPr marL="885825" indent="-228600" algn="l" rtl="0" eaLnBrk="0" fontAlgn="base" hangingPunct="0">
+              <a:spcBef>
+                <a:spcPct val="20000"/>
+              </a:spcBef>
+              <a:spcAft>
+                <a:spcPct val="0"/>
+              </a:spcAft>
+              <a:buClr>
+                <a:schemeClr val="accent2"/>
+              </a:buClr>
+              <a:buFont typeface="Wingdings 2" charset="2"/>
+              <a:buChar char=""/>
+              <a:defRPr sz="2400" kern="1200">
+                <a:solidFill>
+                  <a:schemeClr val="tx1"/>
+                </a:solidFill>
+                <a:latin typeface="+mn-lt"/>
+                <a:ea typeface="+mn-ea"/>
+                <a:cs typeface="+mn-cs"/>
+              </a:defRPr>
+            </a:lvl3pPr>
+            <a:lvl4pPr marL="1096963" indent="-173038" algn="l" rtl="0" eaLnBrk="0" fontAlgn="base" hangingPunct="0">
+              <a:spcBef>
+                <a:spcPct val="20000"/>
+              </a:spcBef>
+              <a:spcAft>
+                <a:spcPct val="0"/>
+              </a:spcAft>
+              <a:buClr>
+                <a:srgbClr val="9BBB59"/>
+              </a:buClr>
+              <a:buFont typeface="Wingdings 2" charset="2"/>
+              <a:buChar char=""/>
+              <a:defRPr sz="2000" kern="1200">
+                <a:solidFill>
+                  <a:schemeClr val="tx1"/>
+                </a:solidFill>
+                <a:latin typeface="+mn-lt"/>
+                <a:ea typeface="+mn-ea"/>
+                <a:cs typeface="+mn-cs"/>
+              </a:defRPr>
+            </a:lvl4pPr>
+            <a:lvl5pPr marL="1296988" indent="-182563" algn="l" rtl="0" eaLnBrk="0" fontAlgn="base" hangingPunct="0">
+              <a:spcBef>
+                <a:spcPct val="20000"/>
+              </a:spcBef>
+              <a:spcAft>
+                <a:spcPct val="0"/>
+              </a:spcAft>
+              <a:buClr>
+                <a:srgbClr val="8064A2"/>
+              </a:buClr>
+              <a:buFont typeface="Wingdings 2" charset="2"/>
+              <a:buChar char=""/>
+              <a:defRPr sz="2000" kern="1200">
+                <a:solidFill>
+                  <a:schemeClr val="tx1"/>
+                </a:solidFill>
+                <a:latin typeface="+mn-lt"/>
+                <a:ea typeface="+mn-ea"/>
+                <a:cs typeface="+mn-cs"/>
+              </a:defRPr>
+            </a:lvl5pPr>
+            <a:lvl6pPr marL="1508760" indent="-182880" algn="l" rtl="0" eaLnBrk="1" latinLnBrk="0" hangingPunct="1">
+              <a:lnSpc>
+                <a:spcPct val="100000"/>
+              </a:lnSpc>
+              <a:spcBef>
+                <a:spcPct val="20000"/>
+              </a:spcBef>
+              <a:buClr>
+                <a:schemeClr val="accent5"/>
+              </a:buClr>
+              <a:buFont typeface="Wingdings 2"/>
+              <a:buChar char=""/>
+              <a:defRPr kumimoji="0" sz="2000" kern="1200">
+                <a:solidFill>
+                  <a:schemeClr val="tx1"/>
+                </a:solidFill>
+                <a:latin typeface="+mn-lt"/>
+                <a:ea typeface="+mn-ea"/>
+                <a:cs typeface="+mn-cs"/>
+              </a:defRPr>
+            </a:lvl6pPr>
+            <a:lvl7pPr marL="1719072" indent="-182880" algn="l" rtl="0" eaLnBrk="1" latinLnBrk="0" hangingPunct="1">
+              <a:lnSpc>
+                <a:spcPct val="100000"/>
+              </a:lnSpc>
+              <a:spcBef>
+                <a:spcPct val="20000"/>
+              </a:spcBef>
+              <a:buClr>
+                <a:schemeClr val="accent6"/>
+              </a:buClr>
+              <a:buFont typeface="Wingdings 2"/>
+              <a:buChar char=""/>
+              <a:defRPr kumimoji="0" sz="2000" kern="1200">
+                <a:solidFill>
+                  <a:schemeClr val="tx1"/>
+                </a:solidFill>
+                <a:latin typeface="+mn-lt"/>
+                <a:ea typeface="+mn-ea"/>
+                <a:cs typeface="+mn-cs"/>
+              </a:defRPr>
+            </a:lvl7pPr>
+            <a:lvl8pPr marL="1920240" indent="-182880" algn="l" rtl="0" eaLnBrk="1" latinLnBrk="0" hangingPunct="1">
+              <a:lnSpc>
+                <a:spcPct val="100000"/>
+              </a:lnSpc>
+              <a:spcBef>
+                <a:spcPct val="20000"/>
+              </a:spcBef>
+              <a:buClr>
+                <a:schemeClr val="accent6"/>
+              </a:buClr>
+              <a:buFont typeface="Wingdings 2"/>
+              <a:buChar char=""/>
+              <a:defRPr kumimoji="0" sz="2000" kern="1200">
+                <a:solidFill>
+                  <a:schemeClr val="tx1"/>
+                </a:solidFill>
+                <a:latin typeface="+mn-lt"/>
+                <a:ea typeface="+mn-ea"/>
+                <a:cs typeface="+mn-cs"/>
+              </a:defRPr>
+            </a:lvl8pPr>
+            <a:lvl9pPr marL="2130552" indent="-182880" algn="l" rtl="0" eaLnBrk="1" latinLnBrk="0" hangingPunct="1">
+              <a:lnSpc>
+                <a:spcPct val="100000"/>
+              </a:lnSpc>
+              <a:spcBef>
+                <a:spcPct val="20000"/>
+              </a:spcBef>
+              <a:buClr>
+                <a:schemeClr val="accent6"/>
+              </a:buClr>
+              <a:buFont typeface="Wingdings 2"/>
+              <a:buChar char=""/>
+              <a:defRPr kumimoji="0" sz="2000" kern="1200">
+                <a:solidFill>
+                  <a:schemeClr val="tx1"/>
+                </a:solidFill>
+                <a:latin typeface="+mn-lt"/>
+                <a:ea typeface="+mn-ea"/>
+                <a:cs typeface="+mn-cs"/>
+              </a:defRPr>
+            </a:lvl9pPr>
+            <a:extLst/>
+          </a:lstStyle>
+          <a:p>
+            <a:pPr eaLnBrk="1" hangingPunct="1"/>
+            <a:r>
+              <a:rPr lang="en-US" altLang="zh-CN" dirty="0" smtClean="0"/>
+              <a:t>Distinguish </a:t>
+            </a:r>
+            <a:r>
+              <a:rPr lang="en-US" altLang="zh-CN" dirty="0"/>
+              <a:t>the functionality that needs to be provided on a server machine from those that need to be provided on a client</a:t>
+            </a:r>
+            <a:r>
+              <a:rPr lang="en-US" altLang="zh-CN" dirty="0" smtClean="0"/>
+              <a:t>.</a:t>
+            </a:r>
+            <a:endParaRPr lang="zh-CN" altLang="en-US" dirty="0"/>
+          </a:p>
+        </p:txBody>
+      </p:sp>
     </p:spTree>
     <p:extLst>
       <p:ext uri="{BB962C8B-B14F-4D97-AF65-F5344CB8AC3E}">
-        <p14:creationId xmlns:p14="http://schemas.microsoft.com/office/powerpoint/2010/main" val="573717387"/>
+        <p14:creationId xmlns:p14="http://schemas.microsoft.com/office/powerpoint/2010/main" val="1187115436"/>
       </p:ext>
     </p:extLst>
   </p:cSld>
@@ -23374,7 +23145,7 @@
                                           </p:stCondLst>
                                         </p:cTn>
                                         <p:tgtEl>
-                                          <p:spTgt spid="19459">
+                                          <p:spTgt spid="7">
                                             <p:txEl>
                                               <p:pRg st="0" end="0"/>
                                             </p:txEl>
@@ -23392,7 +23163,7 @@
                                       <p:cBhvr>
                                         <p:cTn id="7" dur="500"/>
                                         <p:tgtEl>
-                                          <p:spTgt spid="19459">
+                                          <p:spTgt spid="7">
                                             <p:txEl>
                                               <p:pRg st="0" end="0"/>
                                             </p:txEl>
@@ -23400,94 +23171,6 @@
                                         </p:tgtEl>
                                       </p:cBhvr>
                                     </p:animEffect>
-                                  </p:childTnLst>
-                                </p:cTn>
-                              </p:par>
-                            </p:childTnLst>
-                          </p:cTn>
-                        </p:par>
-                      </p:childTnLst>
-                    </p:cTn>
-                  </p:par>
-                  <p:par>
-                    <p:cTn id="8" fill="hold">
-                      <p:stCondLst>
-                        <p:cond delay="indefinite"/>
-                      </p:stCondLst>
-                      <p:childTnLst>
-                        <p:par>
-                          <p:cTn id="9" fill="hold">
-                            <p:stCondLst>
-                              <p:cond delay="0"/>
-                            </p:stCondLst>
-                            <p:childTnLst>
-                              <p:par>
-                                <p:cTn id="10" presetID="3" presetClass="entr" presetSubtype="10" fill="hold" nodeType="clickEffect">
-                                  <p:stCondLst>
-                                    <p:cond delay="0"/>
-                                  </p:stCondLst>
-                                  <p:childTnLst>
-                                    <p:set>
-                                      <p:cBhvr>
-                                        <p:cTn id="11" dur="1" fill="hold">
-                                          <p:stCondLst>
-                                            <p:cond delay="0"/>
-                                          </p:stCondLst>
-                                        </p:cTn>
-                                        <p:tgtEl>
-                                          <p:spTgt spid="19459">
-                                            <p:txEl>
-                                              <p:pRg st="1" end="1"/>
-                                            </p:txEl>
-                                          </p:spTgt>
-                                        </p:tgtEl>
-                                        <p:attrNameLst>
-                                          <p:attrName>style.visibility</p:attrName>
-                                        </p:attrNameLst>
-                                      </p:cBhvr>
-                                      <p:to>
-                                        <p:strVal val="visible"/>
-                                      </p:to>
-                                    </p:set>
-                                    <p:animEffect transition="in" filter="blinds(horizontal)">
-                                      <p:cBhvr>
-                                        <p:cTn id="12" dur="500"/>
-                                        <p:tgtEl>
-                                          <p:spTgt spid="19459">
-                                            <p:txEl>
-                                              <p:pRg st="1" end="1"/>
-                                            </p:txEl>
-                                          </p:spTgt>
-                                        </p:tgtEl>
-                                      </p:cBhvr>
-                                    </p:animEffect>
-                                  </p:childTnLst>
-                                </p:cTn>
-                              </p:par>
-                              <p:par>
-                                <p:cTn id="13" presetID="1" presetClass="entr" presetSubtype="0" fill="hold" nodeType="withEffect">
-                                  <p:stCondLst>
-                                    <p:cond delay="0"/>
-                                  </p:stCondLst>
-                                  <p:childTnLst>
-                                    <p:set>
-                                      <p:cBhvr>
-                                        <p:cTn id="14" dur="1" fill="hold">
-                                          <p:stCondLst>
-                                            <p:cond delay="0"/>
-                                          </p:stCondLst>
-                                        </p:cTn>
-                                        <p:tgtEl>
-                                          <p:spTgt spid="3"/>
-                                        </p:tgtEl>
-                                        <p:attrNameLst>
-                                          <p:attrName>style.visibility</p:attrName>
-                                        </p:attrNameLst>
-                                      </p:cBhvr>
-                                      <p:to>
-                                        <p:strVal val="visible"/>
-                                      </p:to>
-                                    </p:set>
                                   </p:childTnLst>
                                 </p:cTn>
                               </p:par>
@@ -23551,152 +23234,21 @@
         </p:nvSpPr>
         <p:spPr/>
         <p:txBody>
-          <a:bodyPr>
-            <a:noAutofit/>
-          </a:bodyPr>
-          <a:lstStyle/>
-          <a:p>
-            <a:r>
-              <a:rPr lang="en-US" altLang="zh-CN" sz="4000" dirty="0">
-                <a:solidFill>
-                  <a:schemeClr val="tx2">
-                    <a:satMod val="130000"/>
-                  </a:schemeClr>
-                </a:solidFill>
-              </a:rPr>
-              <a:t>Architectures</a:t>
-            </a:r>
-            <a:r>
-              <a:rPr lang="zh-CN" altLang="en-US" sz="4000" dirty="0">
-                <a:solidFill>
-                  <a:schemeClr val="tx2">
-                    <a:satMod val="130000"/>
-                  </a:schemeClr>
-                </a:solidFill>
-              </a:rPr>
-              <a:t> </a:t>
-            </a:r>
-            <a:r>
-              <a:rPr lang="en-US" altLang="zh-CN" sz="4000" dirty="0">
-                <a:solidFill>
-                  <a:schemeClr val="tx2">
-                    <a:satMod val="130000"/>
-                  </a:schemeClr>
-                </a:solidFill>
-              </a:rPr>
-              <a:t>of</a:t>
-            </a:r>
-            <a:r>
-              <a:rPr lang="zh-CN" altLang="en-US" sz="4000" dirty="0">
-                <a:solidFill>
-                  <a:schemeClr val="tx2">
-                    <a:satMod val="130000"/>
-                  </a:schemeClr>
-                </a:solidFill>
-              </a:rPr>
-              <a:t> </a:t>
-            </a:r>
-            <a:r>
-              <a:rPr lang="en-US" altLang="zh-CN" sz="4000" dirty="0">
-                <a:solidFill>
-                  <a:schemeClr val="tx2">
-                    <a:satMod val="130000"/>
-                  </a:schemeClr>
-                </a:solidFill>
-              </a:rPr>
-              <a:t>Parallel</a:t>
-            </a:r>
-            <a:r>
-              <a:rPr lang="zh-CN" altLang="en-US" sz="4000" dirty="0">
-                <a:solidFill>
-                  <a:schemeClr val="tx2">
-                    <a:satMod val="130000"/>
-                  </a:schemeClr>
-                </a:solidFill>
-              </a:rPr>
-              <a:t> </a:t>
-            </a:r>
-            <a:r>
-              <a:rPr lang="en-US" altLang="zh-CN" sz="4000" dirty="0">
-                <a:solidFill>
-                  <a:schemeClr val="tx2">
-                    <a:satMod val="130000"/>
-                  </a:schemeClr>
-                </a:solidFill>
-              </a:rPr>
-              <a:t>DB</a:t>
-            </a:r>
-            <a:endParaRPr lang="en-US" sz="4000" dirty="0"/>
-          </a:p>
-        </p:txBody>
-      </p:sp>
-      <p:sp>
-        <p:nvSpPr>
-          <p:cNvPr id="3" name="Content Placeholder 2"/>
-          <p:cNvSpPr>
-            <a:spLocks noGrp="1"/>
-          </p:cNvSpPr>
-          <p:nvPr>
-            <p:ph idx="1"/>
-          </p:nvPr>
-        </p:nvSpPr>
-        <p:spPr/>
-        <p:txBody>
           <a:bodyPr/>
           <a:lstStyle/>
           <a:p>
-            <a:pPr eaLnBrk="1" hangingPunct="1"/>
             <a:r>
               <a:rPr lang="en-US" altLang="zh-CN" dirty="0" smtClean="0"/>
-              <a:t>Parallel</a:t>
+              <a:t>1.6.2</a:t>
             </a:r>
             <a:r>
               <a:rPr lang="zh-CN" altLang="en-US" dirty="0" smtClean="0"/>
               <a:t> </a:t>
             </a:r>
             <a:r>
-              <a:rPr lang="en-US" altLang="zh-CN" dirty="0" smtClean="0"/>
-              <a:t>DB:</a:t>
-            </a:r>
-            <a:r>
-              <a:rPr lang="zh-CN" altLang="en-US" dirty="0" smtClean="0"/>
-              <a:t> </a:t>
-            </a:r>
-            <a:r>
-              <a:rPr lang="en-US" altLang="zh-CN" dirty="0" smtClean="0"/>
-              <a:t>Database systems that run over multiprocessor systems</a:t>
-            </a:r>
-            <a:endParaRPr lang="en-US" altLang="zh-CN" dirty="0"/>
-          </a:p>
-          <a:p>
-            <a:pPr lvl="1" eaLnBrk="1" hangingPunct="1"/>
-            <a:r>
-              <a:rPr lang="en-US" altLang="zh-CN" dirty="0" smtClean="0"/>
-              <a:t>[2]</a:t>
-            </a:r>
-            <a:r>
-              <a:rPr lang="zh-CN" altLang="en-US" dirty="0" smtClean="0"/>
-              <a:t> </a:t>
-            </a:r>
-            <a:r>
               <a:rPr lang="en-US" altLang="zh-CN" dirty="0"/>
-              <a:t>Shared</a:t>
-            </a:r>
-            <a:r>
-              <a:rPr lang="zh-CN" altLang="en-US" dirty="0"/>
-              <a:t> </a:t>
-            </a:r>
-            <a:r>
-              <a:rPr lang="en-US" altLang="zh-CN" dirty="0" smtClean="0"/>
-              <a:t>disk</a:t>
-            </a:r>
-            <a:endParaRPr lang="zh-CN" altLang="en-US" dirty="0"/>
-          </a:p>
-          <a:p>
-            <a:pPr eaLnBrk="1" hangingPunct="1"/>
-            <a:endParaRPr lang="zh-CN" altLang="en-US" dirty="0"/>
-          </a:p>
-          <a:p>
+              <a:t>Client/Server Systems</a:t>
+            </a:r>
             <a:endParaRPr lang="en-US" dirty="0"/>
           </a:p>
         </p:txBody>
@@ -23753,7 +23305,7 @@
       </p:sp>
       <p:pic>
         <p:nvPicPr>
-          <p:cNvPr id="6" name="Picture 5"/>
+          <p:cNvPr id="8" name="Picture 7"/>
           <p:cNvPicPr>
             <a:picLocks noChangeAspect="1"/>
           </p:cNvPicPr>
@@ -23773,8 +23325,8 @@
         </p:blipFill>
         <p:spPr>
           <a:xfrm>
-            <a:off x="3275856" y="2996952"/>
-            <a:ext cx="3208309" cy="3451043"/>
+            <a:off x="2124075" y="1250297"/>
+            <a:ext cx="6121400" cy="5295900"/>
           </a:xfrm>
           <a:prstGeom prst="rect">
             <a:avLst/>
@@ -23784,7 +23336,7 @@
     </p:spTree>
     <p:extLst>
       <p:ext uri="{BB962C8B-B14F-4D97-AF65-F5344CB8AC3E}">
-        <p14:creationId xmlns:p14="http://schemas.microsoft.com/office/powerpoint/2010/main" val="266548279"/>
+        <p14:creationId xmlns:p14="http://schemas.microsoft.com/office/powerpoint/2010/main" val="1280784800"/>
       </p:ext>
     </p:extLst>
   </p:cSld>
@@ -23830,161 +23382,146 @@
         </p:nvSpPr>
         <p:spPr/>
         <p:txBody>
-          <a:bodyPr>
-            <a:noAutofit/>
-          </a:bodyPr>
-          <a:lstStyle/>
-          <a:p>
-            <a:r>
-              <a:rPr lang="en-US" altLang="zh-CN" sz="4000" dirty="0">
-                <a:solidFill>
-                  <a:schemeClr val="tx2">
-                    <a:satMod val="130000"/>
-                  </a:schemeClr>
-                </a:solidFill>
-              </a:rPr>
-              <a:t>Architectures</a:t>
-            </a:r>
-            <a:r>
-              <a:rPr lang="zh-CN" altLang="en-US" sz="4000" dirty="0">
-                <a:solidFill>
-                  <a:schemeClr val="tx2">
-                    <a:satMod val="130000"/>
-                  </a:schemeClr>
-                </a:solidFill>
-              </a:rPr>
-              <a:t> </a:t>
-            </a:r>
-            <a:r>
-              <a:rPr lang="en-US" altLang="zh-CN" sz="4000" dirty="0">
-                <a:solidFill>
-                  <a:schemeClr val="tx2">
-                    <a:satMod val="130000"/>
-                  </a:schemeClr>
-                </a:solidFill>
-              </a:rPr>
-              <a:t>of</a:t>
-            </a:r>
-            <a:r>
-              <a:rPr lang="zh-CN" altLang="en-US" sz="4000" dirty="0">
-                <a:solidFill>
-                  <a:schemeClr val="tx2">
-                    <a:satMod val="130000"/>
-                  </a:schemeClr>
-                </a:solidFill>
-              </a:rPr>
-              <a:t> </a:t>
-            </a:r>
-            <a:r>
-              <a:rPr lang="en-US" altLang="zh-CN" sz="4000" dirty="0">
-                <a:solidFill>
-                  <a:schemeClr val="tx2">
-                    <a:satMod val="130000"/>
-                  </a:schemeClr>
-                </a:solidFill>
-              </a:rPr>
-              <a:t>Parallel</a:t>
-            </a:r>
-            <a:r>
-              <a:rPr lang="zh-CN" altLang="en-US" sz="4000" dirty="0">
-                <a:solidFill>
-                  <a:schemeClr val="tx2">
-                    <a:satMod val="130000"/>
-                  </a:schemeClr>
-                </a:solidFill>
-              </a:rPr>
-              <a:t> </a:t>
-            </a:r>
-            <a:r>
-              <a:rPr lang="en-US" altLang="zh-CN" sz="4000" dirty="0">
-                <a:solidFill>
-                  <a:schemeClr val="tx2">
-                    <a:satMod val="130000"/>
-                  </a:schemeClr>
-                </a:solidFill>
-              </a:rPr>
-              <a:t>DB</a:t>
-            </a:r>
-            <a:endParaRPr lang="en-US" sz="4000" dirty="0"/>
-          </a:p>
-        </p:txBody>
-      </p:sp>
-      <p:sp>
-        <p:nvSpPr>
-          <p:cNvPr id="3" name="Content Placeholder 2"/>
-          <p:cNvSpPr>
-            <a:spLocks noGrp="1"/>
-          </p:cNvSpPr>
-          <p:nvPr>
-            <p:ph idx="1"/>
-          </p:nvPr>
-        </p:nvSpPr>
-        <p:spPr/>
-        <p:txBody>
           <a:bodyPr/>
           <a:lstStyle/>
           <a:p>
-            <a:pPr eaLnBrk="1" hangingPunct="1"/>
             <a:r>
               <a:rPr lang="en-US" altLang="zh-CN" dirty="0" smtClean="0"/>
-              <a:t>Parallel</a:t>
+              <a:t>1.6.3</a:t>
             </a:r>
             <a:r>
               <a:rPr lang="zh-CN" altLang="en-US" dirty="0" smtClean="0"/>
               <a:t> </a:t>
             </a:r>
             <a:r>
+              <a:rPr lang="en-US" altLang="zh-CN" dirty="0"/>
+              <a:t>Peer-to-Peer Systems</a:t>
+            </a:r>
+            <a:endParaRPr lang="en-US" dirty="0"/>
+          </a:p>
+        </p:txBody>
+      </p:sp>
+      <p:sp>
+        <p:nvSpPr>
+          <p:cNvPr id="3" name="Content Placeholder 2"/>
+          <p:cNvSpPr>
+            <a:spLocks noGrp="1"/>
+          </p:cNvSpPr>
+          <p:nvPr>
+            <p:ph idx="1"/>
+          </p:nvPr>
+        </p:nvSpPr>
+        <p:spPr/>
+        <p:txBody>
+          <a:bodyPr/>
+          <a:lstStyle/>
+          <a:p>
+            <a:r>
+              <a:rPr lang="en-US" dirty="0"/>
+              <a:t>The early works on distributed DBMSs all focused on </a:t>
+            </a:r>
+            <a:r>
+              <a:rPr lang="en-US" dirty="0">
+                <a:solidFill>
+                  <a:schemeClr val="tx2">
+                    <a:lumMod val="60000"/>
+                    <a:lumOff val="40000"/>
+                  </a:schemeClr>
+                </a:solidFill>
+              </a:rPr>
+              <a:t>peer-to-peer architectures</a:t>
+            </a:r>
+            <a:r>
+              <a:rPr lang="en-US" dirty="0"/>
+              <a:t> </a:t>
+            </a:r>
+            <a:endParaRPr lang="en-US" dirty="0" smtClean="0"/>
+          </a:p>
+          <a:p>
+            <a:pPr lvl="1"/>
+            <a:r>
               <a:rPr lang="en-US" altLang="zh-CN" dirty="0" smtClean="0"/>
-              <a:t>DB:</a:t>
-            </a:r>
-            <a:r>
-              <a:rPr lang="zh-CN" altLang="en-US" dirty="0" smtClean="0"/>
+              <a:t>N</a:t>
+            </a:r>
+            <a:r>
+              <a:rPr lang="en-US" dirty="0" smtClean="0"/>
+              <a:t>o </a:t>
+            </a:r>
+            <a:r>
+              <a:rPr lang="en-US" dirty="0"/>
+              <a:t>differentiation between the functionality of each site in the system. </a:t>
+            </a:r>
+            <a:endParaRPr lang="en-US" dirty="0"/>
+          </a:p>
+          <a:p>
+            <a:r>
+              <a:rPr lang="en-US" dirty="0"/>
+              <a:t>Modern peer-to-peer systems have two important </a:t>
+            </a:r>
+            <a:r>
+              <a:rPr lang="en-US" dirty="0" smtClean="0"/>
+              <a:t>differences</a:t>
+            </a:r>
+          </a:p>
+          <a:p>
+            <a:pPr lvl="1"/>
+            <a:r>
+              <a:rPr lang="en-US" altLang="zh-CN" dirty="0" smtClean="0"/>
+              <a:t>T</a:t>
+            </a:r>
+            <a:r>
+              <a:rPr lang="en-US" dirty="0" smtClean="0"/>
+              <a:t>he </a:t>
+            </a:r>
+            <a:r>
+              <a:rPr lang="en-US" dirty="0">
+                <a:solidFill>
+                  <a:schemeClr val="tx2">
+                    <a:lumMod val="60000"/>
+                    <a:lumOff val="40000"/>
+                  </a:schemeClr>
+                </a:solidFill>
+              </a:rPr>
+              <a:t>massive</a:t>
+            </a:r>
+            <a:r>
+              <a:rPr lang="en-US" dirty="0"/>
               <a:t> </a:t>
             </a:r>
             <a:r>
-              <a:rPr lang="en-US" altLang="zh-CN" dirty="0" smtClean="0"/>
-              <a:t>Database systems that run over multiprocessor systems</a:t>
-            </a:r>
-            <a:endParaRPr lang="en-US" altLang="zh-CN" dirty="0"/>
-          </a:p>
-          <a:p>
-            <a:pPr lvl="1" eaLnBrk="1" hangingPunct="1"/>
-            <a:r>
-              <a:rPr lang="en-US" altLang="zh-CN" dirty="0" smtClean="0"/>
-              <a:t>[2’]</a:t>
-            </a:r>
-            <a:r>
-              <a:rPr lang="zh-CN" altLang="en-US" dirty="0" smtClean="0"/>
-              <a:t> </a:t>
-            </a:r>
+              <a:rPr lang="en-US" dirty="0" smtClean="0"/>
+              <a:t>distribution</a:t>
+            </a:r>
+          </a:p>
+          <a:p>
+            <a:pPr lvl="1"/>
             <a:r>
               <a:rPr lang="en-US" altLang="zh-CN" dirty="0"/>
-              <a:t>Shared</a:t>
-            </a:r>
-            <a:r>
-              <a:rPr lang="zh-CN" altLang="en-US" dirty="0"/>
-              <a:t> </a:t>
-            </a:r>
-            <a:r>
-              <a:rPr lang="en-US" altLang="zh-CN" dirty="0" smtClean="0"/>
-              <a:t>data</a:t>
-            </a:r>
-            <a:r>
-              <a:rPr lang="zh-CN" altLang="en-US" dirty="0" smtClean="0"/>
-              <a:t> </a:t>
-            </a:r>
-            <a:r>
-              <a:rPr lang="en-US" altLang="zh-CN" dirty="0" smtClean="0"/>
-              <a:t>storage</a:t>
-            </a:r>
-            <a:endParaRPr lang="zh-CN" altLang="en-US" dirty="0"/>
-          </a:p>
-          <a:p>
-            <a:pPr eaLnBrk="1" hangingPunct="1"/>
-            <a:endParaRPr lang="zh-CN" altLang="en-US" dirty="0"/>
-          </a:p>
-          <a:p>
-            <a:endParaRPr lang="en-US" dirty="0"/>
+              <a:t>T</a:t>
+            </a:r>
+            <a:r>
+              <a:rPr lang="en-US" dirty="0" smtClean="0"/>
+              <a:t>he </a:t>
+            </a:r>
+            <a:r>
+              <a:rPr lang="en-US" dirty="0"/>
+              <a:t>inherent </a:t>
+            </a:r>
+            <a:r>
+              <a:rPr lang="en-US" dirty="0">
+                <a:solidFill>
+                  <a:schemeClr val="tx2">
+                    <a:lumMod val="60000"/>
+                    <a:lumOff val="40000"/>
+                  </a:schemeClr>
+                </a:solidFill>
+              </a:rPr>
+              <a:t>heterogeneity</a:t>
+            </a:r>
+            <a:r>
+              <a:rPr lang="en-US" dirty="0"/>
+              <a:t> of every aspect of the sites and their autonomy</a:t>
+            </a:r>
           </a:p>
         </p:txBody>
       </p:sp>
@@ -24038,53 +23575,16 @@
           </a:p>
         </p:txBody>
       </p:sp>
-      <p:pic>
-        <p:nvPicPr>
-          <p:cNvPr id="7" name="Picture 6"/>
-          <p:cNvPicPr>
-            <a:picLocks noChangeAspect="1"/>
-          </p:cNvPicPr>
-          <p:nvPr/>
-        </p:nvPicPr>
-        <p:blipFill>
-          <a:blip r:embed="rId2">
-            <a:extLst>
-              <a:ext uri="{28A0092B-C50C-407E-A947-70E740481C1C}">
-                <a14:useLocalDpi xmlns:a14="http://schemas.microsoft.com/office/drawing/2010/main" val="0"/>
-              </a:ext>
-            </a:extLst>
-          </a:blip>
-          <a:stretch>
-            <a:fillRect/>
-          </a:stretch>
-        </p:blipFill>
-        <p:spPr>
-          <a:xfrm>
-            <a:off x="2483768" y="3058861"/>
-            <a:ext cx="5760640" cy="3262749"/>
-          </a:xfrm>
-          <a:prstGeom prst="rect">
-            <a:avLst/>
-          </a:prstGeom>
-        </p:spPr>
-      </p:pic>
     </p:spTree>
     <p:extLst>
       <p:ext uri="{BB962C8B-B14F-4D97-AF65-F5344CB8AC3E}">
-        <p14:creationId xmlns:p14="http://schemas.microsoft.com/office/powerpoint/2010/main" val="226037511"/>
+        <p14:creationId xmlns:p14="http://schemas.microsoft.com/office/powerpoint/2010/main" val="1942507782"/>
       </p:ext>
     </p:extLst>
   </p:cSld>
   <p:clrMapOvr>
     <a:masterClrMapping/>
   </p:clrMapOvr>
-  <p:timing>
-    <p:tnLst>
-      <p:par>
-        <p:cTn id="1" dur="indefinite" restart="never" nodeType="tmRoot"/>
-      </p:par>
-    </p:tnLst>
-  </p:timing>
 </p:sld>
 </file>
 
@@ -24117,145 +23617,58 @@
         </p:nvSpPr>
         <p:spPr/>
         <p:txBody>
-          <a:bodyPr>
-            <a:noAutofit/>
-          </a:bodyPr>
-          <a:lstStyle/>
-          <a:p>
-            <a:r>
-              <a:rPr lang="en-US" altLang="zh-CN" sz="3200" dirty="0">
-                <a:solidFill>
-                  <a:schemeClr val="tx2">
-                    <a:satMod val="130000"/>
-                  </a:schemeClr>
-                </a:solidFill>
-              </a:rPr>
-              <a:t>Architectures</a:t>
-            </a:r>
-            <a:r>
-              <a:rPr lang="zh-CN" altLang="en-US" sz="3200" dirty="0">
-                <a:solidFill>
-                  <a:schemeClr val="tx2">
-                    <a:satMod val="130000"/>
-                  </a:schemeClr>
-                </a:solidFill>
-              </a:rPr>
-              <a:t> </a:t>
-            </a:r>
-            <a:r>
-              <a:rPr lang="en-US" altLang="zh-CN" sz="3200" dirty="0">
-                <a:solidFill>
-                  <a:schemeClr val="tx2">
-                    <a:satMod val="130000"/>
-                  </a:schemeClr>
-                </a:solidFill>
-              </a:rPr>
-              <a:t>of</a:t>
-            </a:r>
-            <a:r>
-              <a:rPr lang="zh-CN" altLang="en-US" sz="3200" dirty="0">
-                <a:solidFill>
-                  <a:schemeClr val="tx2">
-                    <a:satMod val="130000"/>
-                  </a:schemeClr>
-                </a:solidFill>
-              </a:rPr>
-              <a:t> </a:t>
-            </a:r>
-            <a:r>
-              <a:rPr lang="en-US" altLang="zh-CN" sz="3200" dirty="0">
-                <a:solidFill>
-                  <a:schemeClr val="tx2">
-                    <a:satMod val="130000"/>
-                  </a:schemeClr>
-                </a:solidFill>
-              </a:rPr>
-              <a:t>Parallel</a:t>
-            </a:r>
-            <a:r>
-              <a:rPr lang="zh-CN" altLang="en-US" sz="3200" dirty="0">
-                <a:solidFill>
-                  <a:schemeClr val="tx2">
-                    <a:satMod val="130000"/>
-                  </a:schemeClr>
-                </a:solidFill>
-              </a:rPr>
-              <a:t> </a:t>
-            </a:r>
-            <a:r>
-              <a:rPr lang="en-US" altLang="zh-CN" sz="3200" dirty="0">
-                <a:solidFill>
-                  <a:schemeClr val="tx2">
-                    <a:satMod val="130000"/>
-                  </a:schemeClr>
-                </a:solidFill>
-              </a:rPr>
-              <a:t>DB</a:t>
-            </a:r>
-            <a:endParaRPr lang="en-US" sz="3200" dirty="0"/>
-          </a:p>
-        </p:txBody>
-      </p:sp>
-      <p:sp>
-        <p:nvSpPr>
-          <p:cNvPr id="3" name="Content Placeholder 2"/>
-          <p:cNvSpPr>
-            <a:spLocks noGrp="1"/>
-          </p:cNvSpPr>
-          <p:nvPr>
-            <p:ph idx="1"/>
-          </p:nvPr>
-        </p:nvSpPr>
-        <p:spPr/>
-        <p:txBody>
           <a:bodyPr/>
           <a:lstStyle/>
           <a:p>
+            <a:pPr eaLnBrk="1" fontAlgn="auto" hangingPunct="1">
+              <a:spcAft>
+                <a:spcPts val="0"/>
+              </a:spcAft>
+              <a:defRPr/>
+            </a:pPr>
+            <a:r>
+              <a:rPr lang="en-US" altLang="zh-CN" sz="3600" dirty="0"/>
+              <a:t>1.6.3</a:t>
+            </a:r>
+            <a:r>
+              <a:rPr lang="zh-CN" altLang="en-US" sz="3600" dirty="0"/>
+              <a:t> </a:t>
+            </a:r>
+            <a:r>
+              <a:rPr lang="en-US" altLang="zh-CN" sz="3600" dirty="0"/>
+              <a:t>Peer-to-Peer Systems</a:t>
+            </a:r>
+            <a:endParaRPr lang="zh-CN" altLang="en-US" sz="3600" dirty="0">
+              <a:solidFill>
+                <a:schemeClr val="tx2">
+                  <a:satMod val="130000"/>
+                </a:schemeClr>
+              </a:solidFill>
+            </a:endParaRPr>
+          </a:p>
+        </p:txBody>
+      </p:sp>
+      <p:sp>
+        <p:nvSpPr>
+          <p:cNvPr id="21507" name="Content Placeholder 2"/>
+          <p:cNvSpPr>
+            <a:spLocks noGrp="1"/>
+          </p:cNvSpPr>
+          <p:nvPr>
+            <p:ph idx="1"/>
+          </p:nvPr>
+        </p:nvSpPr>
+        <p:spPr/>
+        <p:txBody>
+          <a:bodyPr/>
+          <a:lstStyle/>
+          <a:p>
             <a:pPr eaLnBrk="1" hangingPunct="1"/>
             <a:r>
-              <a:rPr lang="en-US" altLang="zh-CN" dirty="0"/>
-              <a:t>Parallel</a:t>
-            </a:r>
-            <a:r>
-              <a:rPr lang="zh-CN" altLang="en-US" dirty="0"/>
-              <a:t> </a:t>
-            </a:r>
-            <a:r>
-              <a:rPr lang="en-US" altLang="zh-CN" dirty="0"/>
-              <a:t>DB:</a:t>
-            </a:r>
-            <a:r>
-              <a:rPr lang="zh-CN" altLang="en-US" dirty="0"/>
-              <a:t> </a:t>
-            </a:r>
-            <a:r>
-              <a:rPr lang="en-US" altLang="zh-CN" dirty="0"/>
-              <a:t>Database systems that run over multiprocessor systems</a:t>
-            </a:r>
-          </a:p>
-          <a:p>
-            <a:pPr lvl="1" eaLnBrk="1" hangingPunct="1"/>
-            <a:r>
-              <a:rPr lang="en-US" altLang="zh-CN" dirty="0" smtClean="0"/>
-              <a:t>[3]</a:t>
-            </a:r>
-            <a:r>
-              <a:rPr lang="zh-CN" altLang="en-US" dirty="0" smtClean="0"/>
-              <a:t> </a:t>
-            </a:r>
-            <a:r>
-              <a:rPr lang="en-US" altLang="zh-CN" dirty="0"/>
-              <a:t>Shared</a:t>
-            </a:r>
-            <a:r>
-              <a:rPr lang="zh-CN" altLang="en-US" dirty="0"/>
-              <a:t> </a:t>
-            </a:r>
-            <a:r>
-              <a:rPr lang="en-US" altLang="zh-CN" dirty="0" smtClean="0"/>
-              <a:t>nothing</a:t>
-            </a:r>
-            <a:endParaRPr lang="zh-CN" altLang="en-US" dirty="0"/>
+              <a:rPr lang="en-US" altLang="zh-CN" sz="2800"/>
+              <a:t>An architecture based on data organization</a:t>
+            </a:r>
+            <a:endParaRPr lang="zh-CN" altLang="en-US" sz="2800"/>
           </a:p>
         </p:txBody>
       </p:sp>
@@ -24278,7 +23691,7 @@
               <a:defRPr/>
             </a:pPr>
             <a:r>
-              <a:rPr lang="en-US" altLang="zh-CN" smtClean="0"/>
+              <a:rPr lang="en-US" altLang="zh-CN"/>
               <a:t>Distributed Database Systems</a:t>
             </a:r>
             <a:endParaRPr lang="zh-CN" altLang="en-US"/>
@@ -24298,22 +23711,141 @@
         <p:spPr/>
         <p:txBody>
           <a:bodyPr/>
-          <a:lstStyle/>
-          <a:p>
-            <a:fld id="{07911F51-1A8C-AB4E-81E5-826D301A8DAE}" type="slidenum">
-              <a:rPr lang="zh-CN" altLang="en-US" smtClean="0"/>
-              <a:pPr/>
+          <a:lstStyle>
+            <a:lvl1pPr eaLnBrk="0" hangingPunct="0">
+              <a:defRPr>
+                <a:solidFill>
+                  <a:schemeClr val="tx1"/>
+                </a:solidFill>
+                <a:latin typeface="Arial" charset="0"/>
+                <a:ea typeface="宋体" charset="-122"/>
+              </a:defRPr>
+            </a:lvl1pPr>
+            <a:lvl2pPr marL="742950" indent="-285750" eaLnBrk="0" hangingPunct="0">
+              <a:defRPr>
+                <a:solidFill>
+                  <a:schemeClr val="tx1"/>
+                </a:solidFill>
+                <a:latin typeface="Arial" charset="0"/>
+                <a:ea typeface="宋体" charset="-122"/>
+              </a:defRPr>
+            </a:lvl2pPr>
+            <a:lvl3pPr marL="1143000" indent="-228600" eaLnBrk="0" hangingPunct="0">
+              <a:defRPr>
+                <a:solidFill>
+                  <a:schemeClr val="tx1"/>
+                </a:solidFill>
+                <a:latin typeface="Arial" charset="0"/>
+                <a:ea typeface="宋体" charset="-122"/>
+              </a:defRPr>
+            </a:lvl3pPr>
+            <a:lvl4pPr marL="1600200" indent="-228600" eaLnBrk="0" hangingPunct="0">
+              <a:defRPr>
+                <a:solidFill>
+                  <a:schemeClr val="tx1"/>
+                </a:solidFill>
+                <a:latin typeface="Arial" charset="0"/>
+                <a:ea typeface="宋体" charset="-122"/>
+              </a:defRPr>
+            </a:lvl4pPr>
+            <a:lvl5pPr marL="2057400" indent="-228600" eaLnBrk="0" hangingPunct="0">
+              <a:defRPr>
+                <a:solidFill>
+                  <a:schemeClr val="tx1"/>
+                </a:solidFill>
+                <a:latin typeface="Arial" charset="0"/>
+                <a:ea typeface="宋体" charset="-122"/>
+              </a:defRPr>
+            </a:lvl5pPr>
+            <a:lvl6pPr marL="2514600" indent="-228600" eaLnBrk="0" fontAlgn="base" hangingPunct="0">
+              <a:spcBef>
+                <a:spcPct val="0"/>
+              </a:spcBef>
+              <a:spcAft>
+                <a:spcPct val="0"/>
+              </a:spcAft>
+              <a:defRPr>
+                <a:solidFill>
+                  <a:schemeClr val="tx1"/>
+                </a:solidFill>
+                <a:latin typeface="Arial" charset="0"/>
+                <a:ea typeface="宋体" charset="-122"/>
+              </a:defRPr>
+            </a:lvl6pPr>
+            <a:lvl7pPr marL="2971800" indent="-228600" eaLnBrk="0" fontAlgn="base" hangingPunct="0">
+              <a:spcBef>
+                <a:spcPct val="0"/>
+              </a:spcBef>
+              <a:spcAft>
+                <a:spcPct val="0"/>
+              </a:spcAft>
+              <a:defRPr>
+                <a:solidFill>
+                  <a:schemeClr val="tx1"/>
+                </a:solidFill>
+                <a:latin typeface="Arial" charset="0"/>
+                <a:ea typeface="宋体" charset="-122"/>
+              </a:defRPr>
+            </a:lvl7pPr>
+            <a:lvl8pPr marL="3429000" indent="-228600" eaLnBrk="0" fontAlgn="base" hangingPunct="0">
+              <a:spcBef>
+                <a:spcPct val="0"/>
+              </a:spcBef>
+              <a:spcAft>
+                <a:spcPct val="0"/>
+              </a:spcAft>
+              <a:defRPr>
+                <a:solidFill>
+                  <a:schemeClr val="tx1"/>
+                </a:solidFill>
+                <a:latin typeface="Arial" charset="0"/>
+                <a:ea typeface="宋体" charset="-122"/>
+              </a:defRPr>
+            </a:lvl8pPr>
+            <a:lvl9pPr marL="3886200" indent="-228600" eaLnBrk="0" fontAlgn="base" hangingPunct="0">
+              <a:spcBef>
+                <a:spcPct val="0"/>
+              </a:spcBef>
+              <a:spcAft>
+                <a:spcPct val="0"/>
+              </a:spcAft>
+              <a:defRPr>
+                <a:solidFill>
+                  <a:schemeClr val="tx1"/>
+                </a:solidFill>
+                <a:latin typeface="Arial" charset="0"/>
+                <a:ea typeface="宋体" charset="-122"/>
+              </a:defRPr>
+            </a:lvl9pPr>
+          </a:lstStyle>
+          <a:p>
+            <a:pPr eaLnBrk="1" hangingPunct="1"/>
+            <a:fld id="{7A3C2B14-DF1F-D543-A41E-5A87DBF4A137}" type="slidenum">
+              <a:rPr lang="zh-CN" altLang="en-US">
+                <a:solidFill>
+                  <a:srgbClr val="B4B1A0"/>
+                </a:solidFill>
+                <a:latin typeface="Gill Sans MT" charset="0"/>
+                <a:ea typeface="华文中宋" charset="-122"/>
+              </a:rPr>
+              <a:pPr eaLnBrk="1" hangingPunct="1"/>
               <a:t>49</a:t>
             </a:fld>
-            <a:endParaRPr lang="zh-CN" altLang="en-US"/>
+            <a:endParaRPr lang="zh-CN" altLang="en-US">
+              <a:solidFill>
+                <a:srgbClr val="B4B1A0"/>
+              </a:solidFill>
+              <a:latin typeface="Gill Sans MT" charset="0"/>
+              <a:ea typeface="华文中宋" charset="-122"/>
+            </a:endParaRPr>
           </a:p>
         </p:txBody>
       </p:sp>
       <p:pic>
         <p:nvPicPr>
-          <p:cNvPr id="6" name="Picture 5"/>
+          <p:cNvPr id="21510" name="Picture 2"/>
           <p:cNvPicPr>
-            <a:picLocks noChangeAspect="1"/>
+            <a:picLocks noChangeAspect="1" noChangeArrowheads="1"/>
           </p:cNvPicPr>
           <p:nvPr/>
         </p:nvPicPr>
@@ -24325,24 +23857,48 @@
               </a:ext>
             </a:extLst>
           </a:blip>
+          <a:srcRect/>
           <a:stretch>
             <a:fillRect/>
           </a:stretch>
         </p:blipFill>
-        <p:spPr>
+        <p:spPr bwMode="auto">
           <a:xfrm>
-            <a:off x="1660525" y="3284984"/>
-            <a:ext cx="7048500" cy="2997200"/>
+            <a:off x="2143125" y="2500313"/>
+            <a:ext cx="5349875" cy="3451225"/>
           </a:xfrm>
           <a:prstGeom prst="rect">
             <a:avLst/>
           </a:prstGeom>
+          <a:noFill/>
+          <a:ln>
+            <a:noFill/>
+          </a:ln>
+          <a:extLst>
+            <a:ext uri="{909E8E84-426E-40DD-AFC4-6F175D3DCCD1}">
+              <a14:hiddenFill xmlns:a14="http://schemas.microsoft.com/office/drawing/2010/main">
+                <a:solidFill>
+                  <a:srgbClr val="FFFFFF"/>
+                </a:solidFill>
+              </a14:hiddenFill>
+            </a:ext>
+            <a:ext uri="{91240B29-F687-4F45-9708-019B960494DF}">
+              <a14:hiddenLine xmlns:a14="http://schemas.microsoft.com/office/drawing/2010/main" w="9525">
+                <a:solidFill>
+                  <a:srgbClr val="000000"/>
+                </a:solidFill>
+                <a:miter lim="800000"/>
+                <a:headEnd/>
+                <a:tailEnd/>
+              </a14:hiddenLine>
+            </a:ext>
+          </a:extLst>
         </p:spPr>
       </p:pic>
     </p:spTree>
     <p:extLst>
       <p:ext uri="{BB962C8B-B14F-4D97-AF65-F5344CB8AC3E}">
-        <p14:creationId xmlns:p14="http://schemas.microsoft.com/office/powerpoint/2010/main" val="113875834"/>
+        <p14:creationId xmlns:p14="http://schemas.microsoft.com/office/powerpoint/2010/main" val="1503879273"/>
       </p:ext>
     </p:extLst>
   </p:cSld>
@@ -24579,331 +24135,6 @@
           <a:chExt cx="0" cy="0"/>
         </a:xfrm>
       </p:grpSpPr>
-      <p:sp>
-        <p:nvSpPr>
-          <p:cNvPr id="2" name="Title 1"/>
-          <p:cNvSpPr>
-            <a:spLocks noGrp="1"/>
-          </p:cNvSpPr>
-          <p:nvPr>
-            <p:ph type="title"/>
-          </p:nvPr>
-        </p:nvSpPr>
-        <p:spPr/>
-        <p:txBody>
-          <a:bodyPr/>
-          <a:lstStyle/>
-          <a:p>
-            <a:pPr eaLnBrk="1" fontAlgn="auto" hangingPunct="1">
-              <a:spcAft>
-                <a:spcPts val="0"/>
-              </a:spcAft>
-              <a:defRPr/>
-            </a:pPr>
-            <a:r>
-              <a:rPr lang="en-US" altLang="zh-CN" sz="3600" dirty="0" smtClean="0">
-                <a:solidFill>
-                  <a:schemeClr val="tx2">
-                    <a:satMod val="130000"/>
-                  </a:schemeClr>
-                </a:solidFill>
-              </a:rPr>
-              <a:t>Distributed DBMS architecture</a:t>
-            </a:r>
-            <a:endParaRPr lang="zh-CN" altLang="en-US" sz="3600" dirty="0">
-              <a:solidFill>
-                <a:schemeClr val="tx2">
-                  <a:satMod val="130000"/>
-                </a:schemeClr>
-              </a:solidFill>
-            </a:endParaRPr>
-          </a:p>
-        </p:txBody>
-      </p:sp>
-      <p:sp>
-        <p:nvSpPr>
-          <p:cNvPr id="21507" name="Content Placeholder 2"/>
-          <p:cNvSpPr>
-            <a:spLocks noGrp="1"/>
-          </p:cNvSpPr>
-          <p:nvPr>
-            <p:ph idx="1"/>
-          </p:nvPr>
-        </p:nvSpPr>
-        <p:spPr/>
-        <p:txBody>
-          <a:bodyPr/>
-          <a:lstStyle/>
-          <a:p>
-            <a:pPr eaLnBrk="1" hangingPunct="1"/>
-            <a:r>
-              <a:rPr lang="en-US" altLang="zh-CN" sz="2800"/>
-              <a:t>An architecture based on data organization</a:t>
-            </a:r>
-            <a:endParaRPr lang="zh-CN" altLang="en-US" sz="2800"/>
-          </a:p>
-        </p:txBody>
-      </p:sp>
-      <p:sp>
-        <p:nvSpPr>
-          <p:cNvPr id="4" name="Footer Placeholder 3"/>
-          <p:cNvSpPr>
-            <a:spLocks noGrp="1"/>
-          </p:cNvSpPr>
-          <p:nvPr>
-            <p:ph type="ftr" sz="quarter" idx="11"/>
-          </p:nvPr>
-        </p:nvSpPr>
-        <p:spPr/>
-        <p:txBody>
-          <a:bodyPr/>
-          <a:lstStyle/>
-          <a:p>
-            <a:pPr>
-              <a:defRPr/>
-            </a:pPr>
-            <a:r>
-              <a:rPr lang="en-US" altLang="zh-CN"/>
-              <a:t>Distributed Database Systems</a:t>
-            </a:r>
-            <a:endParaRPr lang="zh-CN" altLang="en-US"/>
-          </a:p>
-        </p:txBody>
-      </p:sp>
-      <p:sp>
-        <p:nvSpPr>
-          <p:cNvPr id="5" name="Slide Number Placeholder 4"/>
-          <p:cNvSpPr>
-            <a:spLocks noGrp="1"/>
-          </p:cNvSpPr>
-          <p:nvPr>
-            <p:ph type="sldNum" sz="quarter" idx="12"/>
-          </p:nvPr>
-        </p:nvSpPr>
-        <p:spPr/>
-        <p:txBody>
-          <a:bodyPr/>
-          <a:lstStyle>
-            <a:lvl1pPr eaLnBrk="0" hangingPunct="0">
-              <a:defRPr>
-                <a:solidFill>
-                  <a:schemeClr val="tx1"/>
-                </a:solidFill>
-                <a:latin typeface="Arial" charset="0"/>
-                <a:ea typeface="宋体" charset="-122"/>
-              </a:defRPr>
-            </a:lvl1pPr>
-            <a:lvl2pPr marL="742950" indent="-285750" eaLnBrk="0" hangingPunct="0">
-              <a:defRPr>
-                <a:solidFill>
-                  <a:schemeClr val="tx1"/>
-                </a:solidFill>
-                <a:latin typeface="Arial" charset="0"/>
-                <a:ea typeface="宋体" charset="-122"/>
-              </a:defRPr>
-            </a:lvl2pPr>
-            <a:lvl3pPr marL="1143000" indent="-228600" eaLnBrk="0" hangingPunct="0">
-              <a:defRPr>
-                <a:solidFill>
-                  <a:schemeClr val="tx1"/>
-                </a:solidFill>
-                <a:latin typeface="Arial" charset="0"/>
-                <a:ea typeface="宋体" charset="-122"/>
-              </a:defRPr>
-            </a:lvl3pPr>
-            <a:lvl4pPr marL="1600200" indent="-228600" eaLnBrk="0" hangingPunct="0">
-              <a:defRPr>
-                <a:solidFill>
-                  <a:schemeClr val="tx1"/>
-                </a:solidFill>
-                <a:latin typeface="Arial" charset="0"/>
-                <a:ea typeface="宋体" charset="-122"/>
-              </a:defRPr>
-            </a:lvl4pPr>
-            <a:lvl5pPr marL="2057400" indent="-228600" eaLnBrk="0" hangingPunct="0">
-              <a:defRPr>
-                <a:solidFill>
-                  <a:schemeClr val="tx1"/>
-                </a:solidFill>
-                <a:latin typeface="Arial" charset="0"/>
-                <a:ea typeface="宋体" charset="-122"/>
-              </a:defRPr>
-            </a:lvl5pPr>
-            <a:lvl6pPr marL="2514600" indent="-228600" eaLnBrk="0" fontAlgn="base" hangingPunct="0">
-              <a:spcBef>
-                <a:spcPct val="0"/>
-              </a:spcBef>
-              <a:spcAft>
-                <a:spcPct val="0"/>
-              </a:spcAft>
-              <a:defRPr>
-                <a:solidFill>
-                  <a:schemeClr val="tx1"/>
-                </a:solidFill>
-                <a:latin typeface="Arial" charset="0"/>
-                <a:ea typeface="宋体" charset="-122"/>
-              </a:defRPr>
-            </a:lvl6pPr>
-            <a:lvl7pPr marL="2971800" indent="-228600" eaLnBrk="0" fontAlgn="base" hangingPunct="0">
-              <a:spcBef>
-                <a:spcPct val="0"/>
-              </a:spcBef>
-              <a:spcAft>
-                <a:spcPct val="0"/>
-              </a:spcAft>
-              <a:defRPr>
-                <a:solidFill>
-                  <a:schemeClr val="tx1"/>
-                </a:solidFill>
-                <a:latin typeface="Arial" charset="0"/>
-                <a:ea typeface="宋体" charset="-122"/>
-              </a:defRPr>
-            </a:lvl7pPr>
-            <a:lvl8pPr marL="3429000" indent="-228600" eaLnBrk="0" fontAlgn="base" hangingPunct="0">
-              <a:spcBef>
-                <a:spcPct val="0"/>
-              </a:spcBef>
-              <a:spcAft>
-                <a:spcPct val="0"/>
-              </a:spcAft>
-              <a:defRPr>
-                <a:solidFill>
-                  <a:schemeClr val="tx1"/>
-                </a:solidFill>
-                <a:latin typeface="Arial" charset="0"/>
-                <a:ea typeface="宋体" charset="-122"/>
-              </a:defRPr>
-            </a:lvl8pPr>
-            <a:lvl9pPr marL="3886200" indent="-228600" eaLnBrk="0" fontAlgn="base" hangingPunct="0">
-              <a:spcBef>
-                <a:spcPct val="0"/>
-              </a:spcBef>
-              <a:spcAft>
-                <a:spcPct val="0"/>
-              </a:spcAft>
-              <a:defRPr>
-                <a:solidFill>
-                  <a:schemeClr val="tx1"/>
-                </a:solidFill>
-                <a:latin typeface="Arial" charset="0"/>
-                <a:ea typeface="宋体" charset="-122"/>
-              </a:defRPr>
-            </a:lvl9pPr>
-          </a:lstStyle>
-          <a:p>
-            <a:pPr eaLnBrk="1" hangingPunct="1"/>
-            <a:fld id="{7A3C2B14-DF1F-D543-A41E-5A87DBF4A137}" type="slidenum">
-              <a:rPr lang="zh-CN" altLang="en-US">
-                <a:solidFill>
-                  <a:srgbClr val="B4B1A0"/>
-                </a:solidFill>
-                <a:latin typeface="Gill Sans MT" charset="0"/>
-                <a:ea typeface="华文中宋" charset="-122"/>
-              </a:rPr>
-              <a:pPr eaLnBrk="1" hangingPunct="1"/>
-              <a:t>50</a:t>
-            </a:fld>
-            <a:endParaRPr lang="zh-CN" altLang="en-US">
-              <a:solidFill>
-                <a:srgbClr val="B4B1A0"/>
-              </a:solidFill>
-              <a:latin typeface="Gill Sans MT" charset="0"/>
-              <a:ea typeface="华文中宋" charset="-122"/>
-            </a:endParaRPr>
-          </a:p>
-        </p:txBody>
-      </p:sp>
-      <p:pic>
-        <p:nvPicPr>
-          <p:cNvPr id="21510" name="Picture 2"/>
-          <p:cNvPicPr>
-            <a:picLocks noChangeAspect="1" noChangeArrowheads="1"/>
-          </p:cNvPicPr>
-          <p:nvPr/>
-        </p:nvPicPr>
-        <p:blipFill>
-          <a:blip r:embed="rId2">
-            <a:extLst>
-              <a:ext uri="{28A0092B-C50C-407E-A947-70E740481C1C}">
-                <a14:useLocalDpi xmlns:a14="http://schemas.microsoft.com/office/drawing/2010/main" val="0"/>
-              </a:ext>
-            </a:extLst>
-          </a:blip>
-          <a:srcRect/>
-          <a:stretch>
-            <a:fillRect/>
-          </a:stretch>
-        </p:blipFill>
-        <p:spPr bwMode="auto">
-          <a:xfrm>
-            <a:off x="2143125" y="2500313"/>
-            <a:ext cx="5349875" cy="3451225"/>
-          </a:xfrm>
-          <a:prstGeom prst="rect">
-            <a:avLst/>
-          </a:prstGeom>
-          <a:noFill/>
-          <a:ln>
-            <a:noFill/>
-          </a:ln>
-          <a:extLst>
-            <a:ext uri="{909E8E84-426E-40DD-AFC4-6F175D3DCCD1}">
-              <a14:hiddenFill xmlns:a14="http://schemas.microsoft.com/office/drawing/2010/main">
-                <a:solidFill>
-                  <a:srgbClr val="FFFFFF"/>
-                </a:solidFill>
-              </a14:hiddenFill>
-            </a:ext>
-            <a:ext uri="{91240B29-F687-4F45-9708-019B960494DF}">
-              <a14:hiddenLine xmlns:a14="http://schemas.microsoft.com/office/drawing/2010/main" w="9525">
-                <a:solidFill>
-                  <a:srgbClr val="000000"/>
-                </a:solidFill>
-                <a:miter lim="800000"/>
-                <a:headEnd/>
-                <a:tailEnd/>
-              </a14:hiddenLine>
-            </a:ext>
-          </a:extLst>
-        </p:spPr>
-      </p:pic>
-    </p:spTree>
-    <p:extLst>
-      <p:ext uri="{BB962C8B-B14F-4D97-AF65-F5344CB8AC3E}">
-        <p14:creationId xmlns:p14="http://schemas.microsoft.com/office/powerpoint/2010/main" val="1503879273"/>
-      </p:ext>
-    </p:extLst>
-  </p:cSld>
-  <p:clrMapOvr>
-    <a:masterClrMapping/>
-  </p:clrMapOvr>
-  <p:timing>
-    <p:tnLst>
-      <p:par>
-        <p:cTn id="1" dur="indefinite" restart="never" nodeType="tmRoot"/>
-      </p:par>
-    </p:tnLst>
-  </p:timing>
-</p:sld>
-</file>
-
-<file path=ppt/slides/slide51.xml><?xml version="1.0" encoding="utf-8"?>
-<p:sld xmlns:a="http://schemas.openxmlformats.org/drawingml/2006/main" xmlns:r="http://schemas.openxmlformats.org/officeDocument/2006/relationships" xmlns:p="http://schemas.openxmlformats.org/presentationml/2006/main">
-  <p:cSld>
-    <p:spTree>
-      <p:nvGrpSpPr>
-        <p:cNvPr id="1" name=""/>
-        <p:cNvGrpSpPr/>
-        <p:nvPr/>
-      </p:nvGrpSpPr>
-      <p:grpSpPr>
-        <a:xfrm>
-          <a:off x="0" y="0"/>
-          <a:ext cx="0" cy="0"/>
-          <a:chOff x="0" y="0"/>
-          <a:chExt cx="0" cy="0"/>
-        </a:xfrm>
-      </p:grpSpPr>
       <p:pic>
         <p:nvPicPr>
           <p:cNvPr id="24578" name="Picture 150"/>
@@ -25156,7 +24387,7 @@
                 <a:ea typeface="华文中宋" charset="-122"/>
               </a:rPr>
               <a:pPr eaLnBrk="1" hangingPunct="1"/>
-              <a:t>51</a:t>
+              <a:t>50</a:t>
             </a:fld>
             <a:endParaRPr lang="zh-CN" altLang="en-US">
               <a:solidFill>
@@ -25419,6 +24650,290 @@
 </p:sld>
 </file>
 
+<file path=ppt/slides/slide51.xml><?xml version="1.0" encoding="utf-8"?>
+<p:sld xmlns:a="http://schemas.openxmlformats.org/drawingml/2006/main" xmlns:r="http://schemas.openxmlformats.org/officeDocument/2006/relationships" xmlns:p="http://schemas.openxmlformats.org/presentationml/2006/main">
+  <p:cSld>
+    <p:spTree>
+      <p:nvGrpSpPr>
+        <p:cNvPr id="1" name=""/>
+        <p:cNvGrpSpPr/>
+        <p:nvPr/>
+      </p:nvGrpSpPr>
+      <p:grpSpPr>
+        <a:xfrm>
+          <a:off x="0" y="0"/>
+          <a:ext cx="0" cy="0"/>
+          <a:chOff x="0" y="0"/>
+          <a:chExt cx="0" cy="0"/>
+        </a:xfrm>
+      </p:grpSpPr>
+      <p:sp>
+        <p:nvSpPr>
+          <p:cNvPr id="2" name="Title 1"/>
+          <p:cNvSpPr>
+            <a:spLocks noGrp="1"/>
+          </p:cNvSpPr>
+          <p:nvPr>
+            <p:ph type="title"/>
+          </p:nvPr>
+        </p:nvSpPr>
+        <p:spPr/>
+        <p:txBody>
+          <a:bodyPr/>
+          <a:lstStyle/>
+          <a:p>
+            <a:r>
+              <a:rPr lang="en-US" dirty="0"/>
+              <a:t>1.6.4 </a:t>
+            </a:r>
+            <a:r>
+              <a:rPr lang="en-US" dirty="0" err="1"/>
+              <a:t>Multidatabase</a:t>
+            </a:r>
+            <a:r>
+              <a:rPr lang="en-US" dirty="0"/>
+              <a:t> Systems</a:t>
+            </a:r>
+          </a:p>
+        </p:txBody>
+      </p:sp>
+      <p:sp>
+        <p:nvSpPr>
+          <p:cNvPr id="3" name="Content Placeholder 2"/>
+          <p:cNvSpPr>
+            <a:spLocks noGrp="1"/>
+          </p:cNvSpPr>
+          <p:nvPr>
+            <p:ph idx="1"/>
+          </p:nvPr>
+        </p:nvSpPr>
+        <p:spPr/>
+        <p:txBody>
+          <a:bodyPr/>
+          <a:lstStyle/>
+          <a:p>
+            <a:r>
+              <a:rPr lang="en-US" altLang="zh-CN" dirty="0" smtClean="0"/>
+              <a:t>I</a:t>
+            </a:r>
+            <a:r>
+              <a:rPr lang="en-US" dirty="0" smtClean="0"/>
+              <a:t>ndividual </a:t>
+            </a:r>
+            <a:r>
+              <a:rPr lang="en-US" dirty="0"/>
+              <a:t>DBMSs are </a:t>
+            </a:r>
+            <a:r>
+              <a:rPr lang="en-US" dirty="0">
+                <a:solidFill>
+                  <a:schemeClr val="tx2">
+                    <a:lumMod val="60000"/>
+                    <a:lumOff val="40000"/>
+                  </a:schemeClr>
+                </a:solidFill>
+              </a:rPr>
+              <a:t>fully autonomous </a:t>
+            </a:r>
+            <a:r>
+              <a:rPr lang="en-US" dirty="0"/>
+              <a:t>and have no concept of </a:t>
+            </a:r>
+            <a:r>
+              <a:rPr lang="en-US" dirty="0" smtClean="0"/>
+              <a:t>cooperation</a:t>
+            </a:r>
+          </a:p>
+          <a:p>
+            <a:r>
+              <a:rPr lang="en-US" altLang="zh-CN" dirty="0" smtClean="0"/>
+              <a:t>Difference</a:t>
+            </a:r>
+            <a:r>
+              <a:rPr lang="zh-CN" altLang="en-US" dirty="0" smtClean="0"/>
+              <a:t> </a:t>
+            </a:r>
+            <a:r>
+              <a:rPr lang="en-US" altLang="zh-CN" dirty="0" smtClean="0"/>
+              <a:t>between</a:t>
+            </a:r>
+            <a:r>
+              <a:rPr lang="zh-CN" altLang="en-US" dirty="0" smtClean="0"/>
+              <a:t> </a:t>
+            </a:r>
+            <a:r>
+              <a:rPr lang="en-US" altLang="zh-CN" dirty="0" smtClean="0"/>
+              <a:t>MDB</a:t>
+            </a:r>
+            <a:r>
+              <a:rPr lang="zh-CN" altLang="en-US" dirty="0" smtClean="0"/>
+              <a:t> </a:t>
+            </a:r>
+            <a:r>
+              <a:rPr lang="en-US" altLang="zh-CN" dirty="0" smtClean="0"/>
+              <a:t>and</a:t>
+            </a:r>
+            <a:r>
+              <a:rPr lang="zh-CN" altLang="en-US" dirty="0" smtClean="0"/>
+              <a:t> </a:t>
+            </a:r>
+            <a:r>
+              <a:rPr lang="en-US" altLang="zh-CN" dirty="0" smtClean="0"/>
+              <a:t>DDB</a:t>
+            </a:r>
+          </a:p>
+          <a:p>
+            <a:pPr lvl="1"/>
+            <a:r>
+              <a:rPr lang="en-US" altLang="zh-CN" dirty="0" smtClean="0"/>
+              <a:t>G</a:t>
+            </a:r>
+            <a:r>
+              <a:rPr lang="en-US" dirty="0" smtClean="0"/>
+              <a:t>lobal conceptual schema </a:t>
+            </a:r>
+            <a:r>
+              <a:rPr lang="en-US" altLang="zh-CN" dirty="0" smtClean="0"/>
+              <a:t>in</a:t>
+            </a:r>
+            <a:r>
+              <a:rPr lang="zh-CN" altLang="en-US" dirty="0" smtClean="0"/>
+              <a:t> </a:t>
+            </a:r>
+            <a:r>
+              <a:rPr lang="en-US" altLang="zh-CN" dirty="0" smtClean="0"/>
+              <a:t>DDB</a:t>
+            </a:r>
+            <a:r>
+              <a:rPr lang="zh-CN" altLang="en-US" dirty="0" smtClean="0"/>
+              <a:t> </a:t>
+            </a:r>
+            <a:r>
+              <a:rPr lang="en-US" altLang="zh-CN" dirty="0"/>
+              <a:t>defines the conceptual view of the entire </a:t>
+            </a:r>
+            <a:r>
+              <a:rPr lang="en-US" altLang="zh-CN" dirty="0" smtClean="0"/>
+              <a:t>database</a:t>
+            </a:r>
+          </a:p>
+          <a:p>
+            <a:pPr lvl="1"/>
+            <a:r>
+              <a:rPr lang="en-US" altLang="zh-CN" dirty="0" smtClean="0"/>
+              <a:t>Global</a:t>
+            </a:r>
+            <a:r>
+              <a:rPr lang="zh-CN" altLang="en-US" dirty="0" smtClean="0"/>
+              <a:t> </a:t>
+            </a:r>
+            <a:r>
+              <a:rPr lang="en-US" altLang="zh-CN" dirty="0" smtClean="0"/>
+              <a:t>conceptual</a:t>
+            </a:r>
+            <a:r>
+              <a:rPr lang="zh-CN" altLang="en-US" dirty="0" smtClean="0"/>
+              <a:t> </a:t>
+            </a:r>
+            <a:r>
+              <a:rPr lang="en-US" altLang="zh-CN" dirty="0" smtClean="0"/>
+              <a:t>schema</a:t>
+            </a:r>
+            <a:r>
+              <a:rPr lang="zh-CN" altLang="en-US" dirty="0" smtClean="0"/>
+              <a:t> </a:t>
+            </a:r>
+            <a:r>
+              <a:rPr lang="en-US" altLang="zh-CN" dirty="0" smtClean="0"/>
+              <a:t>in</a:t>
+            </a:r>
+            <a:r>
+              <a:rPr lang="zh-CN" altLang="en-US" dirty="0" smtClean="0"/>
+              <a:t> </a:t>
+            </a:r>
+            <a:r>
+              <a:rPr lang="en-US" altLang="zh-CN" dirty="0" smtClean="0"/>
+              <a:t>MDB</a:t>
+            </a:r>
+            <a:r>
+              <a:rPr lang="zh-CN" altLang="en-US" dirty="0" smtClean="0"/>
+              <a:t> </a:t>
+            </a:r>
+            <a:r>
+              <a:rPr lang="en-US" altLang="zh-CN" dirty="0"/>
+              <a:t>represents only the collection of some of the local databases that each local DBMS wants to share.</a:t>
+            </a:r>
+            <a:endParaRPr lang="en-US" dirty="0" smtClean="0"/>
+          </a:p>
+          <a:p>
+            <a:pPr lvl="1"/>
+            <a:endParaRPr lang="en-US" dirty="0"/>
+          </a:p>
+        </p:txBody>
+      </p:sp>
+      <p:sp>
+        <p:nvSpPr>
+          <p:cNvPr id="4" name="Footer Placeholder 3"/>
+          <p:cNvSpPr>
+            <a:spLocks noGrp="1"/>
+          </p:cNvSpPr>
+          <p:nvPr>
+            <p:ph type="ftr" sz="quarter" idx="11"/>
+          </p:nvPr>
+        </p:nvSpPr>
+        <p:spPr/>
+        <p:txBody>
+          <a:bodyPr/>
+          <a:lstStyle/>
+          <a:p>
+            <a:pPr>
+              <a:defRPr/>
+            </a:pPr>
+            <a:r>
+              <a:rPr lang="en-US" altLang="zh-CN" smtClean="0"/>
+              <a:t>Distributed Database Systems</a:t>
+            </a:r>
+            <a:endParaRPr lang="zh-CN" altLang="en-US"/>
+          </a:p>
+        </p:txBody>
+      </p:sp>
+      <p:sp>
+        <p:nvSpPr>
+          <p:cNvPr id="5" name="Slide Number Placeholder 4"/>
+          <p:cNvSpPr>
+            <a:spLocks noGrp="1"/>
+          </p:cNvSpPr>
+          <p:nvPr>
+            <p:ph type="sldNum" sz="quarter" idx="12"/>
+          </p:nvPr>
+        </p:nvSpPr>
+        <p:spPr/>
+        <p:txBody>
+          <a:bodyPr/>
+          <a:lstStyle/>
+          <a:p>
+            <a:fld id="{07911F51-1A8C-AB4E-81E5-826D301A8DAE}" type="slidenum">
+              <a:rPr lang="zh-CN" altLang="en-US" smtClean="0"/>
+              <a:pPr/>
+              <a:t>51</a:t>
+            </a:fld>
+            <a:endParaRPr lang="zh-CN" altLang="en-US"/>
+          </a:p>
+        </p:txBody>
+      </p:sp>
+    </p:spTree>
+    <p:extLst>
+      <p:ext uri="{BB962C8B-B14F-4D97-AF65-F5344CB8AC3E}">
+        <p14:creationId xmlns:p14="http://schemas.microsoft.com/office/powerpoint/2010/main" val="1489129029"/>
+      </p:ext>
+    </p:extLst>
+  </p:cSld>
+  <p:clrMapOvr>
+    <a:masterClrMapping/>
+  </p:clrMapOvr>
+</p:sld>
+</file>
+
 <file path=ppt/slides/slide52.xml><?xml version="1.0" encoding="utf-8"?>
 <p:sld xmlns:a="http://schemas.openxmlformats.org/drawingml/2006/main" xmlns:r="http://schemas.openxmlformats.org/officeDocument/2006/relationships" xmlns:p="http://schemas.openxmlformats.org/presentationml/2006/main">
   <p:cSld>
@@ -25451,67 +24966,50 @@
           <a:bodyPr/>
           <a:lstStyle/>
           <a:p>
-            <a:pPr eaLnBrk="1" fontAlgn="auto" hangingPunct="1">
-              <a:spcAft>
-                <a:spcPts val="0"/>
-              </a:spcAft>
-              <a:defRPr/>
-            </a:pPr>
-            <a:r>
-              <a:rPr lang="en-US" altLang="zh-CN" dirty="0" smtClean="0">
-                <a:solidFill>
-                  <a:schemeClr val="tx2">
-                    <a:satMod val="130000"/>
-                  </a:schemeClr>
-                </a:solidFill>
-              </a:rPr>
-              <a:t>Note</a:t>
-            </a:r>
-            <a:endParaRPr lang="zh-CN" altLang="en-US" dirty="0">
-              <a:solidFill>
-                <a:schemeClr val="tx2">
-                  <a:satMod val="130000"/>
-                </a:schemeClr>
-              </a:solidFill>
-            </a:endParaRPr>
-          </a:p>
-        </p:txBody>
-      </p:sp>
-      <p:sp>
-        <p:nvSpPr>
-          <p:cNvPr id="24579" name="Content Placeholder 2"/>
-          <p:cNvSpPr>
-            <a:spLocks noGrp="1"/>
-          </p:cNvSpPr>
+            <a:r>
+              <a:rPr lang="en-US" dirty="0"/>
+              <a:t>1.6.4 </a:t>
+            </a:r>
+            <a:r>
+              <a:rPr lang="en-US" dirty="0" err="1"/>
+              <a:t>Multidatabase</a:t>
+            </a:r>
+            <a:r>
+              <a:rPr lang="en-US" dirty="0"/>
+              <a:t> Systems</a:t>
+            </a:r>
+          </a:p>
+        </p:txBody>
+      </p:sp>
+      <p:pic>
+        <p:nvPicPr>
+          <p:cNvPr id="6" name="Content Placeholder 5"/>
+          <p:cNvPicPr>
+            <a:picLocks noGrp="1" noChangeAspect="1"/>
+          </p:cNvPicPr>
           <p:nvPr>
             <p:ph idx="1"/>
           </p:nvPr>
-        </p:nvSpPr>
-        <p:spPr/>
-        <p:txBody>
-          <a:bodyPr/>
-          <a:lstStyle/>
-          <a:p>
-            <a:pPr eaLnBrk="1" hangingPunct="1"/>
-            <a:r>
-              <a:rPr lang="en-US" altLang="zh-CN" sz="4400" b="1"/>
-              <a:t>Relational data model</a:t>
-            </a:r>
-            <a:br>
-              <a:rPr lang="en-US" altLang="zh-CN" sz="4400" b="1"/>
-            </a:br>
-            <a:r>
-              <a:rPr lang="en-US" altLang="zh-CN"/>
-              <a:t>is used throughout this course</a:t>
-            </a:r>
-            <a:endParaRPr lang="zh-CN" altLang="en-US"/>
-          </a:p>
-          <a:p>
-            <a:pPr eaLnBrk="1" hangingPunct="1"/>
-            <a:endParaRPr lang="zh-CN" altLang="en-US"/>
-          </a:p>
-        </p:txBody>
-      </p:sp>
+        </p:nvPicPr>
+        <p:blipFill>
+          <a:blip r:embed="rId2">
+            <a:extLst>
+              <a:ext uri="{28A0092B-C50C-407E-A947-70E740481C1C}">
+                <a14:useLocalDpi xmlns:a14="http://schemas.microsoft.com/office/drawing/2010/main" val="0"/>
+              </a:ext>
+            </a:extLst>
+          </a:blip>
+          <a:stretch>
+            <a:fillRect/>
+          </a:stretch>
+        </p:blipFill>
+        <p:spPr>
+          <a:xfrm>
+            <a:off x="3048645" y="1447800"/>
+            <a:ext cx="4272260" cy="4800600"/>
+          </a:xfrm>
+        </p:spPr>
+      </p:pic>
       <p:sp>
         <p:nvSpPr>
           <p:cNvPr id="4" name="Footer Placeholder 3"/>
@@ -25531,7 +25029,7 @@
               <a:defRPr/>
             </a:pPr>
             <a:r>
-              <a:rPr lang="en-US" altLang="zh-CN"/>
+              <a:rPr lang="en-US" altLang="zh-CN" smtClean="0"/>
               <a:t>Distributed Database Systems</a:t>
             </a:r>
             <a:endParaRPr lang="zh-CN" altLang="en-US"/>
@@ -25551,148 +25049,27 @@
         <p:spPr/>
         <p:txBody>
           <a:bodyPr/>
-          <a:lstStyle>
-            <a:lvl1pPr eaLnBrk="0" hangingPunct="0">
-              <a:defRPr>
-                <a:solidFill>
-                  <a:schemeClr val="tx1"/>
-                </a:solidFill>
-                <a:latin typeface="Arial" charset="0"/>
-                <a:ea typeface="宋体" charset="-122"/>
-              </a:defRPr>
-            </a:lvl1pPr>
-            <a:lvl2pPr marL="742950" indent="-285750" eaLnBrk="0" hangingPunct="0">
-              <a:defRPr>
-                <a:solidFill>
-                  <a:schemeClr val="tx1"/>
-                </a:solidFill>
-                <a:latin typeface="Arial" charset="0"/>
-                <a:ea typeface="宋体" charset="-122"/>
-              </a:defRPr>
-            </a:lvl2pPr>
-            <a:lvl3pPr marL="1143000" indent="-228600" eaLnBrk="0" hangingPunct="0">
-              <a:defRPr>
-                <a:solidFill>
-                  <a:schemeClr val="tx1"/>
-                </a:solidFill>
-                <a:latin typeface="Arial" charset="0"/>
-                <a:ea typeface="宋体" charset="-122"/>
-              </a:defRPr>
-            </a:lvl3pPr>
-            <a:lvl4pPr marL="1600200" indent="-228600" eaLnBrk="0" hangingPunct="0">
-              <a:defRPr>
-                <a:solidFill>
-                  <a:schemeClr val="tx1"/>
-                </a:solidFill>
-                <a:latin typeface="Arial" charset="0"/>
-                <a:ea typeface="宋体" charset="-122"/>
-              </a:defRPr>
-            </a:lvl4pPr>
-            <a:lvl5pPr marL="2057400" indent="-228600" eaLnBrk="0" hangingPunct="0">
-              <a:defRPr>
-                <a:solidFill>
-                  <a:schemeClr val="tx1"/>
-                </a:solidFill>
-                <a:latin typeface="Arial" charset="0"/>
-                <a:ea typeface="宋体" charset="-122"/>
-              </a:defRPr>
-            </a:lvl5pPr>
-            <a:lvl6pPr marL="2514600" indent="-228600" eaLnBrk="0" fontAlgn="base" hangingPunct="0">
-              <a:spcBef>
-                <a:spcPct val="0"/>
-              </a:spcBef>
-              <a:spcAft>
-                <a:spcPct val="0"/>
-              </a:spcAft>
-              <a:defRPr>
-                <a:solidFill>
-                  <a:schemeClr val="tx1"/>
-                </a:solidFill>
-                <a:latin typeface="Arial" charset="0"/>
-                <a:ea typeface="宋体" charset="-122"/>
-              </a:defRPr>
-            </a:lvl6pPr>
-            <a:lvl7pPr marL="2971800" indent="-228600" eaLnBrk="0" fontAlgn="base" hangingPunct="0">
-              <a:spcBef>
-                <a:spcPct val="0"/>
-              </a:spcBef>
-              <a:spcAft>
-                <a:spcPct val="0"/>
-              </a:spcAft>
-              <a:defRPr>
-                <a:solidFill>
-                  <a:schemeClr val="tx1"/>
-                </a:solidFill>
-                <a:latin typeface="Arial" charset="0"/>
-                <a:ea typeface="宋体" charset="-122"/>
-              </a:defRPr>
-            </a:lvl7pPr>
-            <a:lvl8pPr marL="3429000" indent="-228600" eaLnBrk="0" fontAlgn="base" hangingPunct="0">
-              <a:spcBef>
-                <a:spcPct val="0"/>
-              </a:spcBef>
-              <a:spcAft>
-                <a:spcPct val="0"/>
-              </a:spcAft>
-              <a:defRPr>
-                <a:solidFill>
-                  <a:schemeClr val="tx1"/>
-                </a:solidFill>
-                <a:latin typeface="Arial" charset="0"/>
-                <a:ea typeface="宋体" charset="-122"/>
-              </a:defRPr>
-            </a:lvl8pPr>
-            <a:lvl9pPr marL="3886200" indent="-228600" eaLnBrk="0" fontAlgn="base" hangingPunct="0">
-              <a:spcBef>
-                <a:spcPct val="0"/>
-              </a:spcBef>
-              <a:spcAft>
-                <a:spcPct val="0"/>
-              </a:spcAft>
-              <a:defRPr>
-                <a:solidFill>
-                  <a:schemeClr val="tx1"/>
-                </a:solidFill>
-                <a:latin typeface="Arial" charset="0"/>
-                <a:ea typeface="宋体" charset="-122"/>
-              </a:defRPr>
-            </a:lvl9pPr>
-          </a:lstStyle>
-          <a:p>
-            <a:pPr eaLnBrk="1" hangingPunct="1"/>
-            <a:fld id="{726663B3-27B7-CF48-B6CF-EA8FE0D84F61}" type="slidenum">
-              <a:rPr lang="zh-CN" altLang="en-US">
-                <a:solidFill>
-                  <a:srgbClr val="B4B1A0"/>
-                </a:solidFill>
-                <a:latin typeface="Gill Sans MT" charset="0"/>
-                <a:ea typeface="华文中宋" charset="-122"/>
-              </a:rPr>
-              <a:pPr eaLnBrk="1" hangingPunct="1"/>
+          <a:lstStyle/>
+          <a:p>
+            <a:fld id="{07911F51-1A8C-AB4E-81E5-826D301A8DAE}" type="slidenum">
+              <a:rPr lang="zh-CN" altLang="en-US" smtClean="0"/>
+              <a:pPr/>
               <a:t>52</a:t>
             </a:fld>
-            <a:endParaRPr lang="zh-CN" altLang="en-US">
-              <a:solidFill>
-                <a:srgbClr val="B4B1A0"/>
-              </a:solidFill>
-              <a:latin typeface="Gill Sans MT" charset="0"/>
-              <a:ea typeface="华文中宋" charset="-122"/>
-            </a:endParaRPr>
+            <a:endParaRPr lang="zh-CN" altLang="en-US"/>
           </a:p>
         </p:txBody>
       </p:sp>
     </p:spTree>
+    <p:extLst>
+      <p:ext uri="{BB962C8B-B14F-4D97-AF65-F5344CB8AC3E}">
+        <p14:creationId xmlns:p14="http://schemas.microsoft.com/office/powerpoint/2010/main" val="686866245"/>
+      </p:ext>
+    </p:extLst>
   </p:cSld>
   <p:clrMapOvr>
     <a:masterClrMapping/>
   </p:clrMapOvr>
-  <p:timing>
-    <p:tnLst>
-      <p:par>
-        <p:cTn id="1" dur="indefinite" restart="never" nodeType="tmRoot"/>
-      </p:par>
-    </p:tnLst>
-  </p:timing>
 </p:sld>
 </file>
 
@@ -25729,10 +25106,9 @@
           <a:lstStyle/>
           <a:p>
             <a:r>
-              <a:rPr lang="en-US" altLang="zh-CN" dirty="0" smtClean="0"/>
-              <a:t>Teaser</a:t>
-            </a:r>
-            <a:endParaRPr lang="en-US" dirty="0"/>
+              <a:rPr lang="en-US" dirty="0"/>
+              <a:t>1.6.5 Cloud Computing</a:t>
+            </a:r>
           </a:p>
         </p:txBody>
       </p:sp>
@@ -25751,39 +25127,7 @@
           <a:bodyPr/>
           <a:lstStyle/>
           <a:p>
-            <a:pPr eaLnBrk="1" hangingPunct="1"/>
-            <a:r>
-              <a:rPr lang="en-US" altLang="zh-CN" dirty="0"/>
-              <a:t>DDB design</a:t>
-            </a:r>
-          </a:p>
-          <a:p>
-            <a:pPr lvl="1" eaLnBrk="1" hangingPunct="1"/>
-            <a:r>
-              <a:rPr lang="en-US" altLang="zh-CN" dirty="0"/>
-              <a:t>Making decision on the placement of data across the network Components</a:t>
-            </a:r>
-          </a:p>
-          <a:p>
-            <a:pPr lvl="1" eaLnBrk="1" hangingPunct="1"/>
-            <a:r>
-              <a:rPr lang="en-US" altLang="zh-CN" dirty="0"/>
-              <a:t>Critical to the performance of DDB and applications</a:t>
-            </a:r>
-          </a:p>
-          <a:p>
-            <a:pPr lvl="1" eaLnBrk="1" hangingPunct="1"/>
-            <a:r>
-              <a:rPr lang="en-US" altLang="zh-CN" dirty="0"/>
-              <a:t>Input of the design: queries (applications), use case of applications concerned with sites and frequency</a:t>
-            </a:r>
-          </a:p>
-          <a:p>
-            <a:pPr lvl="1" eaLnBrk="1" hangingPunct="1"/>
-            <a:r>
-              <a:rPr lang="en-US" altLang="zh-CN" dirty="0"/>
-              <a:t>Output of the design: a set of fragments located at different sites </a:t>
-            </a:r>
+            <a:endParaRPr lang="en-US"/>
           </a:p>
         </p:txBody>
       </p:sp>
@@ -25840,9 +25184,540 @@
     </p:spTree>
     <p:extLst>
       <p:ext uri="{BB962C8B-B14F-4D97-AF65-F5344CB8AC3E}">
-        <p14:creationId xmlns:p14="http://schemas.microsoft.com/office/powerpoint/2010/main" val="423987173"/>
+        <p14:creationId xmlns:p14="http://schemas.microsoft.com/office/powerpoint/2010/main" val="1998439744"/>
       </p:ext>
     </p:extLst>
+  </p:cSld>
+  <p:clrMapOvr>
+    <a:masterClrMapping/>
+  </p:clrMapOvr>
+</p:sld>
+</file>
+
+<file path=ppt/slides/slide54.xml><?xml version="1.0" encoding="utf-8"?>
+<p:sld xmlns:a="http://schemas.openxmlformats.org/drawingml/2006/main" xmlns:r="http://schemas.openxmlformats.org/officeDocument/2006/relationships" xmlns:p="http://schemas.openxmlformats.org/presentationml/2006/main">
+  <p:cSld>
+    <p:spTree>
+      <p:nvGrpSpPr>
+        <p:cNvPr id="1" name=""/>
+        <p:cNvGrpSpPr/>
+        <p:nvPr/>
+      </p:nvGrpSpPr>
+      <p:grpSpPr>
+        <a:xfrm>
+          <a:off x="0" y="0"/>
+          <a:ext cx="0" cy="0"/>
+          <a:chOff x="0" y="0"/>
+          <a:chExt cx="0" cy="0"/>
+        </a:xfrm>
+      </p:grpSpPr>
+      <p:sp>
+        <p:nvSpPr>
+          <p:cNvPr id="2" name="Title 1"/>
+          <p:cNvSpPr>
+            <a:spLocks noGrp="1"/>
+          </p:cNvSpPr>
+          <p:nvPr>
+            <p:ph type="title"/>
+          </p:nvPr>
+        </p:nvSpPr>
+        <p:spPr/>
+        <p:txBody>
+          <a:bodyPr/>
+          <a:lstStyle/>
+          <a:p>
+            <a:r>
+              <a:rPr lang="en-US" altLang="zh-CN" sz="4000" dirty="0">
+                <a:solidFill>
+                  <a:schemeClr val="tx2">
+                    <a:satMod val="130000"/>
+                  </a:schemeClr>
+                </a:solidFill>
+              </a:rPr>
+              <a:t>1.4.3</a:t>
+            </a:r>
+            <a:r>
+              <a:rPr lang="zh-CN" altLang="en-US" sz="4000" dirty="0">
+                <a:solidFill>
+                  <a:schemeClr val="tx2">
+                    <a:satMod val="130000"/>
+                  </a:schemeClr>
+                </a:solidFill>
+              </a:rPr>
+              <a:t> </a:t>
+            </a:r>
+            <a:r>
+              <a:rPr lang="en-US" altLang="zh-CN" sz="4000" dirty="0">
+                <a:solidFill>
+                  <a:schemeClr val="tx2">
+                    <a:satMod val="130000"/>
+                  </a:schemeClr>
+                </a:solidFill>
+              </a:rPr>
+              <a:t>Improved Performance</a:t>
+            </a:r>
+            <a:endParaRPr lang="en-US" dirty="0"/>
+          </a:p>
+        </p:txBody>
+      </p:sp>
+      <p:sp>
+        <p:nvSpPr>
+          <p:cNvPr id="3" name="Content Placeholder 2"/>
+          <p:cNvSpPr>
+            <a:spLocks noGrp="1"/>
+          </p:cNvSpPr>
+          <p:nvPr>
+            <p:ph idx="1"/>
+          </p:nvPr>
+        </p:nvSpPr>
+        <p:spPr/>
+        <p:txBody>
+          <a:bodyPr/>
+          <a:lstStyle/>
+          <a:p>
+            <a:endParaRPr lang="en-US" altLang="zh-CN" dirty="0" smtClean="0"/>
+          </a:p>
+          <a:p>
+            <a:endParaRPr lang="en-US" altLang="zh-CN" dirty="0"/>
+          </a:p>
+          <a:p>
+            <a:r>
+              <a:rPr lang="zh-CN" altLang="en-US" dirty="0" smtClean="0"/>
+              <a:t>思考</a:t>
+            </a:r>
+            <a:endParaRPr lang="en-US" altLang="zh-CN" dirty="0" smtClean="0"/>
+          </a:p>
+          <a:p>
+            <a:pPr lvl="1"/>
+            <a:r>
+              <a:rPr lang="zh-CN" altLang="en-US" dirty="0" smtClean="0"/>
+              <a:t>“存算一体” </a:t>
+            </a:r>
+            <a:r>
+              <a:rPr lang="en-US" altLang="zh-CN" dirty="0" smtClean="0"/>
+              <a:t>vs.</a:t>
+            </a:r>
+            <a:r>
+              <a:rPr lang="zh-CN" altLang="en-US" dirty="0" smtClean="0"/>
+              <a:t> </a:t>
+            </a:r>
+            <a:r>
+              <a:rPr lang="en-US" altLang="zh-CN" dirty="0" smtClean="0"/>
+              <a:t>“</a:t>
+            </a:r>
+            <a:r>
+              <a:rPr lang="zh-CN" altLang="en-US" dirty="0" smtClean="0"/>
+              <a:t>存算分离</a:t>
+            </a:r>
+            <a:r>
+              <a:rPr lang="en-US" altLang="zh-CN" dirty="0" smtClean="0"/>
+              <a:t>”</a:t>
+            </a:r>
+            <a:r>
+              <a:rPr lang="zh-CN" altLang="en-US" dirty="0" smtClean="0"/>
+              <a:t>？</a:t>
+            </a:r>
+            <a:endParaRPr lang="en-US" dirty="0"/>
+          </a:p>
+        </p:txBody>
+      </p:sp>
+      <p:sp>
+        <p:nvSpPr>
+          <p:cNvPr id="4" name="Footer Placeholder 3"/>
+          <p:cNvSpPr>
+            <a:spLocks noGrp="1"/>
+          </p:cNvSpPr>
+          <p:nvPr>
+            <p:ph type="ftr" sz="quarter" idx="11"/>
+          </p:nvPr>
+        </p:nvSpPr>
+        <p:spPr/>
+        <p:txBody>
+          <a:bodyPr/>
+          <a:lstStyle/>
+          <a:p>
+            <a:pPr>
+              <a:defRPr/>
+            </a:pPr>
+            <a:r>
+              <a:rPr lang="en-US" altLang="zh-CN" smtClean="0"/>
+              <a:t>Distributed Database Systems</a:t>
+            </a:r>
+            <a:endParaRPr lang="zh-CN" altLang="en-US"/>
+          </a:p>
+        </p:txBody>
+      </p:sp>
+      <p:sp>
+        <p:nvSpPr>
+          <p:cNvPr id="5" name="Slide Number Placeholder 4"/>
+          <p:cNvSpPr>
+            <a:spLocks noGrp="1"/>
+          </p:cNvSpPr>
+          <p:nvPr>
+            <p:ph type="sldNum" sz="quarter" idx="12"/>
+          </p:nvPr>
+        </p:nvSpPr>
+        <p:spPr/>
+        <p:txBody>
+          <a:bodyPr/>
+          <a:lstStyle/>
+          <a:p>
+            <a:fld id="{07911F51-1A8C-AB4E-81E5-826D301A8DAE}" type="slidenum">
+              <a:rPr lang="zh-CN" altLang="en-US" smtClean="0"/>
+              <a:pPr/>
+              <a:t>54</a:t>
+            </a:fld>
+            <a:endParaRPr lang="zh-CN" altLang="en-US"/>
+          </a:p>
+        </p:txBody>
+      </p:sp>
+      <p:pic>
+        <p:nvPicPr>
+          <p:cNvPr id="6" name="Picture 5"/>
+          <p:cNvPicPr>
+            <a:picLocks noChangeAspect="1"/>
+          </p:cNvPicPr>
+          <p:nvPr/>
+        </p:nvPicPr>
+        <p:blipFill>
+          <a:blip r:embed="rId2">
+            <a:extLst>
+              <a:ext uri="{28A0092B-C50C-407E-A947-70E740481C1C}">
+                <a14:useLocalDpi xmlns:a14="http://schemas.microsoft.com/office/drawing/2010/main" val="0"/>
+              </a:ext>
+            </a:extLst>
+          </a:blip>
+          <a:stretch>
+            <a:fillRect/>
+          </a:stretch>
+        </p:blipFill>
+        <p:spPr>
+          <a:xfrm>
+            <a:off x="2068461" y="1374828"/>
+            <a:ext cx="5998356" cy="1111823"/>
+          </a:xfrm>
+          <a:prstGeom prst="rect">
+            <a:avLst/>
+          </a:prstGeom>
+        </p:spPr>
+      </p:pic>
+      <p:pic>
+        <p:nvPicPr>
+          <p:cNvPr id="1026" name="Picture 2" descr="https://nimg.ws.126.net/?url=http%3A%2F%2Fdingyue.ws.126.net%2F2021%2F0607%2Fbb620ac6p00quc8wn001ad200u000c2g00hx0077.png&amp;thumbnail=650x2147483647&amp;quality=80&amp;type=jpg"/>
+          <p:cNvPicPr>
+            <a:picLocks noChangeAspect="1" noChangeArrowheads="1"/>
+          </p:cNvPicPr>
+          <p:nvPr/>
+        </p:nvPicPr>
+        <p:blipFill>
+          <a:blip r:embed="rId3">
+            <a:extLst>
+              <a:ext uri="{28A0092B-C50C-407E-A947-70E740481C1C}">
+                <a14:useLocalDpi xmlns:a14="http://schemas.microsoft.com/office/drawing/2010/main" val="0"/>
+              </a:ext>
+            </a:extLst>
+          </a:blip>
+          <a:srcRect/>
+          <a:stretch>
+            <a:fillRect/>
+          </a:stretch>
+        </p:blipFill>
+        <p:spPr bwMode="auto">
+          <a:xfrm>
+            <a:off x="2089150" y="4005064"/>
+            <a:ext cx="6191250" cy="2495550"/>
+          </a:xfrm>
+          <a:prstGeom prst="rect">
+            <a:avLst/>
+          </a:prstGeom>
+          <a:noFill/>
+          <a:extLst>
+            <a:ext uri="{909E8E84-426E-40DD-AFC4-6F175D3DCCD1}">
+              <a14:hiddenFill xmlns:a14="http://schemas.microsoft.com/office/drawing/2010/main">
+                <a:solidFill>
+                  <a:srgbClr val="FFFFFF"/>
+                </a:solidFill>
+              </a14:hiddenFill>
+            </a:ext>
+          </a:extLst>
+        </p:spPr>
+      </p:pic>
+    </p:spTree>
+    <p:extLst>
+      <p:ext uri="{BB962C8B-B14F-4D97-AF65-F5344CB8AC3E}">
+        <p14:creationId xmlns:p14="http://schemas.microsoft.com/office/powerpoint/2010/main" val="1815461840"/>
+      </p:ext>
+    </p:extLst>
+  </p:cSld>
+  <p:clrMapOvr>
+    <a:masterClrMapping/>
+  </p:clrMapOvr>
+</p:sld>
+</file>
+
+<file path=ppt/slides/slide55.xml><?xml version="1.0" encoding="utf-8"?>
+<p:sld xmlns:a="http://schemas.openxmlformats.org/drawingml/2006/main" xmlns:r="http://schemas.openxmlformats.org/officeDocument/2006/relationships" xmlns:p="http://schemas.openxmlformats.org/presentationml/2006/main">
+  <p:cSld>
+    <p:spTree>
+      <p:nvGrpSpPr>
+        <p:cNvPr id="1" name=""/>
+        <p:cNvGrpSpPr/>
+        <p:nvPr/>
+      </p:nvGrpSpPr>
+      <p:grpSpPr>
+        <a:xfrm>
+          <a:off x="0" y="0"/>
+          <a:ext cx="0" cy="0"/>
+          <a:chOff x="0" y="0"/>
+          <a:chExt cx="0" cy="0"/>
+        </a:xfrm>
+      </p:grpSpPr>
+      <p:sp>
+        <p:nvSpPr>
+          <p:cNvPr id="2" name="Title 1"/>
+          <p:cNvSpPr>
+            <a:spLocks noGrp="1"/>
+          </p:cNvSpPr>
+          <p:nvPr>
+            <p:ph type="title"/>
+          </p:nvPr>
+        </p:nvSpPr>
+        <p:spPr/>
+        <p:txBody>
+          <a:bodyPr/>
+          <a:lstStyle/>
+          <a:p>
+            <a:pPr eaLnBrk="1" fontAlgn="auto" hangingPunct="1">
+              <a:spcAft>
+                <a:spcPts val="0"/>
+              </a:spcAft>
+              <a:defRPr/>
+            </a:pPr>
+            <a:r>
+              <a:rPr lang="en-US" altLang="zh-CN" dirty="0" smtClean="0">
+                <a:solidFill>
+                  <a:schemeClr val="tx2">
+                    <a:satMod val="130000"/>
+                  </a:schemeClr>
+                </a:solidFill>
+              </a:rPr>
+              <a:t>Note</a:t>
+            </a:r>
+            <a:endParaRPr lang="zh-CN" altLang="en-US" dirty="0">
+              <a:solidFill>
+                <a:schemeClr val="tx2">
+                  <a:satMod val="130000"/>
+                </a:schemeClr>
+              </a:solidFill>
+            </a:endParaRPr>
+          </a:p>
+        </p:txBody>
+      </p:sp>
+      <p:sp>
+        <p:nvSpPr>
+          <p:cNvPr id="24579" name="Content Placeholder 2"/>
+          <p:cNvSpPr>
+            <a:spLocks noGrp="1"/>
+          </p:cNvSpPr>
+          <p:nvPr>
+            <p:ph idx="1"/>
+          </p:nvPr>
+        </p:nvSpPr>
+        <p:spPr/>
+        <p:txBody>
+          <a:bodyPr/>
+          <a:lstStyle/>
+          <a:p>
+            <a:pPr eaLnBrk="1" hangingPunct="1"/>
+            <a:r>
+              <a:rPr lang="en-US" altLang="zh-CN" sz="4400" b="1"/>
+              <a:t>Relational data model</a:t>
+            </a:r>
+            <a:br>
+              <a:rPr lang="en-US" altLang="zh-CN" sz="4400" b="1"/>
+            </a:br>
+            <a:r>
+              <a:rPr lang="en-US" altLang="zh-CN"/>
+              <a:t>is used throughout this course</a:t>
+            </a:r>
+            <a:endParaRPr lang="zh-CN" altLang="en-US"/>
+          </a:p>
+          <a:p>
+            <a:pPr eaLnBrk="1" hangingPunct="1"/>
+            <a:endParaRPr lang="zh-CN" altLang="en-US"/>
+          </a:p>
+        </p:txBody>
+      </p:sp>
+      <p:sp>
+        <p:nvSpPr>
+          <p:cNvPr id="4" name="Footer Placeholder 3"/>
+          <p:cNvSpPr>
+            <a:spLocks noGrp="1"/>
+          </p:cNvSpPr>
+          <p:nvPr>
+            <p:ph type="ftr" sz="quarter" idx="11"/>
+          </p:nvPr>
+        </p:nvSpPr>
+        <p:spPr/>
+        <p:txBody>
+          <a:bodyPr/>
+          <a:lstStyle/>
+          <a:p>
+            <a:pPr>
+              <a:defRPr/>
+            </a:pPr>
+            <a:r>
+              <a:rPr lang="en-US" altLang="zh-CN"/>
+              <a:t>Distributed Database Systems</a:t>
+            </a:r>
+            <a:endParaRPr lang="zh-CN" altLang="en-US"/>
+          </a:p>
+        </p:txBody>
+      </p:sp>
+      <p:sp>
+        <p:nvSpPr>
+          <p:cNvPr id="5" name="Slide Number Placeholder 4"/>
+          <p:cNvSpPr>
+            <a:spLocks noGrp="1"/>
+          </p:cNvSpPr>
+          <p:nvPr>
+            <p:ph type="sldNum" sz="quarter" idx="12"/>
+          </p:nvPr>
+        </p:nvSpPr>
+        <p:spPr/>
+        <p:txBody>
+          <a:bodyPr/>
+          <a:lstStyle>
+            <a:lvl1pPr eaLnBrk="0" hangingPunct="0">
+              <a:defRPr>
+                <a:solidFill>
+                  <a:schemeClr val="tx1"/>
+                </a:solidFill>
+                <a:latin typeface="Arial" charset="0"/>
+                <a:ea typeface="宋体" charset="-122"/>
+              </a:defRPr>
+            </a:lvl1pPr>
+            <a:lvl2pPr marL="742950" indent="-285750" eaLnBrk="0" hangingPunct="0">
+              <a:defRPr>
+                <a:solidFill>
+                  <a:schemeClr val="tx1"/>
+                </a:solidFill>
+                <a:latin typeface="Arial" charset="0"/>
+                <a:ea typeface="宋体" charset="-122"/>
+              </a:defRPr>
+            </a:lvl2pPr>
+            <a:lvl3pPr marL="1143000" indent="-228600" eaLnBrk="0" hangingPunct="0">
+              <a:defRPr>
+                <a:solidFill>
+                  <a:schemeClr val="tx1"/>
+                </a:solidFill>
+                <a:latin typeface="Arial" charset="0"/>
+                <a:ea typeface="宋体" charset="-122"/>
+              </a:defRPr>
+            </a:lvl3pPr>
+            <a:lvl4pPr marL="1600200" indent="-228600" eaLnBrk="0" hangingPunct="0">
+              <a:defRPr>
+                <a:solidFill>
+                  <a:schemeClr val="tx1"/>
+                </a:solidFill>
+                <a:latin typeface="Arial" charset="0"/>
+                <a:ea typeface="宋体" charset="-122"/>
+              </a:defRPr>
+            </a:lvl4pPr>
+            <a:lvl5pPr marL="2057400" indent="-228600" eaLnBrk="0" hangingPunct="0">
+              <a:defRPr>
+                <a:solidFill>
+                  <a:schemeClr val="tx1"/>
+                </a:solidFill>
+                <a:latin typeface="Arial" charset="0"/>
+                <a:ea typeface="宋体" charset="-122"/>
+              </a:defRPr>
+            </a:lvl5pPr>
+            <a:lvl6pPr marL="2514600" indent="-228600" eaLnBrk="0" fontAlgn="base" hangingPunct="0">
+              <a:spcBef>
+                <a:spcPct val="0"/>
+              </a:spcBef>
+              <a:spcAft>
+                <a:spcPct val="0"/>
+              </a:spcAft>
+              <a:defRPr>
+                <a:solidFill>
+                  <a:schemeClr val="tx1"/>
+                </a:solidFill>
+                <a:latin typeface="Arial" charset="0"/>
+                <a:ea typeface="宋体" charset="-122"/>
+              </a:defRPr>
+            </a:lvl6pPr>
+            <a:lvl7pPr marL="2971800" indent="-228600" eaLnBrk="0" fontAlgn="base" hangingPunct="0">
+              <a:spcBef>
+                <a:spcPct val="0"/>
+              </a:spcBef>
+              <a:spcAft>
+                <a:spcPct val="0"/>
+              </a:spcAft>
+              <a:defRPr>
+                <a:solidFill>
+                  <a:schemeClr val="tx1"/>
+                </a:solidFill>
+                <a:latin typeface="Arial" charset="0"/>
+                <a:ea typeface="宋体" charset="-122"/>
+              </a:defRPr>
+            </a:lvl7pPr>
+            <a:lvl8pPr marL="3429000" indent="-228600" eaLnBrk="0" fontAlgn="base" hangingPunct="0">
+              <a:spcBef>
+                <a:spcPct val="0"/>
+              </a:spcBef>
+              <a:spcAft>
+                <a:spcPct val="0"/>
+              </a:spcAft>
+              <a:defRPr>
+                <a:solidFill>
+                  <a:schemeClr val="tx1"/>
+                </a:solidFill>
+                <a:latin typeface="Arial" charset="0"/>
+                <a:ea typeface="宋体" charset="-122"/>
+              </a:defRPr>
+            </a:lvl8pPr>
+            <a:lvl9pPr marL="3886200" indent="-228600" eaLnBrk="0" fontAlgn="base" hangingPunct="0">
+              <a:spcBef>
+                <a:spcPct val="0"/>
+              </a:spcBef>
+              <a:spcAft>
+                <a:spcPct val="0"/>
+              </a:spcAft>
+              <a:defRPr>
+                <a:solidFill>
+                  <a:schemeClr val="tx1"/>
+                </a:solidFill>
+                <a:latin typeface="Arial" charset="0"/>
+                <a:ea typeface="宋体" charset="-122"/>
+              </a:defRPr>
+            </a:lvl9pPr>
+          </a:lstStyle>
+          <a:p>
+            <a:pPr eaLnBrk="1" hangingPunct="1"/>
+            <a:fld id="{726663B3-27B7-CF48-B6CF-EA8FE0D84F61}" type="slidenum">
+              <a:rPr lang="zh-CN" altLang="en-US">
+                <a:solidFill>
+                  <a:srgbClr val="B4B1A0"/>
+                </a:solidFill>
+                <a:latin typeface="Gill Sans MT" charset="0"/>
+                <a:ea typeface="华文中宋" charset="-122"/>
+              </a:rPr>
+              <a:pPr eaLnBrk="1" hangingPunct="1"/>
+              <a:t>55</a:t>
+            </a:fld>
+            <a:endParaRPr lang="zh-CN" altLang="en-US">
+              <a:solidFill>
+                <a:srgbClr val="B4B1A0"/>
+              </a:solidFill>
+              <a:latin typeface="Gill Sans MT" charset="0"/>
+              <a:ea typeface="华文中宋" charset="-122"/>
+            </a:endParaRPr>
+          </a:p>
+        </p:txBody>
+      </p:sp>
+    </p:spTree>
   </p:cSld>
   <p:clrMapOvr>
     <a:masterClrMapping/>
@@ -27337,8 +27212,8 @@
           </a:p>
         </p:txBody>
       </p:sp>
-      <mc:AlternateContent xmlns:mc="http://schemas.openxmlformats.org/markup-compatibility/2006">
-        <mc:Choice xmlns:a14="http://schemas.microsoft.com/office/drawing/2010/main" Requires="a14">
+      <mc:AlternateContent xmlns:mc="http://schemas.openxmlformats.org/markup-compatibility/2006" xmlns:a14="http://schemas.microsoft.com/office/drawing/2010/main">
+        <mc:Choice Requires="a14">
           <p:sp>
             <p:nvSpPr>
               <p:cNvPr id="3" name="Content Placeholder 2"/>
@@ -27502,7 +27377,7 @@
             </p:txBody>
           </p:sp>
         </mc:Choice>
-        <mc:Fallback>
+        <mc:Fallback xmlns="">
           <p:sp>
             <p:nvSpPr>
               <p:cNvPr id="3" name="Content Placeholder 2"/>
